--- a/term_project.pptx
+++ b/term_project.pptx
@@ -5,13 +5,15 @@
     <p:sldMasterId id="2147483693" r:id="rId1"/>
   </p:sldMasterIdLst>
   <p:notesMasterIdLst>
-    <p:notesMasterId r:id="rId3"/>
+    <p:notesMasterId r:id="rId5"/>
   </p:notesMasterIdLst>
   <p:handoutMasterIdLst>
-    <p:handoutMasterId r:id="rId4"/>
+    <p:handoutMasterId r:id="rId6"/>
   </p:handoutMasterIdLst>
   <p:sldIdLst>
     <p:sldId id="256" r:id="rId2"/>
+    <p:sldId id="257" r:id="rId3"/>
+    <p:sldId id="258" r:id="rId4"/>
   </p:sldIdLst>
   <p:sldSz cx="12192000" cy="6858000"/>
   <p:notesSz cx="6794500" cy="9906000"/>
@@ -140,6 +142,10 @@
 </p:cmAuthorLst>
 </file>
 
+<file path=ppt/revisionInfo.xml><?xml version="1.0" encoding="utf-8"?>
+<p1510:revInfo xmlns:a="http://schemas.openxmlformats.org/drawingml/2006/main" xmlns:r="http://schemas.openxmlformats.org/officeDocument/2006/relationships" xmlns:p1510="http://schemas.microsoft.com/office/powerpoint/2015/10/main"/>
+</file>
+
 <file path=ppt/handoutMasters/handoutMaster1.xml><?xml version="1.0" encoding="utf-8"?>
 <p:handoutMaster xmlns:a="http://schemas.openxmlformats.org/drawingml/2006/main" xmlns:r="http://schemas.openxmlformats.org/officeDocument/2006/relationships" xmlns:p="http://schemas.openxmlformats.org/presentationml/2006/main">
   <p:cSld>
@@ -222,7 +228,7 @@
           <a:p>
             <a:fld id="{DC963F3D-2EF4-4D49-839B-5F1378A67BFD}" type="datetimeFigureOut">
               <a:rPr lang="ko-KR" altLang="en-US" smtClean="0"/>
-              <a:t>2017-12-12</a:t>
+              <a:t>2017-12-16</a:t>
             </a:fld>
             <a:endParaRPr lang="ko-KR" altLang="en-US"/>
           </a:p>
@@ -388,7 +394,7 @@
           <a:p>
             <a:fld id="{98E27482-4C1B-4C7F-91D8-FBC4C690AB75}" type="datetimeFigureOut">
               <a:rPr lang="ko-KR" altLang="en-US" smtClean="0"/>
-              <a:t>2017-12-12</a:t>
+              <a:t>2017-12-16</a:t>
             </a:fld>
             <a:endParaRPr lang="ko-KR" altLang="en-US"/>
           </a:p>
@@ -704,7 +710,7 @@
           <a:p>
             <a:pPr lvl="0" algn="ctr"/>
             <a:r>
-              <a:rPr lang="ko-KR" altLang="en-US" smtClean="0"/>
+              <a:rPr lang="ko-KR" altLang="en-US"/>
               <a:t>마스터 제목 스타일 편집</a:t>
             </a:r>
             <a:endParaRPr lang="ko-KR" altLang="en-US" dirty="0"/>
@@ -798,7 +804,7 @@
           </a:lstStyle>
           <a:p>
             <a:r>
-              <a:rPr lang="ko-KR" altLang="en-US" smtClean="0"/>
+              <a:rPr lang="ko-KR" altLang="en-US"/>
               <a:t>클릭하여 마스터 부제목 스타일 편집</a:t>
             </a:r>
             <a:endParaRPr lang="en-US" dirty="0"/>
@@ -815,13 +821,6 @@
   <p:clrMapOvr>
     <a:masterClrMapping/>
   </p:clrMapOvr>
-  <p:timing>
-    <p:tnLst>
-      <p:par>
-        <p:cTn id="1" dur="indefinite" restart="never" nodeType="tmRoot"/>
-      </p:par>
-    </p:tnLst>
-  </p:timing>
 </p:sldLayout>
 </file>
 
@@ -858,7 +857,7 @@
           <a:lstStyle/>
           <a:p>
             <a:r>
-              <a:rPr lang="ko-KR" altLang="en-US" smtClean="0"/>
+              <a:rPr lang="ko-KR" altLang="en-US"/>
               <a:t>마스터 제목 스타일 편집</a:t>
             </a:r>
             <a:endParaRPr lang="ko-KR" altLang="en-US" dirty="0"/>
@@ -926,28 +925,28 @@
           <a:p>
             <a:pPr lvl="0"/>
             <a:r>
-              <a:rPr lang="ko-KR" altLang="en-US" smtClean="0"/>
+              <a:rPr lang="ko-KR" altLang="en-US"/>
               <a:t>마스터 텍스트 스타일 편집</a:t>
             </a:r>
           </a:p>
           <a:p>
             <a:pPr lvl="1"/>
             <a:r>
-              <a:rPr lang="ko-KR" altLang="en-US" smtClean="0"/>
+              <a:rPr lang="ko-KR" altLang="en-US"/>
               <a:t>둘째 수준</a:t>
             </a:r>
           </a:p>
           <a:p>
             <a:pPr lvl="2"/>
             <a:r>
-              <a:rPr lang="ko-KR" altLang="en-US" smtClean="0"/>
+              <a:rPr lang="ko-KR" altLang="en-US"/>
               <a:t>셋째 수준</a:t>
             </a:r>
           </a:p>
           <a:p>
             <a:pPr lvl="3"/>
             <a:r>
-              <a:rPr lang="ko-KR" altLang="en-US" smtClean="0"/>
+              <a:rPr lang="ko-KR" altLang="en-US"/>
               <a:t>넷째 수준</a:t>
             </a:r>
           </a:p>
@@ -963,13 +962,6 @@
   <p:clrMapOvr>
     <a:masterClrMapping/>
   </p:clrMapOvr>
-  <p:timing>
-    <p:tnLst>
-      <p:par>
-        <p:cTn id="1" dur="indefinite" restart="never" nodeType="tmRoot"/>
-      </p:par>
-    </p:tnLst>
-  </p:timing>
 </p:sldLayout>
 </file>
 
@@ -1006,10 +998,9 @@
           <a:lstStyle/>
           <a:p>
             <a:r>
-              <a:rPr lang="ko-KR" altLang="en-US" smtClean="0"/>
+              <a:rPr lang="ko-KR" altLang="en-US"/>
               <a:t>마스터 제목 스타일 편집</a:t>
             </a:r>
-            <a:endParaRPr lang="ko-KR" altLang="en-US"/>
           </a:p>
         </p:txBody>
       </p:sp>
@@ -1047,13 +1038,6 @@
   <p:clrMapOvr>
     <a:masterClrMapping/>
   </p:clrMapOvr>
-  <p:timing>
-    <p:tnLst>
-      <p:par>
-        <p:cTn id="1" dur="indefinite" restart="never" nodeType="tmRoot"/>
-      </p:par>
-    </p:tnLst>
-  </p:timing>
 </p:sldLayout>
 </file>
 
@@ -1177,10 +1161,9 @@
           <a:lstStyle/>
           <a:p>
             <a:r>
-              <a:rPr lang="ko-KR" altLang="en-US" dirty="0" smtClean="0"/>
+              <a:rPr lang="ko-KR" altLang="en-US" dirty="0"/>
               <a:t>마스터 제목 스타일 편집</a:t>
             </a:r>
-            <a:endParaRPr lang="ko-KR" altLang="en-US" dirty="0"/>
           </a:p>
         </p:txBody>
       </p:sp>
@@ -1211,38 +1194,37 @@
           <a:p>
             <a:pPr lvl="0"/>
             <a:r>
-              <a:rPr lang="ko-KR" altLang="en-US" dirty="0" smtClean="0"/>
+              <a:rPr lang="ko-KR" altLang="en-US" dirty="0"/>
               <a:t>마스터 텍스트 스타일 편집</a:t>
             </a:r>
           </a:p>
           <a:p>
             <a:pPr lvl="1"/>
             <a:r>
-              <a:rPr lang="ko-KR" altLang="en-US" dirty="0" smtClean="0"/>
+              <a:rPr lang="ko-KR" altLang="en-US" dirty="0"/>
               <a:t>둘째 수준</a:t>
             </a:r>
           </a:p>
           <a:p>
             <a:pPr lvl="2"/>
             <a:r>
-              <a:rPr lang="ko-KR" altLang="en-US" dirty="0" smtClean="0"/>
+              <a:rPr lang="ko-KR" altLang="en-US" dirty="0"/>
               <a:t>셋째 수준</a:t>
             </a:r>
           </a:p>
           <a:p>
             <a:pPr lvl="3"/>
             <a:r>
-              <a:rPr lang="ko-KR" altLang="en-US" dirty="0" smtClean="0"/>
+              <a:rPr lang="ko-KR" altLang="en-US" dirty="0"/>
               <a:t>넷째 수준</a:t>
             </a:r>
           </a:p>
           <a:p>
             <a:pPr lvl="4"/>
             <a:r>
-              <a:rPr lang="ko-KR" altLang="en-US" dirty="0" smtClean="0"/>
+              <a:rPr lang="ko-KR" altLang="en-US" dirty="0"/>
               <a:t>다섯째 수준</a:t>
             </a:r>
-            <a:endParaRPr lang="ko-KR" altLang="en-US" dirty="0"/>
           </a:p>
         </p:txBody>
       </p:sp>
@@ -1470,13 +1452,6 @@
     <p:sldLayoutId id="2147483695" r:id="rId2"/>
     <p:sldLayoutId id="2147483696" r:id="rId3"/>
   </p:sldLayoutIdLst>
-  <p:timing>
-    <p:tnLst>
-      <p:par>
-        <p:cTn id="1" dur="indefinite" restart="never" nodeType="tmRoot"/>
-      </p:par>
-    </p:tnLst>
-  </p:timing>
   <p:hf hdr="0" ftr="0" dt="0"/>
   <p:txStyles>
     <p:titleStyle>
@@ -1820,6 +1795,301 @@
     <p:extLst>
       <p:ext uri="{BB962C8B-B14F-4D97-AF65-F5344CB8AC3E}">
         <p14:creationId xmlns:p14="http://schemas.microsoft.com/office/powerpoint/2010/main" val="1510316988"/>
+      </p:ext>
+    </p:extLst>
+  </p:cSld>
+  <p:clrMapOvr>
+    <a:masterClrMapping/>
+  </p:clrMapOvr>
+</p:sld>
+</file>
+
+<file path=ppt/slides/slide2.xml><?xml version="1.0" encoding="utf-8"?>
+<p:sld xmlns:a="http://schemas.openxmlformats.org/drawingml/2006/main" xmlns:r="http://schemas.openxmlformats.org/officeDocument/2006/relationships" xmlns:p="http://schemas.openxmlformats.org/presentationml/2006/main">
+  <p:cSld>
+    <p:spTree>
+      <p:nvGrpSpPr>
+        <p:cNvPr id="1" name=""/>
+        <p:cNvGrpSpPr/>
+        <p:nvPr/>
+      </p:nvGrpSpPr>
+      <p:grpSpPr>
+        <a:xfrm>
+          <a:off x="0" y="0"/>
+          <a:ext cx="0" cy="0"/>
+          <a:chOff x="0" y="0"/>
+          <a:chExt cx="0" cy="0"/>
+        </a:xfrm>
+      </p:grpSpPr>
+      <p:sp>
+        <p:nvSpPr>
+          <p:cNvPr id="2" name="제목 1">
+            <a:extLst>
+              <a:ext uri="{FF2B5EF4-FFF2-40B4-BE49-F238E27FC236}">
+                <a16:creationId xmlns:a16="http://schemas.microsoft.com/office/drawing/2014/main" id="{FB4340F5-4C65-4C01-80F3-7980E2C4ED6E}"/>
+              </a:ext>
+            </a:extLst>
+          </p:cNvPr>
+          <p:cNvSpPr>
+            <a:spLocks noGrp="1"/>
+          </p:cNvSpPr>
+          <p:nvPr>
+            <p:ph type="title"/>
+          </p:nvPr>
+        </p:nvSpPr>
+        <p:spPr/>
+        <p:txBody>
+          <a:bodyPr>
+            <a:normAutofit fontScale="90000"/>
+          </a:bodyPr>
+          <a:lstStyle/>
+          <a:p>
+            <a:endParaRPr lang="ko-KR" altLang="en-US"/>
+          </a:p>
+        </p:txBody>
+      </p:sp>
+      <p:sp>
+        <p:nvSpPr>
+          <p:cNvPr id="3" name="슬라이드 번호 개체 틀 2">
+            <a:extLst>
+              <a:ext uri="{FF2B5EF4-FFF2-40B4-BE49-F238E27FC236}">
+                <a16:creationId xmlns:a16="http://schemas.microsoft.com/office/drawing/2014/main" id="{FD153864-D528-49BC-BCAC-512B7D92857C}"/>
+              </a:ext>
+            </a:extLst>
+          </p:cNvPr>
+          <p:cNvSpPr>
+            <a:spLocks noGrp="1"/>
+          </p:cNvSpPr>
+          <p:nvPr>
+            <p:ph type="sldNum" sz="quarter" idx="10"/>
+          </p:nvPr>
+        </p:nvSpPr>
+        <p:spPr/>
+        <p:txBody>
+          <a:bodyPr/>
+          <a:lstStyle/>
+          <a:p>
+            <a:fld id="{A4621CFB-E7E4-43D9-904E-5B44BC5AA023}" type="slidenum">
+              <a:rPr lang="ko-KR" altLang="en-US" smtClean="0"/>
+              <a:pPr/>
+              <a:t>2</a:t>
+            </a:fld>
+            <a:endParaRPr lang="ko-KR" altLang="en-US"/>
+          </a:p>
+        </p:txBody>
+      </p:sp>
+      <p:sp>
+        <p:nvSpPr>
+          <p:cNvPr id="4" name="텍스트 개체 틀 3">
+            <a:extLst>
+              <a:ext uri="{FF2B5EF4-FFF2-40B4-BE49-F238E27FC236}">
+                <a16:creationId xmlns:a16="http://schemas.microsoft.com/office/drawing/2014/main" id="{BB03999B-51C8-4AFB-82F5-387A7B6E9F57}"/>
+              </a:ext>
+            </a:extLst>
+          </p:cNvPr>
+          <p:cNvSpPr>
+            <a:spLocks noGrp="1"/>
+          </p:cNvSpPr>
+          <p:nvPr>
+            <p:ph type="body" idx="1"/>
+          </p:nvPr>
+        </p:nvSpPr>
+        <p:spPr/>
+        <p:txBody>
+          <a:bodyPr/>
+          <a:lstStyle/>
+          <a:p>
+            <a:r>
+              <a:rPr lang="en-US" altLang="ko-KR" dirty="0"/>
+              <a:t>IR</a:t>
+            </a:r>
+            <a:r>
+              <a:rPr lang="ko-KR" altLang="en-US" dirty="0"/>
+              <a:t> 설명</a:t>
+            </a:r>
+            <a:endParaRPr lang="en-US" altLang="ko-KR" dirty="0"/>
+          </a:p>
+          <a:p>
+            <a:r>
+              <a:rPr lang="en-US" altLang="ko-KR" dirty="0"/>
+              <a:t>IR </a:t>
+            </a:r>
+            <a:r>
+              <a:rPr lang="ko-KR" altLang="en-US" dirty="0"/>
+              <a:t>포맷이 나온 근거</a:t>
+            </a:r>
+            <a:r>
+              <a:rPr lang="en-US" altLang="ko-KR" dirty="0"/>
+              <a:t>. </a:t>
+            </a:r>
+            <a:r>
+              <a:rPr lang="ko-KR" altLang="en-US" dirty="0"/>
+              <a:t>이유</a:t>
+            </a:r>
+            <a:endParaRPr lang="en-US" altLang="ko-KR" dirty="0"/>
+          </a:p>
+          <a:p>
+            <a:endParaRPr lang="en-US" altLang="ko-KR" dirty="0"/>
+          </a:p>
+          <a:p>
+            <a:endParaRPr lang="en-US" altLang="ko-KR" dirty="0"/>
+          </a:p>
+          <a:p>
+            <a:r>
+              <a:rPr lang="en-US" altLang="ko-KR" dirty="0"/>
+              <a:t>Anchor – detail </a:t>
+            </a:r>
+            <a:r>
+              <a:rPr lang="ko-KR" altLang="en-US" dirty="0"/>
+              <a:t>로 나눈 근거</a:t>
+            </a:r>
+            <a:endParaRPr lang="en-US" altLang="ko-KR" dirty="0"/>
+          </a:p>
+          <a:p>
+            <a:endParaRPr lang="en-US" altLang="ko-KR" dirty="0"/>
+          </a:p>
+          <a:p>
+            <a:endParaRPr lang="ko-KR" altLang="en-US" dirty="0"/>
+          </a:p>
+        </p:txBody>
+      </p:sp>
+    </p:spTree>
+    <p:extLst>
+      <p:ext uri="{BB962C8B-B14F-4D97-AF65-F5344CB8AC3E}">
+        <p14:creationId xmlns:p14="http://schemas.microsoft.com/office/powerpoint/2010/main" val="2322426973"/>
+      </p:ext>
+    </p:extLst>
+  </p:cSld>
+  <p:clrMapOvr>
+    <a:masterClrMapping/>
+  </p:clrMapOvr>
+</p:sld>
+</file>
+
+<file path=ppt/slides/slide3.xml><?xml version="1.0" encoding="utf-8"?>
+<p:sld xmlns:a="http://schemas.openxmlformats.org/drawingml/2006/main" xmlns:r="http://schemas.openxmlformats.org/officeDocument/2006/relationships" xmlns:p="http://schemas.openxmlformats.org/presentationml/2006/main">
+  <p:cSld>
+    <p:spTree>
+      <p:nvGrpSpPr>
+        <p:cNvPr id="1" name=""/>
+        <p:cNvGrpSpPr/>
+        <p:nvPr/>
+      </p:nvGrpSpPr>
+      <p:grpSpPr>
+        <a:xfrm>
+          <a:off x="0" y="0"/>
+          <a:ext cx="0" cy="0"/>
+          <a:chOff x="0" y="0"/>
+          <a:chExt cx="0" cy="0"/>
+        </a:xfrm>
+      </p:grpSpPr>
+      <p:sp>
+        <p:nvSpPr>
+          <p:cNvPr id="2" name="제목 1">
+            <a:extLst>
+              <a:ext uri="{FF2B5EF4-FFF2-40B4-BE49-F238E27FC236}">
+                <a16:creationId xmlns:a16="http://schemas.microsoft.com/office/drawing/2014/main" id="{756A4F7C-9558-4C95-858C-8EA51D2D5156}"/>
+              </a:ext>
+            </a:extLst>
+          </p:cNvPr>
+          <p:cNvSpPr>
+            <a:spLocks noGrp="1"/>
+          </p:cNvSpPr>
+          <p:nvPr>
+            <p:ph type="title"/>
+          </p:nvPr>
+        </p:nvSpPr>
+        <p:spPr/>
+        <p:txBody>
+          <a:bodyPr>
+            <a:normAutofit fontScale="90000"/>
+          </a:bodyPr>
+          <a:lstStyle/>
+          <a:p>
+            <a:endParaRPr lang="ko-KR" altLang="en-US"/>
+          </a:p>
+        </p:txBody>
+      </p:sp>
+      <p:sp>
+        <p:nvSpPr>
+          <p:cNvPr id="3" name="슬라이드 번호 개체 틀 2">
+            <a:extLst>
+              <a:ext uri="{FF2B5EF4-FFF2-40B4-BE49-F238E27FC236}">
+                <a16:creationId xmlns:a16="http://schemas.microsoft.com/office/drawing/2014/main" id="{A0AAFA24-EC18-4ACD-BEA3-EE18B1D032AF}"/>
+              </a:ext>
+            </a:extLst>
+          </p:cNvPr>
+          <p:cNvSpPr>
+            <a:spLocks noGrp="1"/>
+          </p:cNvSpPr>
+          <p:nvPr>
+            <p:ph type="sldNum" sz="quarter" idx="10"/>
+          </p:nvPr>
+        </p:nvSpPr>
+        <p:spPr/>
+        <p:txBody>
+          <a:bodyPr/>
+          <a:lstStyle/>
+          <a:p>
+            <a:fld id="{A4621CFB-E7E4-43D9-904E-5B44BC5AA023}" type="slidenum">
+              <a:rPr lang="ko-KR" altLang="en-US" smtClean="0"/>
+              <a:pPr/>
+              <a:t>3</a:t>
+            </a:fld>
+            <a:endParaRPr lang="ko-KR" altLang="en-US"/>
+          </a:p>
+        </p:txBody>
+      </p:sp>
+      <p:sp>
+        <p:nvSpPr>
+          <p:cNvPr id="4" name="텍스트 개체 틀 3">
+            <a:extLst>
+              <a:ext uri="{FF2B5EF4-FFF2-40B4-BE49-F238E27FC236}">
+                <a16:creationId xmlns:a16="http://schemas.microsoft.com/office/drawing/2014/main" id="{092E1F7C-D3D9-495C-B28F-23D5789BAE1D}"/>
+              </a:ext>
+            </a:extLst>
+          </p:cNvPr>
+          <p:cNvSpPr>
+            <a:spLocks noGrp="1"/>
+          </p:cNvSpPr>
+          <p:nvPr>
+            <p:ph type="body" idx="1"/>
+          </p:nvPr>
+        </p:nvSpPr>
+        <p:spPr/>
+        <p:txBody>
+          <a:bodyPr/>
+          <a:lstStyle/>
+          <a:p>
+            <a:r>
+              <a:rPr lang="ko-KR" altLang="en-US" dirty="0"/>
+              <a:t>앞으로 할 수 있는 연구를 위한 초석</a:t>
+            </a:r>
+            <a:endParaRPr lang="en-US" altLang="ko-KR" dirty="0"/>
+          </a:p>
+          <a:p>
+            <a:pPr lvl="1"/>
+            <a:r>
+              <a:rPr lang="ko-KR" altLang="en-US" dirty="0"/>
+              <a:t>연구 리스트</a:t>
+            </a:r>
+            <a:endParaRPr lang="en-US" altLang="ko-KR" dirty="0"/>
+          </a:p>
+          <a:p>
+            <a:endParaRPr lang="en-US" altLang="ko-KR" dirty="0"/>
+          </a:p>
+          <a:p>
+            <a:endParaRPr lang="en-US" altLang="ko-KR" dirty="0"/>
+          </a:p>
+          <a:p>
+            <a:endParaRPr lang="ko-KR" altLang="en-US" dirty="0"/>
+          </a:p>
+        </p:txBody>
+      </p:sp>
+    </p:spTree>
+    <p:extLst>
+      <p:ext uri="{BB962C8B-B14F-4D97-AF65-F5344CB8AC3E}">
+        <p14:creationId xmlns:p14="http://schemas.microsoft.com/office/powerpoint/2010/main" val="383833309"/>
       </p:ext>
     </p:extLst>
   </p:cSld>

--- a/term_project.pptx
+++ b/term_project.pptx
@@ -5,15 +5,24 @@
     <p:sldMasterId id="2147483693" r:id="rId1"/>
   </p:sldMasterIdLst>
   <p:notesMasterIdLst>
-    <p:notesMasterId r:id="rId5"/>
+    <p:notesMasterId r:id="rId14"/>
   </p:notesMasterIdLst>
   <p:handoutMasterIdLst>
-    <p:handoutMasterId r:id="rId6"/>
+    <p:handoutMasterId r:id="rId15"/>
   </p:handoutMasterIdLst>
   <p:sldIdLst>
     <p:sldId id="256" r:id="rId2"/>
-    <p:sldId id="257" r:id="rId3"/>
-    <p:sldId id="258" r:id="rId4"/>
+    <p:sldId id="265" r:id="rId3"/>
+    <p:sldId id="260" r:id="rId4"/>
+    <p:sldId id="266" r:id="rId5"/>
+    <p:sldId id="267" r:id="rId6"/>
+    <p:sldId id="268" r:id="rId7"/>
+    <p:sldId id="269" r:id="rId8"/>
+    <p:sldId id="270" r:id="rId9"/>
+    <p:sldId id="264" r:id="rId10"/>
+    <p:sldId id="258" r:id="rId11"/>
+    <p:sldId id="271" r:id="rId12"/>
+    <p:sldId id="257" r:id="rId13"/>
   </p:sldIdLst>
   <p:sldSz cx="12192000" cy="6858000"/>
   <p:notesSz cx="6794500" cy="9906000"/>
@@ -228,7 +237,7 @@
           <a:p>
             <a:fld id="{DC963F3D-2EF4-4D49-839B-5F1378A67BFD}" type="datetimeFigureOut">
               <a:rPr lang="ko-KR" altLang="en-US" smtClean="0"/>
-              <a:t>2017-12-16</a:t>
+              <a:t>2017-12-17</a:t>
             </a:fld>
             <a:endParaRPr lang="ko-KR" altLang="en-US"/>
           </a:p>
@@ -394,7 +403,7 @@
           <a:p>
             <a:fld id="{98E27482-4C1B-4C7F-91D8-FBC4C690AB75}" type="datetimeFigureOut">
               <a:rPr lang="ko-KR" altLang="en-US" smtClean="0"/>
-              <a:t>2017-12-16</a:t>
+              <a:t>2017-12-17</a:t>
             </a:fld>
             <a:endParaRPr lang="ko-KR" altLang="en-US"/>
           </a:p>
@@ -1768,7 +1777,34 @@
           <a:bodyPr/>
           <a:lstStyle/>
           <a:p>
-            <a:endParaRPr lang="ko-KR" altLang="en-US"/>
+            <a:r>
+              <a:rPr lang="en-US" altLang="ko-KR" dirty="0" err="1" smtClean="0"/>
+              <a:t>ReVA</a:t>
+            </a:r>
+            <a:r>
+              <a:rPr lang="en-US" altLang="ko-KR" dirty="0" smtClean="0"/>
+              <a:t/>
+            </a:r>
+            <a:br>
+              <a:rPr lang="en-US" altLang="ko-KR" dirty="0" smtClean="0"/>
+            </a:br>
+            <a:r>
+              <a:rPr lang="en-US" altLang="ko-KR" dirty="0" smtClean="0"/>
+              <a:t>: </a:t>
+            </a:r>
+            <a:r>
+              <a:rPr lang="en" altLang="ko-KR" sz="4000" dirty="0" smtClean="0"/>
+              <a:t>Interaction </a:t>
+            </a:r>
+            <a:r>
+              <a:rPr lang="en" altLang="ko-KR" sz="4000" dirty="0"/>
+              <a:t>log pattern Visualization supporting Recover and </a:t>
+            </a:r>
+            <a:r>
+              <a:rPr lang="en" altLang="ko-KR" sz="4000" dirty="0" smtClean="0"/>
+              <a:t>Reuse</a:t>
+            </a:r>
+            <a:endParaRPr lang="ko-KR" altLang="en-US" sz="4000" dirty="0"/>
           </a:p>
         </p:txBody>
       </p:sp>
@@ -1787,7 +1823,19 @@
           <a:bodyPr/>
           <a:lstStyle/>
           <a:p>
-            <a:endParaRPr lang="ko-KR" altLang="en-US"/>
+            <a:r>
+              <a:rPr lang="ko-KR" altLang="en-US" dirty="0" smtClean="0"/>
+              <a:t>김영택</a:t>
+            </a:r>
+            <a:r>
+              <a:rPr lang="en-US" altLang="ko-KR" dirty="0" smtClean="0"/>
+              <a:t>, </a:t>
+            </a:r>
+            <a:r>
+              <a:rPr lang="ko-KR" altLang="en-US" dirty="0" err="1" smtClean="0"/>
+              <a:t>김이은</a:t>
+            </a:r>
+            <a:endParaRPr lang="ko-KR" altLang="en-US" dirty="0"/>
           </a:p>
         </p:txBody>
       </p:sp>
@@ -1795,6 +1843,430 @@
     <p:extLst>
       <p:ext uri="{BB962C8B-B14F-4D97-AF65-F5344CB8AC3E}">
         <p14:creationId xmlns:p14="http://schemas.microsoft.com/office/powerpoint/2010/main" val="1510316988"/>
+      </p:ext>
+    </p:extLst>
+  </p:cSld>
+  <p:clrMapOvr>
+    <a:masterClrMapping/>
+  </p:clrMapOvr>
+</p:sld>
+</file>
+
+<file path=ppt/slides/slide10.xml><?xml version="1.0" encoding="utf-8"?>
+<p:sld xmlns:a="http://schemas.openxmlformats.org/drawingml/2006/main" xmlns:r="http://schemas.openxmlformats.org/officeDocument/2006/relationships" xmlns:p="http://schemas.openxmlformats.org/presentationml/2006/main">
+  <p:cSld>
+    <p:spTree>
+      <p:nvGrpSpPr>
+        <p:cNvPr id="1" name=""/>
+        <p:cNvGrpSpPr/>
+        <p:nvPr/>
+      </p:nvGrpSpPr>
+      <p:grpSpPr>
+        <a:xfrm>
+          <a:off x="0" y="0"/>
+          <a:ext cx="0" cy="0"/>
+          <a:chOff x="0" y="0"/>
+          <a:chExt cx="0" cy="0"/>
+        </a:xfrm>
+      </p:grpSpPr>
+      <p:sp>
+        <p:nvSpPr>
+          <p:cNvPr id="2" name="제목 1">
+            <a:extLst>
+              <a:ext uri="{FF2B5EF4-FFF2-40B4-BE49-F238E27FC236}">
+                <a16:creationId xmlns:a16="http://schemas.microsoft.com/office/drawing/2014/main" id="{756A4F7C-9558-4C95-858C-8EA51D2D5156}"/>
+              </a:ext>
+            </a:extLst>
+          </p:cNvPr>
+          <p:cNvSpPr>
+            <a:spLocks noGrp="1"/>
+          </p:cNvSpPr>
+          <p:nvPr>
+            <p:ph type="title"/>
+          </p:nvPr>
+        </p:nvSpPr>
+        <p:spPr/>
+        <p:txBody>
+          <a:bodyPr>
+            <a:normAutofit fontScale="90000"/>
+          </a:bodyPr>
+          <a:lstStyle/>
+          <a:p>
+            <a:endParaRPr lang="ko-KR" altLang="en-US"/>
+          </a:p>
+        </p:txBody>
+      </p:sp>
+      <p:sp>
+        <p:nvSpPr>
+          <p:cNvPr id="3" name="슬라이드 번호 개체 틀 2">
+            <a:extLst>
+              <a:ext uri="{FF2B5EF4-FFF2-40B4-BE49-F238E27FC236}">
+                <a16:creationId xmlns:a16="http://schemas.microsoft.com/office/drawing/2014/main" id="{A0AAFA24-EC18-4ACD-BEA3-EE18B1D032AF}"/>
+              </a:ext>
+            </a:extLst>
+          </p:cNvPr>
+          <p:cNvSpPr>
+            <a:spLocks noGrp="1"/>
+          </p:cNvSpPr>
+          <p:nvPr>
+            <p:ph type="sldNum" sz="quarter" idx="10"/>
+          </p:nvPr>
+        </p:nvSpPr>
+        <p:spPr/>
+        <p:txBody>
+          <a:bodyPr/>
+          <a:lstStyle/>
+          <a:p>
+            <a:fld id="{A4621CFB-E7E4-43D9-904E-5B44BC5AA023}" type="slidenum">
+              <a:rPr lang="ko-KR" altLang="en-US" smtClean="0"/>
+              <a:pPr/>
+              <a:t>10</a:t>
+            </a:fld>
+            <a:endParaRPr lang="ko-KR" altLang="en-US"/>
+          </a:p>
+        </p:txBody>
+      </p:sp>
+      <p:sp>
+        <p:nvSpPr>
+          <p:cNvPr id="4" name="텍스트 개체 틀 3">
+            <a:extLst>
+              <a:ext uri="{FF2B5EF4-FFF2-40B4-BE49-F238E27FC236}">
+                <a16:creationId xmlns:a16="http://schemas.microsoft.com/office/drawing/2014/main" id="{092E1F7C-D3D9-495C-B28F-23D5789BAE1D}"/>
+              </a:ext>
+            </a:extLst>
+          </p:cNvPr>
+          <p:cNvSpPr>
+            <a:spLocks noGrp="1"/>
+          </p:cNvSpPr>
+          <p:nvPr>
+            <p:ph type="body" idx="1"/>
+          </p:nvPr>
+        </p:nvSpPr>
+        <p:spPr/>
+        <p:txBody>
+          <a:bodyPr/>
+          <a:lstStyle/>
+          <a:p>
+            <a:endParaRPr lang="ko-KR" altLang="en-US" dirty="0"/>
+          </a:p>
+        </p:txBody>
+      </p:sp>
+    </p:spTree>
+    <p:extLst>
+      <p:ext uri="{BB962C8B-B14F-4D97-AF65-F5344CB8AC3E}">
+        <p14:creationId xmlns:p14="http://schemas.microsoft.com/office/powerpoint/2010/main" val="383833309"/>
+      </p:ext>
+    </p:extLst>
+  </p:cSld>
+  <p:clrMapOvr>
+    <a:masterClrMapping/>
+  </p:clrMapOvr>
+</p:sld>
+</file>
+
+<file path=ppt/slides/slide11.xml><?xml version="1.0" encoding="utf-8"?>
+<p:sld xmlns:a="http://schemas.openxmlformats.org/drawingml/2006/main" xmlns:r="http://schemas.openxmlformats.org/officeDocument/2006/relationships" xmlns:p="http://schemas.openxmlformats.org/presentationml/2006/main">
+  <p:cSld>
+    <p:spTree>
+      <p:nvGrpSpPr>
+        <p:cNvPr id="1" name=""/>
+        <p:cNvGrpSpPr/>
+        <p:nvPr/>
+      </p:nvGrpSpPr>
+      <p:grpSpPr>
+        <a:xfrm>
+          <a:off x="0" y="0"/>
+          <a:ext cx="0" cy="0"/>
+          <a:chOff x="0" y="0"/>
+          <a:chExt cx="0" cy="0"/>
+        </a:xfrm>
+      </p:grpSpPr>
+      <p:sp>
+        <p:nvSpPr>
+          <p:cNvPr id="2" name="제목 1"/>
+          <p:cNvSpPr>
+            <a:spLocks noGrp="1"/>
+          </p:cNvSpPr>
+          <p:nvPr>
+            <p:ph type="title"/>
+          </p:nvPr>
+        </p:nvSpPr>
+        <p:spPr/>
+        <p:txBody>
+          <a:bodyPr>
+            <a:normAutofit fontScale="90000"/>
+          </a:bodyPr>
+          <a:lstStyle/>
+          <a:p>
+            <a:endParaRPr lang="ko-KR" altLang="en-US"/>
+          </a:p>
+        </p:txBody>
+      </p:sp>
+      <p:sp>
+        <p:nvSpPr>
+          <p:cNvPr id="3" name="슬라이드 번호 개체 틀 2"/>
+          <p:cNvSpPr>
+            <a:spLocks noGrp="1"/>
+          </p:cNvSpPr>
+          <p:nvPr>
+            <p:ph type="sldNum" sz="quarter" idx="10"/>
+          </p:nvPr>
+        </p:nvSpPr>
+        <p:spPr/>
+        <p:txBody>
+          <a:bodyPr/>
+          <a:lstStyle/>
+          <a:p>
+            <a:fld id="{A4621CFB-E7E4-43D9-904E-5B44BC5AA023}" type="slidenum">
+              <a:rPr lang="ko-KR" altLang="en-US" smtClean="0"/>
+              <a:pPr/>
+              <a:t>11</a:t>
+            </a:fld>
+            <a:endParaRPr lang="ko-KR" altLang="en-US"/>
+          </a:p>
+        </p:txBody>
+      </p:sp>
+      <p:sp>
+        <p:nvSpPr>
+          <p:cNvPr id="4" name="텍스트 개체 틀 3"/>
+          <p:cNvSpPr>
+            <a:spLocks noGrp="1"/>
+          </p:cNvSpPr>
+          <p:nvPr>
+            <p:ph type="body" idx="1"/>
+          </p:nvPr>
+        </p:nvSpPr>
+        <p:spPr/>
+        <p:txBody>
+          <a:bodyPr/>
+          <a:lstStyle/>
+          <a:p>
+            <a:endParaRPr lang="ko-KR" altLang="en-US"/>
+          </a:p>
+        </p:txBody>
+      </p:sp>
+    </p:spTree>
+    <p:extLst>
+      <p:ext uri="{BB962C8B-B14F-4D97-AF65-F5344CB8AC3E}">
+        <p14:creationId xmlns:p14="http://schemas.microsoft.com/office/powerpoint/2010/main" val="1519276758"/>
+      </p:ext>
+    </p:extLst>
+  </p:cSld>
+  <p:clrMapOvr>
+    <a:masterClrMapping/>
+  </p:clrMapOvr>
+</p:sld>
+</file>
+
+<file path=ppt/slides/slide12.xml><?xml version="1.0" encoding="utf-8"?>
+<p:sld xmlns:a="http://schemas.openxmlformats.org/drawingml/2006/main" xmlns:r="http://schemas.openxmlformats.org/officeDocument/2006/relationships" xmlns:p="http://schemas.openxmlformats.org/presentationml/2006/main">
+  <p:cSld>
+    <p:spTree>
+      <p:nvGrpSpPr>
+        <p:cNvPr id="1" name=""/>
+        <p:cNvGrpSpPr/>
+        <p:nvPr/>
+      </p:nvGrpSpPr>
+      <p:grpSpPr>
+        <a:xfrm>
+          <a:off x="0" y="0"/>
+          <a:ext cx="0" cy="0"/>
+          <a:chOff x="0" y="0"/>
+          <a:chExt cx="0" cy="0"/>
+        </a:xfrm>
+      </p:grpSpPr>
+      <p:sp>
+        <p:nvSpPr>
+          <p:cNvPr id="2" name="제목 1">
+            <a:extLst>
+              <a:ext uri="{FF2B5EF4-FFF2-40B4-BE49-F238E27FC236}">
+                <a16:creationId xmlns:a16="http://schemas.microsoft.com/office/drawing/2014/main" id="{FB4340F5-4C65-4C01-80F3-7980E2C4ED6E}"/>
+              </a:ext>
+            </a:extLst>
+          </p:cNvPr>
+          <p:cNvSpPr>
+            <a:spLocks noGrp="1"/>
+          </p:cNvSpPr>
+          <p:nvPr>
+            <p:ph type="title"/>
+          </p:nvPr>
+        </p:nvSpPr>
+        <p:spPr/>
+        <p:txBody>
+          <a:bodyPr>
+            <a:normAutofit fontScale="90000"/>
+          </a:bodyPr>
+          <a:lstStyle/>
+          <a:p>
+            <a:r>
+              <a:rPr lang="ko-KR" altLang="en-US" dirty="0" smtClean="0"/>
+              <a:t>메모</a:t>
+            </a:r>
+            <a:endParaRPr lang="ko-KR" altLang="en-US" dirty="0"/>
+          </a:p>
+        </p:txBody>
+      </p:sp>
+      <p:sp>
+        <p:nvSpPr>
+          <p:cNvPr id="3" name="슬라이드 번호 개체 틀 2">
+            <a:extLst>
+              <a:ext uri="{FF2B5EF4-FFF2-40B4-BE49-F238E27FC236}">
+                <a16:creationId xmlns:a16="http://schemas.microsoft.com/office/drawing/2014/main" id="{FD153864-D528-49BC-BCAC-512B7D92857C}"/>
+              </a:ext>
+            </a:extLst>
+          </p:cNvPr>
+          <p:cNvSpPr>
+            <a:spLocks noGrp="1"/>
+          </p:cNvSpPr>
+          <p:nvPr>
+            <p:ph type="sldNum" sz="quarter" idx="10"/>
+          </p:nvPr>
+        </p:nvSpPr>
+        <p:spPr/>
+        <p:txBody>
+          <a:bodyPr/>
+          <a:lstStyle/>
+          <a:p>
+            <a:fld id="{A4621CFB-E7E4-43D9-904E-5B44BC5AA023}" type="slidenum">
+              <a:rPr lang="ko-KR" altLang="en-US" smtClean="0"/>
+              <a:pPr/>
+              <a:t>12</a:t>
+            </a:fld>
+            <a:endParaRPr lang="ko-KR" altLang="en-US"/>
+          </a:p>
+        </p:txBody>
+      </p:sp>
+      <p:sp>
+        <p:nvSpPr>
+          <p:cNvPr id="4" name="텍스트 개체 틀 3">
+            <a:extLst>
+              <a:ext uri="{FF2B5EF4-FFF2-40B4-BE49-F238E27FC236}">
+                <a16:creationId xmlns:a16="http://schemas.microsoft.com/office/drawing/2014/main" id="{BB03999B-51C8-4AFB-82F5-387A7B6E9F57}"/>
+              </a:ext>
+            </a:extLst>
+          </p:cNvPr>
+          <p:cNvSpPr>
+            <a:spLocks noGrp="1"/>
+          </p:cNvSpPr>
+          <p:nvPr>
+            <p:ph type="body" idx="1"/>
+          </p:nvPr>
+        </p:nvSpPr>
+        <p:spPr/>
+        <p:txBody>
+          <a:bodyPr/>
+          <a:lstStyle/>
+          <a:p>
+            <a:r>
+              <a:rPr lang="en-US" altLang="ko-KR" dirty="0"/>
+              <a:t>IR</a:t>
+            </a:r>
+            <a:r>
+              <a:rPr lang="ko-KR" altLang="en-US" dirty="0"/>
+              <a:t> 설명</a:t>
+            </a:r>
+            <a:endParaRPr lang="en-US" altLang="ko-KR" dirty="0"/>
+          </a:p>
+          <a:p>
+            <a:r>
+              <a:rPr lang="en-US" altLang="ko-KR" dirty="0"/>
+              <a:t>IR </a:t>
+            </a:r>
+            <a:r>
+              <a:rPr lang="ko-KR" altLang="en-US" dirty="0"/>
+              <a:t>포맷이 나온 근거</a:t>
+            </a:r>
+            <a:r>
+              <a:rPr lang="en-US" altLang="ko-KR" dirty="0"/>
+              <a:t>. </a:t>
+            </a:r>
+            <a:r>
+              <a:rPr lang="ko-KR" altLang="en-US" dirty="0"/>
+              <a:t>이유</a:t>
+            </a:r>
+            <a:endParaRPr lang="en-US" altLang="ko-KR" dirty="0"/>
+          </a:p>
+          <a:p>
+            <a:r>
+              <a:rPr lang="en-US" altLang="ko-KR" dirty="0" smtClean="0"/>
+              <a:t>Anchor </a:t>
+            </a:r>
+            <a:r>
+              <a:rPr lang="en-US" altLang="ko-KR" dirty="0"/>
+              <a:t>– detail </a:t>
+            </a:r>
+            <a:r>
+              <a:rPr lang="ko-KR" altLang="en-US" dirty="0"/>
+              <a:t>로 나눈 </a:t>
+            </a:r>
+            <a:r>
+              <a:rPr lang="ko-KR" altLang="en-US" dirty="0" smtClean="0"/>
+              <a:t>근거</a:t>
+            </a:r>
+            <a:endParaRPr lang="en-US" altLang="ko-KR" dirty="0" smtClean="0"/>
+          </a:p>
+          <a:p>
+            <a:endParaRPr lang="en-US" altLang="ko-KR" dirty="0" smtClean="0"/>
+          </a:p>
+          <a:p>
+            <a:r>
+              <a:rPr lang="en-US" altLang="ko-KR" dirty="0" smtClean="0"/>
+              <a:t>Pattern</a:t>
+            </a:r>
+            <a:r>
+              <a:rPr lang="ko-KR" altLang="en-US" dirty="0" smtClean="0"/>
+              <a:t>인데 </a:t>
+            </a:r>
+            <a:r>
+              <a:rPr lang="en-US" altLang="ko-KR" dirty="0" smtClean="0"/>
+              <a:t>pattern </a:t>
+            </a:r>
+            <a:r>
+              <a:rPr lang="ko-KR" altLang="en-US" dirty="0" smtClean="0"/>
+              <a:t>이 없음</a:t>
+            </a:r>
+            <a:r>
+              <a:rPr lang="en-US" altLang="ko-KR" dirty="0" smtClean="0"/>
+              <a:t>.. =&gt; </a:t>
+            </a:r>
+            <a:r>
+              <a:rPr lang="ko-KR" altLang="en-US" dirty="0" smtClean="0"/>
+              <a:t>약점으로 표시</a:t>
+            </a:r>
+            <a:endParaRPr lang="en-US" altLang="ko-KR" dirty="0" smtClean="0"/>
+          </a:p>
+          <a:p>
+            <a:r>
+              <a:rPr lang="en-US" altLang="ko-KR" dirty="0" smtClean="0"/>
+              <a:t>Log</a:t>
+            </a:r>
+            <a:r>
+              <a:rPr lang="ko-KR" altLang="en-US" dirty="0"/>
+              <a:t>의 패턴을 재확인할 수 있으면 좋은데</a:t>
+            </a:r>
+            <a:r>
+              <a:rPr lang="en-US" altLang="ko-KR" dirty="0"/>
+              <a:t>…</a:t>
+            </a:r>
+          </a:p>
+          <a:p>
+            <a:endParaRPr lang="ko-KR" altLang="en-US" dirty="0"/>
+          </a:p>
+          <a:p>
+            <a:endParaRPr lang="en-US" altLang="ko-KR" dirty="0"/>
+          </a:p>
+          <a:p>
+            <a:endParaRPr lang="en-US" altLang="ko-KR" dirty="0"/>
+          </a:p>
+          <a:p>
+            <a:endParaRPr lang="ko-KR" altLang="en-US" dirty="0"/>
+          </a:p>
+        </p:txBody>
+      </p:sp>
+    </p:spTree>
+    <p:extLst>
+      <p:ext uri="{BB962C8B-B14F-4D97-AF65-F5344CB8AC3E}">
+        <p14:creationId xmlns:p14="http://schemas.microsoft.com/office/powerpoint/2010/main" val="2322426973"/>
       </p:ext>
     </p:extLst>
   </p:cSld>
@@ -1823,13 +2295,7 @@
       </p:grpSpPr>
       <p:sp>
         <p:nvSpPr>
-          <p:cNvPr id="2" name="제목 1">
-            <a:extLst>
-              <a:ext uri="{FF2B5EF4-FFF2-40B4-BE49-F238E27FC236}">
-                <a16:creationId xmlns:a16="http://schemas.microsoft.com/office/drawing/2014/main" id="{FB4340F5-4C65-4C01-80F3-7980E2C4ED6E}"/>
-              </a:ext>
-            </a:extLst>
-          </p:cNvPr>
+          <p:cNvPr id="2" name="제목 1"/>
           <p:cNvSpPr>
             <a:spLocks noGrp="1"/>
           </p:cNvSpPr>
@@ -1844,19 +2310,17 @@
           </a:bodyPr>
           <a:lstStyle/>
           <a:p>
-            <a:endParaRPr lang="ko-KR" altLang="en-US"/>
-          </a:p>
-        </p:txBody>
-      </p:sp>
-      <p:sp>
-        <p:nvSpPr>
-          <p:cNvPr id="3" name="슬라이드 번호 개체 틀 2">
-            <a:extLst>
-              <a:ext uri="{FF2B5EF4-FFF2-40B4-BE49-F238E27FC236}">
-                <a16:creationId xmlns:a16="http://schemas.microsoft.com/office/drawing/2014/main" id="{FD153864-D528-49BC-BCAC-512B7D92857C}"/>
-              </a:ext>
-            </a:extLst>
-          </p:cNvPr>
+            <a:r>
+              <a:rPr lang="en-US" altLang="ko-KR" dirty="0"/>
+              <a:t>Background</a:t>
+            </a:r>
+            <a:endParaRPr lang="ko-KR" altLang="en-US" dirty="0"/>
+          </a:p>
+        </p:txBody>
+      </p:sp>
+      <p:sp>
+        <p:nvSpPr>
+          <p:cNvPr id="3" name="슬라이드 번호 개체 틀 2"/>
           <p:cNvSpPr>
             <a:spLocks noGrp="1"/>
           </p:cNvSpPr>
@@ -1880,13 +2344,7 @@
       </p:sp>
       <p:sp>
         <p:nvSpPr>
-          <p:cNvPr id="4" name="텍스트 개체 틀 3">
-            <a:extLst>
-              <a:ext uri="{FF2B5EF4-FFF2-40B4-BE49-F238E27FC236}">
-                <a16:creationId xmlns:a16="http://schemas.microsoft.com/office/drawing/2014/main" id="{BB03999B-51C8-4AFB-82F5-387A7B6E9F57}"/>
-              </a:ext>
-            </a:extLst>
-          </p:cNvPr>
+          <p:cNvPr id="4" name="텍스트 개체 틀 3"/>
           <p:cNvSpPr>
             <a:spLocks noGrp="1"/>
           </p:cNvSpPr>
@@ -1901,62 +2359,160 @@
           <a:p>
             <a:r>
               <a:rPr lang="en-US" altLang="ko-KR" dirty="0"/>
-              <a:t>IR</a:t>
+              <a:t>Visual Analytics(VA)</a:t>
             </a:r>
             <a:r>
               <a:rPr lang="ko-KR" altLang="en-US" dirty="0"/>
-              <a:t> 설명</a:t>
-            </a:r>
+              <a:t>에서 개개인이 얻은 </a:t>
+            </a:r>
+            <a:r>
+              <a:rPr lang="en-US" altLang="ko-KR" dirty="0"/>
+              <a:t>insight </a:t>
+            </a:r>
+            <a:r>
+              <a:rPr lang="ko-KR" altLang="en-US" dirty="0"/>
+              <a:t>와 그에 대한 </a:t>
+            </a:r>
+            <a:r>
+              <a:rPr lang="en-US" altLang="ko-KR" dirty="0"/>
+              <a:t>reasoning process </a:t>
+            </a:r>
+            <a:r>
+              <a:rPr lang="ko-KR" altLang="en-US" dirty="0"/>
+              <a:t>를 팀에 공유하고</a:t>
+            </a:r>
+            <a:r>
+              <a:rPr lang="en-US" altLang="ko-KR" dirty="0"/>
+              <a:t>, </a:t>
+            </a:r>
+            <a:r>
+              <a:rPr lang="ko-KR" altLang="en-US" dirty="0"/>
+              <a:t>이를 다시 재활용하는 것이 쉽지 않다</a:t>
+            </a:r>
+            <a:r>
+              <a:rPr lang="en-US" altLang="ko-KR" dirty="0"/>
+              <a:t>.</a:t>
+            </a:r>
+          </a:p>
+          <a:p>
+            <a:pPr lvl="1"/>
+            <a:endParaRPr lang="en-US" altLang="ko-KR" dirty="0" smtClean="0"/>
+          </a:p>
+          <a:p>
+            <a:pPr lvl="1"/>
+            <a:r>
+              <a:rPr lang="ko-KR" altLang="en-US" dirty="0" smtClean="0"/>
+              <a:t>문제가 </a:t>
+            </a:r>
+            <a:r>
+              <a:rPr lang="ko-KR" altLang="en-US" dirty="0"/>
+              <a:t>명확하지 않은 경우</a:t>
+            </a:r>
+          </a:p>
+          <a:p>
+            <a:pPr lvl="1"/>
+            <a:endParaRPr lang="en-US" altLang="ko-KR" dirty="0" smtClean="0"/>
+          </a:p>
+          <a:p>
+            <a:pPr lvl="1"/>
+            <a:r>
+              <a:rPr lang="ko-KR" altLang="en-US" dirty="0" smtClean="0"/>
+              <a:t>데이터는 </a:t>
+            </a:r>
+            <a:r>
+              <a:rPr lang="ko-KR" altLang="en-US" dirty="0"/>
+              <a:t>가지고 있지만</a:t>
+            </a:r>
+            <a:r>
+              <a:rPr lang="en-US" altLang="ko-KR" dirty="0"/>
+              <a:t>, </a:t>
+            </a:r>
+            <a:r>
+              <a:rPr lang="ko-KR" altLang="en-US" dirty="0"/>
+              <a:t>어떤 결과를 도출해야 될지 모르는 경우</a:t>
+            </a:r>
+          </a:p>
+          <a:p>
+            <a:pPr lvl="1"/>
+            <a:endParaRPr lang="en-US" altLang="ko-KR" dirty="0" smtClean="0"/>
+          </a:p>
+          <a:p>
+            <a:pPr lvl="1"/>
+            <a:r>
+              <a:rPr lang="ko-KR" altLang="en-US" dirty="0" smtClean="0"/>
+              <a:t>기존의 분석</a:t>
+            </a:r>
+            <a:r>
+              <a:rPr lang="en-US" altLang="ko-KR" dirty="0" smtClean="0"/>
+              <a:t> </a:t>
+            </a:r>
+            <a:r>
+              <a:rPr lang="ko-KR" altLang="en-US" dirty="0"/>
+              <a:t>툴</a:t>
+            </a:r>
+            <a:r>
+              <a:rPr lang="en-US" altLang="ko-KR" sz="1600" dirty="0" smtClean="0"/>
+              <a:t>(</a:t>
+            </a:r>
+            <a:r>
+              <a:rPr lang="en-US" altLang="ko-KR" sz="1600" dirty="0" err="1" smtClean="0"/>
+              <a:t>Spotfire</a:t>
+            </a:r>
+            <a:r>
+              <a:rPr lang="en-US" altLang="ko-KR" sz="1600" dirty="0"/>
+              <a:t>, </a:t>
+            </a:r>
+            <a:r>
+              <a:rPr lang="en-US" altLang="ko-KR" sz="1600" dirty="0" smtClean="0"/>
+              <a:t>Tableau, </a:t>
+            </a:r>
+            <a:r>
+              <a:rPr lang="en-US" altLang="ko-KR" sz="1600" dirty="0" err="1" smtClean="0"/>
+              <a:t>etc</a:t>
+            </a:r>
+            <a:r>
+              <a:rPr lang="en-US" altLang="ko-KR" sz="1600" dirty="0" smtClean="0"/>
+              <a:t>)</a:t>
+            </a:r>
+            <a:r>
+              <a:rPr lang="ko-KR" altLang="en-US" dirty="0" smtClean="0"/>
+              <a:t>은</a:t>
+            </a:r>
+            <a:r>
+              <a:rPr lang="en-US" altLang="ko-KR" dirty="0" smtClean="0"/>
+              <a:t> </a:t>
+            </a:r>
+            <a:r>
+              <a:rPr lang="ko-KR" altLang="en-US" dirty="0" smtClean="0"/>
+              <a:t>단순히 </a:t>
+            </a:r>
+            <a:r>
+              <a:rPr lang="en-US" altLang="ko-KR" dirty="0"/>
+              <a:t>linear history</a:t>
+            </a:r>
+            <a:r>
+              <a:rPr lang="ko-KR" altLang="en-US" dirty="0"/>
+              <a:t>에 대한 </a:t>
+            </a:r>
+            <a:r>
+              <a:rPr lang="en-US" altLang="ko-KR" dirty="0" smtClean="0"/>
+              <a:t>recall</a:t>
+            </a:r>
+            <a:r>
+              <a:rPr lang="en-US" altLang="ko-KR" dirty="0"/>
+              <a:t/>
+            </a:r>
+            <a:br>
+              <a:rPr lang="en-US" altLang="ko-KR" dirty="0"/>
+            </a:br>
             <a:endParaRPr lang="en-US" altLang="ko-KR" dirty="0"/>
-          </a:p>
-          <a:p>
-            <a:r>
-              <a:rPr lang="en-US" altLang="ko-KR" dirty="0"/>
-              <a:t>IR </a:t>
-            </a:r>
-            <a:r>
-              <a:rPr lang="ko-KR" altLang="en-US" dirty="0"/>
-              <a:t>포맷이 나온 근거</a:t>
-            </a:r>
-            <a:r>
-              <a:rPr lang="en-US" altLang="ko-KR" dirty="0"/>
-              <a:t>. </a:t>
-            </a:r>
-            <a:r>
-              <a:rPr lang="ko-KR" altLang="en-US" dirty="0"/>
-              <a:t>이유</a:t>
-            </a:r>
-            <a:endParaRPr lang="en-US" altLang="ko-KR" dirty="0"/>
-          </a:p>
-          <a:p>
-            <a:endParaRPr lang="en-US" altLang="ko-KR" dirty="0"/>
-          </a:p>
-          <a:p>
-            <a:endParaRPr lang="en-US" altLang="ko-KR" dirty="0"/>
-          </a:p>
-          <a:p>
-            <a:r>
-              <a:rPr lang="en-US" altLang="ko-KR" dirty="0"/>
-              <a:t>Anchor – detail </a:t>
-            </a:r>
-            <a:r>
-              <a:rPr lang="ko-KR" altLang="en-US" dirty="0"/>
-              <a:t>로 나눈 근거</a:t>
-            </a:r>
-            <a:endParaRPr lang="en-US" altLang="ko-KR" dirty="0"/>
-          </a:p>
-          <a:p>
-            <a:endParaRPr lang="en-US" altLang="ko-KR" dirty="0"/>
-          </a:p>
-          <a:p>
-            <a:endParaRPr lang="ko-KR" altLang="en-US" dirty="0"/>
           </a:p>
         </p:txBody>
       </p:sp>
     </p:spTree>
     <p:extLst>
       <p:ext uri="{BB962C8B-B14F-4D97-AF65-F5344CB8AC3E}">
-        <p14:creationId xmlns:p14="http://schemas.microsoft.com/office/powerpoint/2010/main" val="2322426973"/>
+        <p14:creationId xmlns:p14="http://schemas.microsoft.com/office/powerpoint/2010/main" val="423083109"/>
       </p:ext>
     </p:extLst>
   </p:cSld>
@@ -1985,13 +2541,7 @@
       </p:grpSpPr>
       <p:sp>
         <p:nvSpPr>
-          <p:cNvPr id="2" name="제목 1">
-            <a:extLst>
-              <a:ext uri="{FF2B5EF4-FFF2-40B4-BE49-F238E27FC236}">
-                <a16:creationId xmlns:a16="http://schemas.microsoft.com/office/drawing/2014/main" id="{756A4F7C-9558-4C95-858C-8EA51D2D5156}"/>
-              </a:ext>
-            </a:extLst>
-          </p:cNvPr>
+          <p:cNvPr id="2" name="제목 1"/>
           <p:cNvSpPr>
             <a:spLocks noGrp="1"/>
           </p:cNvSpPr>
@@ -2006,19 +2556,17 @@
           </a:bodyPr>
           <a:lstStyle/>
           <a:p>
-            <a:endParaRPr lang="ko-KR" altLang="en-US"/>
-          </a:p>
-        </p:txBody>
-      </p:sp>
-      <p:sp>
-        <p:nvSpPr>
-          <p:cNvPr id="3" name="슬라이드 번호 개체 틀 2">
-            <a:extLst>
-              <a:ext uri="{FF2B5EF4-FFF2-40B4-BE49-F238E27FC236}">
-                <a16:creationId xmlns:a16="http://schemas.microsoft.com/office/drawing/2014/main" id="{A0AAFA24-EC18-4ACD-BEA3-EE18B1D032AF}"/>
-              </a:ext>
-            </a:extLst>
-          </p:cNvPr>
+            <a:r>
+              <a:rPr lang="en-US" altLang="ko-KR" dirty="0" smtClean="0"/>
+              <a:t>Project Goal</a:t>
+            </a:r>
+            <a:endParaRPr lang="ko-KR" altLang="en-US" dirty="0"/>
+          </a:p>
+        </p:txBody>
+      </p:sp>
+      <p:sp>
+        <p:nvSpPr>
+          <p:cNvPr id="3" name="슬라이드 번호 개체 틀 2"/>
           <p:cNvSpPr>
             <a:spLocks noGrp="1"/>
           </p:cNvSpPr>
@@ -2042,54 +2590,1903 @@
       </p:sp>
       <p:sp>
         <p:nvSpPr>
-          <p:cNvPr id="4" name="텍스트 개체 틀 3">
+          <p:cNvPr id="23" name="텍스트 개체 틀 22"/>
+          <p:cNvSpPr>
+            <a:spLocks noGrp="1"/>
+          </p:cNvSpPr>
+          <p:nvPr>
+            <p:ph type="body" idx="1"/>
+          </p:nvPr>
+        </p:nvSpPr>
+        <p:spPr/>
+        <p:txBody>
+          <a:bodyPr/>
+          <a:lstStyle/>
+          <a:p>
+            <a:pPr marL="457200" indent="-457200">
+              <a:buAutoNum type="arabicPeriod"/>
+            </a:pPr>
+            <a:r>
+              <a:rPr lang="en-US" altLang="ko-KR" sz="3200" b="1" dirty="0"/>
+              <a:t>define practical and reusable visual encoding/interaction logging pattern</a:t>
+            </a:r>
+          </a:p>
+          <a:p>
+            <a:pPr marL="457200" indent="-457200">
+              <a:buAutoNum type="arabicPeriod"/>
+            </a:pPr>
+            <a:r>
+              <a:rPr lang="en-US" altLang="ko-KR" sz="3200" b="1" dirty="0"/>
+              <a:t>provide interface that allows recover and reuse by visualizing the log pattern </a:t>
+            </a:r>
+          </a:p>
+          <a:p>
+            <a:endParaRPr lang="ko-KR" altLang="en-US" dirty="0"/>
+          </a:p>
+        </p:txBody>
+      </p:sp>
+      <p:grpSp>
+        <p:nvGrpSpPr>
+          <p:cNvPr id="25" name="그룹 24"/>
+          <p:cNvGrpSpPr/>
+          <p:nvPr/>
+        </p:nvGrpSpPr>
+        <p:grpSpPr>
+          <a:xfrm>
+            <a:off x="1120866" y="3276988"/>
+            <a:ext cx="9249993" cy="2562141"/>
+            <a:chOff x="1120866" y="3449264"/>
+            <a:chExt cx="9249993" cy="2562141"/>
+          </a:xfrm>
+        </p:grpSpPr>
+        <p:sp>
+          <p:nvSpPr>
+            <p:cNvPr id="14" name="타원 13">
+              <a:extLst>
+                <a:ext uri="{FF2B5EF4-FFF2-40B4-BE49-F238E27FC236}">
+                  <a16:creationId xmlns:a16="http://schemas.microsoft.com/office/drawing/2014/main" id="{BEFD1324-BB5E-45EC-9CA8-0609750932D9}"/>
+                </a:ext>
+              </a:extLst>
+            </p:cNvPr>
+            <p:cNvSpPr/>
+            <p:nvPr/>
+          </p:nvSpPr>
+          <p:spPr>
+            <a:xfrm>
+              <a:off x="1120866" y="3908415"/>
+              <a:ext cx="1440000" cy="1440000"/>
+            </a:xfrm>
+            <a:prstGeom prst="ellipse">
+              <a:avLst/>
+            </a:prstGeom>
+            <a:solidFill>
+              <a:srgbClr val="595959"/>
+            </a:solidFill>
+            <a:ln w="25400" cap="flat" cmpd="sng" algn="ctr">
+              <a:noFill/>
+              <a:prstDash val="solid"/>
+            </a:ln>
+            <a:effectLst/>
+          </p:spPr>
+          <p:txBody>
+            <a:bodyPr rtlCol="0" anchor="ctr"/>
+            <a:lstStyle/>
+            <a:p>
+              <a:pPr marL="0" marR="0" lvl="0" indent="0" algn="ctr" defTabSz="914400" eaLnBrk="1" fontAlgn="auto" latinLnBrk="0" hangingPunct="1">
+                <a:lnSpc>
+                  <a:spcPct val="100000"/>
+                </a:lnSpc>
+                <a:spcBef>
+                  <a:spcPts val="0"/>
+                </a:spcBef>
+                <a:spcAft>
+                  <a:spcPts val="0"/>
+                </a:spcAft>
+                <a:buClrTx/>
+                <a:buSzTx/>
+                <a:buFontTx/>
+                <a:buNone/>
+                <a:tabLst/>
+                <a:defRPr/>
+              </a:pPr>
+              <a:r>
+                <a:rPr kumimoji="0" lang="en-US" altLang="ko-KR" sz="1600" b="1" i="0" u="none" strike="noStrike" kern="0" cap="none" spc="0" normalizeH="0" baseline="0" noProof="0" dirty="0" smtClean="0">
+                  <a:ln>
+                    <a:noFill/>
+                  </a:ln>
+                  <a:solidFill>
+                    <a:srgbClr val="FFFFFF"/>
+                  </a:solidFill>
+                  <a:effectLst/>
+                  <a:uLnTx/>
+                  <a:uFillTx/>
+                  <a:latin typeface="Arial"/>
+                  <a:ea typeface="맑은 고딕" panose="020B0503020000020004" pitchFamily="50" charset="-127"/>
+                  <a:cs typeface="+mn-cs"/>
+                  <a:sym typeface="Arial"/>
+                </a:rPr>
+                <a:t>perceive</a:t>
+              </a:r>
+              <a:endParaRPr kumimoji="0" lang="ko-KR" altLang="en-US" sz="1600" b="1" i="0" u="none" strike="noStrike" kern="0" cap="none" spc="0" normalizeH="0" baseline="0" noProof="0" dirty="0" smtClean="0">
+                <a:ln>
+                  <a:noFill/>
+                </a:ln>
+                <a:solidFill>
+                  <a:srgbClr val="FFFFFF"/>
+                </a:solidFill>
+                <a:effectLst/>
+                <a:uLnTx/>
+                <a:uFillTx/>
+                <a:latin typeface="Arial"/>
+                <a:ea typeface="맑은 고딕" panose="020B0503020000020004" pitchFamily="50" charset="-127"/>
+                <a:cs typeface="+mn-cs"/>
+                <a:sym typeface="Arial"/>
+              </a:endParaRPr>
+            </a:p>
+          </p:txBody>
+        </p:sp>
+        <p:sp>
+          <p:nvSpPr>
+            <p:cNvPr id="15" name="타원 14">
+              <a:extLst>
+                <a:ext uri="{FF2B5EF4-FFF2-40B4-BE49-F238E27FC236}">
+                  <a16:creationId xmlns:a16="http://schemas.microsoft.com/office/drawing/2014/main" id="{A35D98AF-94F1-49E9-9128-AE3CE9F41443}"/>
+                </a:ext>
+              </a:extLst>
+            </p:cNvPr>
+            <p:cNvSpPr/>
+            <p:nvPr/>
+          </p:nvSpPr>
+          <p:spPr>
+            <a:xfrm>
+              <a:off x="3177600" y="3908415"/>
+              <a:ext cx="1440000" cy="1440000"/>
+            </a:xfrm>
+            <a:prstGeom prst="ellipse">
+              <a:avLst/>
+            </a:prstGeom>
+            <a:solidFill>
+              <a:srgbClr val="1A9988"/>
+            </a:solidFill>
+            <a:ln w="25400" cap="flat" cmpd="sng" algn="ctr">
+              <a:noFill/>
+              <a:prstDash val="solid"/>
+            </a:ln>
+            <a:effectLst/>
+          </p:spPr>
+          <p:txBody>
+            <a:bodyPr rtlCol="0" anchor="ctr"/>
+            <a:lstStyle/>
+            <a:p>
+              <a:pPr marL="0" marR="0" lvl="0" indent="0" algn="ctr" defTabSz="914400" eaLnBrk="1" fontAlgn="auto" latinLnBrk="0" hangingPunct="1">
+                <a:lnSpc>
+                  <a:spcPct val="100000"/>
+                </a:lnSpc>
+                <a:spcBef>
+                  <a:spcPts val="0"/>
+                </a:spcBef>
+                <a:spcAft>
+                  <a:spcPts val="0"/>
+                </a:spcAft>
+                <a:buClrTx/>
+                <a:buSzTx/>
+                <a:buFontTx/>
+                <a:buNone/>
+                <a:tabLst/>
+                <a:defRPr/>
+              </a:pPr>
+              <a:r>
+                <a:rPr kumimoji="0" lang="en-US" altLang="ko-KR" sz="1600" b="1" i="0" u="none" strike="noStrike" kern="0" cap="none" spc="0" normalizeH="0" baseline="0" noProof="0" dirty="0" smtClean="0">
+                  <a:ln>
+                    <a:noFill/>
+                  </a:ln>
+                  <a:solidFill>
+                    <a:srgbClr val="FFFFFF"/>
+                  </a:solidFill>
+                  <a:effectLst/>
+                  <a:uLnTx/>
+                  <a:uFillTx/>
+                  <a:latin typeface="Arial"/>
+                  <a:ea typeface="맑은 고딕" panose="020B0503020000020004" pitchFamily="50" charset="-127"/>
+                  <a:cs typeface="+mn-cs"/>
+                  <a:sym typeface="Arial"/>
+                </a:rPr>
+                <a:t>capture</a:t>
+              </a:r>
+              <a:endParaRPr kumimoji="0" lang="ko-KR" altLang="en-US" sz="1600" b="1" i="0" u="none" strike="noStrike" kern="0" cap="none" spc="0" normalizeH="0" baseline="0" noProof="0" dirty="0" smtClean="0">
+                <a:ln>
+                  <a:noFill/>
+                </a:ln>
+                <a:solidFill>
+                  <a:srgbClr val="FFFFFF"/>
+                </a:solidFill>
+                <a:effectLst/>
+                <a:uLnTx/>
+                <a:uFillTx/>
+                <a:latin typeface="Arial"/>
+                <a:ea typeface="맑은 고딕" panose="020B0503020000020004" pitchFamily="50" charset="-127"/>
+                <a:cs typeface="+mn-cs"/>
+                <a:sym typeface="Arial"/>
+              </a:endParaRPr>
+            </a:p>
+          </p:txBody>
+        </p:sp>
+        <p:sp>
+          <p:nvSpPr>
+            <p:cNvPr id="16" name="타원 15">
+              <a:extLst>
+                <a:ext uri="{FF2B5EF4-FFF2-40B4-BE49-F238E27FC236}">
+                  <a16:creationId xmlns:a16="http://schemas.microsoft.com/office/drawing/2014/main" id="{905AE5B2-D082-485F-8250-C1471BAC41EC}"/>
+                </a:ext>
+              </a:extLst>
+            </p:cNvPr>
+            <p:cNvSpPr/>
+            <p:nvPr/>
+          </p:nvSpPr>
+          <p:spPr>
+            <a:xfrm>
+              <a:off x="5139215" y="3908415"/>
+              <a:ext cx="1440000" cy="1440000"/>
+            </a:xfrm>
+            <a:prstGeom prst="ellipse">
+              <a:avLst/>
+            </a:prstGeom>
+            <a:solidFill>
+              <a:srgbClr val="1A9988"/>
+            </a:solidFill>
+            <a:ln w="25400" cap="flat" cmpd="sng" algn="ctr">
+              <a:noFill/>
+              <a:prstDash val="solid"/>
+            </a:ln>
+            <a:effectLst/>
+          </p:spPr>
+          <p:txBody>
+            <a:bodyPr rtlCol="0" anchor="ctr"/>
+            <a:lstStyle/>
+            <a:p>
+              <a:pPr marL="0" marR="0" lvl="0" indent="0" algn="ctr" defTabSz="914400" eaLnBrk="1" fontAlgn="auto" latinLnBrk="0" hangingPunct="1">
+                <a:lnSpc>
+                  <a:spcPct val="100000"/>
+                </a:lnSpc>
+                <a:spcBef>
+                  <a:spcPts val="0"/>
+                </a:spcBef>
+                <a:spcAft>
+                  <a:spcPts val="0"/>
+                </a:spcAft>
+                <a:buClrTx/>
+                <a:buSzTx/>
+                <a:buFontTx/>
+                <a:buNone/>
+                <a:tabLst/>
+                <a:defRPr/>
+              </a:pPr>
+              <a:r>
+                <a:rPr kumimoji="0" lang="en-US" altLang="ko-KR" sz="1600" b="1" i="0" u="none" strike="noStrike" kern="0" cap="none" spc="0" normalizeH="0" baseline="0" noProof="0" dirty="0" smtClean="0">
+                  <a:ln>
+                    <a:noFill/>
+                  </a:ln>
+                  <a:solidFill>
+                    <a:srgbClr val="FFFFFF"/>
+                  </a:solidFill>
+                  <a:effectLst/>
+                  <a:uLnTx/>
+                  <a:uFillTx/>
+                  <a:latin typeface="Arial"/>
+                  <a:ea typeface="맑은 고딕" panose="020B0503020000020004" pitchFamily="50" charset="-127"/>
+                  <a:cs typeface="+mn-cs"/>
+                  <a:sym typeface="Arial"/>
+                </a:rPr>
+                <a:t>encode</a:t>
+              </a:r>
+              <a:endParaRPr kumimoji="0" lang="ko-KR" altLang="en-US" sz="1600" b="1" i="0" u="none" strike="noStrike" kern="0" cap="none" spc="0" normalizeH="0" baseline="0" noProof="0" dirty="0" smtClean="0">
+                <a:ln>
+                  <a:noFill/>
+                </a:ln>
+                <a:solidFill>
+                  <a:srgbClr val="FFFFFF"/>
+                </a:solidFill>
+                <a:effectLst/>
+                <a:uLnTx/>
+                <a:uFillTx/>
+                <a:latin typeface="Arial"/>
+                <a:ea typeface="맑은 고딕" panose="020B0503020000020004" pitchFamily="50" charset="-127"/>
+                <a:cs typeface="+mn-cs"/>
+                <a:sym typeface="Arial"/>
+              </a:endParaRPr>
+            </a:p>
+          </p:txBody>
+        </p:sp>
+        <p:sp>
+          <p:nvSpPr>
+            <p:cNvPr id="17" name="타원 16">
+              <a:extLst>
+                <a:ext uri="{FF2B5EF4-FFF2-40B4-BE49-F238E27FC236}">
+                  <a16:creationId xmlns:a16="http://schemas.microsoft.com/office/drawing/2014/main" id="{A49336D9-DB2B-437A-9E7A-A0A1FB445D1C}"/>
+                </a:ext>
+              </a:extLst>
+            </p:cNvPr>
+            <p:cNvSpPr/>
+            <p:nvPr/>
+          </p:nvSpPr>
+          <p:spPr>
+            <a:xfrm>
+              <a:off x="7035037" y="3908415"/>
+              <a:ext cx="1440000" cy="1440000"/>
+            </a:xfrm>
+            <a:prstGeom prst="ellipse">
+              <a:avLst/>
+            </a:prstGeom>
+            <a:solidFill>
+              <a:srgbClr val="EB5600"/>
+            </a:solidFill>
+            <a:ln w="25400" cap="flat" cmpd="sng" algn="ctr">
+              <a:noFill/>
+              <a:prstDash val="solid"/>
+            </a:ln>
+            <a:effectLst/>
+          </p:spPr>
+          <p:txBody>
+            <a:bodyPr rtlCol="0" anchor="ctr"/>
+            <a:lstStyle/>
+            <a:p>
+              <a:pPr marL="0" marR="0" lvl="0" indent="0" algn="ctr" defTabSz="914400" eaLnBrk="1" fontAlgn="auto" latinLnBrk="0" hangingPunct="1">
+                <a:lnSpc>
+                  <a:spcPct val="100000"/>
+                </a:lnSpc>
+                <a:spcBef>
+                  <a:spcPts val="0"/>
+                </a:spcBef>
+                <a:spcAft>
+                  <a:spcPts val="0"/>
+                </a:spcAft>
+                <a:buClrTx/>
+                <a:buSzTx/>
+                <a:buFontTx/>
+                <a:buNone/>
+                <a:tabLst/>
+                <a:defRPr/>
+              </a:pPr>
+              <a:r>
+                <a:rPr kumimoji="0" lang="en-US" altLang="ko-KR" sz="1600" b="1" i="0" u="none" strike="noStrike" kern="0" cap="none" spc="0" normalizeH="0" baseline="0" noProof="0" dirty="0" smtClean="0">
+                  <a:ln>
+                    <a:noFill/>
+                  </a:ln>
+                  <a:solidFill>
+                    <a:srgbClr val="FFFFFF"/>
+                  </a:solidFill>
+                  <a:effectLst/>
+                  <a:uLnTx/>
+                  <a:uFillTx/>
+                  <a:latin typeface="Arial"/>
+                  <a:ea typeface="맑은 고딕" panose="020B0503020000020004" pitchFamily="50" charset="-127"/>
+                  <a:cs typeface="+mn-cs"/>
+                  <a:sym typeface="Arial"/>
+                </a:rPr>
+                <a:t>recover</a:t>
+              </a:r>
+              <a:endParaRPr kumimoji="0" lang="ko-KR" altLang="en-US" sz="1600" b="1" i="0" u="none" strike="noStrike" kern="0" cap="none" spc="0" normalizeH="0" baseline="0" noProof="0" dirty="0" smtClean="0">
+                <a:ln>
+                  <a:noFill/>
+                </a:ln>
+                <a:solidFill>
+                  <a:srgbClr val="FFFFFF"/>
+                </a:solidFill>
+                <a:effectLst/>
+                <a:uLnTx/>
+                <a:uFillTx/>
+                <a:latin typeface="Arial"/>
+                <a:ea typeface="맑은 고딕" panose="020B0503020000020004" pitchFamily="50" charset="-127"/>
+                <a:cs typeface="+mn-cs"/>
+                <a:sym typeface="Arial"/>
+              </a:endParaRPr>
+            </a:p>
+          </p:txBody>
+        </p:sp>
+        <p:sp>
+          <p:nvSpPr>
+            <p:cNvPr id="18" name="타원 17">
+              <a:extLst>
+                <a:ext uri="{FF2B5EF4-FFF2-40B4-BE49-F238E27FC236}">
+                  <a16:creationId xmlns:a16="http://schemas.microsoft.com/office/drawing/2014/main" id="{10127CAC-AB1C-400B-AE91-0564ED3D2374}"/>
+                </a:ext>
+              </a:extLst>
+            </p:cNvPr>
+            <p:cNvSpPr/>
+            <p:nvPr/>
+          </p:nvSpPr>
+          <p:spPr>
+            <a:xfrm>
+              <a:off x="8930859" y="3855023"/>
+              <a:ext cx="1440000" cy="1440000"/>
+            </a:xfrm>
+            <a:prstGeom prst="ellipse">
+              <a:avLst/>
+            </a:prstGeom>
+            <a:solidFill>
+              <a:srgbClr val="EB5600"/>
+            </a:solidFill>
+            <a:ln w="25400" cap="flat" cmpd="sng" algn="ctr">
+              <a:noFill/>
+              <a:prstDash val="solid"/>
+            </a:ln>
+            <a:effectLst/>
+          </p:spPr>
+          <p:txBody>
+            <a:bodyPr rtlCol="0" anchor="ctr"/>
+            <a:lstStyle/>
+            <a:p>
+              <a:pPr marL="0" marR="0" lvl="0" indent="0" algn="ctr" defTabSz="914400" eaLnBrk="1" fontAlgn="auto" latinLnBrk="0" hangingPunct="1">
+                <a:lnSpc>
+                  <a:spcPct val="100000"/>
+                </a:lnSpc>
+                <a:spcBef>
+                  <a:spcPts val="0"/>
+                </a:spcBef>
+                <a:spcAft>
+                  <a:spcPts val="0"/>
+                </a:spcAft>
+                <a:buClrTx/>
+                <a:buSzTx/>
+                <a:buFontTx/>
+                <a:buNone/>
+                <a:tabLst/>
+                <a:defRPr/>
+              </a:pPr>
+              <a:r>
+                <a:rPr kumimoji="0" lang="en-US" altLang="ko-KR" sz="1600" b="1" i="0" u="none" strike="noStrike" kern="0" cap="none" spc="0" normalizeH="0" baseline="0" noProof="0" dirty="0" smtClean="0">
+                  <a:ln>
+                    <a:noFill/>
+                  </a:ln>
+                  <a:solidFill>
+                    <a:srgbClr val="FFFFFF"/>
+                  </a:solidFill>
+                  <a:effectLst/>
+                  <a:uLnTx/>
+                  <a:uFillTx/>
+                  <a:latin typeface="Arial"/>
+                  <a:ea typeface="맑은 고딕" panose="020B0503020000020004" pitchFamily="50" charset="-127"/>
+                  <a:cs typeface="+mn-cs"/>
+                  <a:sym typeface="Arial"/>
+                </a:rPr>
+                <a:t>reuse</a:t>
+              </a:r>
+              <a:endParaRPr kumimoji="0" lang="ko-KR" altLang="en-US" sz="1600" b="1" i="0" u="none" strike="noStrike" kern="0" cap="none" spc="0" normalizeH="0" baseline="0" noProof="0" dirty="0" smtClean="0">
+                <a:ln>
+                  <a:noFill/>
+                </a:ln>
+                <a:solidFill>
+                  <a:srgbClr val="FFFFFF"/>
+                </a:solidFill>
+                <a:effectLst/>
+                <a:uLnTx/>
+                <a:uFillTx/>
+                <a:latin typeface="Arial"/>
+                <a:ea typeface="맑은 고딕" panose="020B0503020000020004" pitchFamily="50" charset="-127"/>
+                <a:cs typeface="+mn-cs"/>
+                <a:sym typeface="Arial"/>
+              </a:endParaRPr>
+            </a:p>
+          </p:txBody>
+        </p:sp>
+        <p:sp>
+          <p:nvSpPr>
+            <p:cNvPr id="19" name="TextBox 18">
+              <a:extLst>
+                <a:ext uri="{FF2B5EF4-FFF2-40B4-BE49-F238E27FC236}">
+                  <a16:creationId xmlns:a16="http://schemas.microsoft.com/office/drawing/2014/main" id="{6E72518E-5036-47F3-978B-2F266A7835BF}"/>
+                </a:ext>
+              </a:extLst>
+            </p:cNvPr>
+            <p:cNvSpPr txBox="1"/>
+            <p:nvPr/>
+          </p:nvSpPr>
+          <p:spPr>
+            <a:xfrm>
+              <a:off x="4180627" y="3449264"/>
+              <a:ext cx="1466287" cy="276999"/>
+            </a:xfrm>
+            <a:prstGeom prst="rect">
+              <a:avLst/>
+            </a:prstGeom>
+            <a:noFill/>
+          </p:spPr>
+          <p:txBody>
+            <a:bodyPr wrap="square" rtlCol="0">
+              <a:spAutoFit/>
+            </a:bodyPr>
+            <a:lstStyle/>
+            <a:p>
+              <a:pPr algn="ctr" latinLnBrk="0"/>
+              <a:r>
+                <a:rPr lang="en-US" altLang="ko-KR" sz="1200" kern="0" dirty="0">
+                  <a:solidFill>
+                    <a:srgbClr val="595959"/>
+                  </a:solidFill>
+                  <a:latin typeface="Arial"/>
+                  <a:cs typeface="Arial"/>
+                  <a:sym typeface="Arial"/>
+                </a:rPr>
+                <a:t>Manually</a:t>
+              </a:r>
+              <a:endParaRPr lang="ko-KR" altLang="en-US" sz="1200" kern="0" dirty="0">
+                <a:solidFill>
+                  <a:srgbClr val="595959"/>
+                </a:solidFill>
+                <a:latin typeface="Arial"/>
+                <a:cs typeface="Arial"/>
+                <a:sym typeface="Arial"/>
+              </a:endParaRPr>
+            </a:p>
+          </p:txBody>
+        </p:sp>
+        <p:sp>
+          <p:nvSpPr>
+            <p:cNvPr id="20" name="오른쪽 대괄호 19">
+              <a:extLst>
+                <a:ext uri="{FF2B5EF4-FFF2-40B4-BE49-F238E27FC236}">
+                  <a16:creationId xmlns:a16="http://schemas.microsoft.com/office/drawing/2014/main" id="{B641EE97-9706-4ECD-9191-F3F639D0ACC9}"/>
+                </a:ext>
+              </a:extLst>
+            </p:cNvPr>
+            <p:cNvSpPr/>
+            <p:nvPr/>
+          </p:nvSpPr>
+          <p:spPr>
+            <a:xfrm rot="16200000">
+              <a:off x="4808264" y="2826285"/>
+              <a:ext cx="211015" cy="1953245"/>
+            </a:xfrm>
+            <a:prstGeom prst="rightBracket">
+              <a:avLst/>
+            </a:prstGeom>
+            <a:noFill/>
+            <a:ln w="9525" cap="flat" cmpd="sng" algn="ctr">
+              <a:solidFill>
+                <a:srgbClr val="595959"/>
+              </a:solidFill>
+              <a:prstDash val="solid"/>
+            </a:ln>
+            <a:effectLst/>
+          </p:spPr>
+          <p:txBody>
+            <a:bodyPr rtlCol="0" anchor="ctr"/>
+            <a:lstStyle/>
+            <a:p>
+              <a:pPr marL="0" marR="0" lvl="0" indent="0" algn="ctr" defTabSz="914400" eaLnBrk="1" fontAlgn="auto" latinLnBrk="0" hangingPunct="1">
+                <a:lnSpc>
+                  <a:spcPct val="100000"/>
+                </a:lnSpc>
+                <a:spcBef>
+                  <a:spcPts val="0"/>
+                </a:spcBef>
+                <a:spcAft>
+                  <a:spcPts val="0"/>
+                </a:spcAft>
+                <a:buClrTx/>
+                <a:buSzTx/>
+                <a:buFontTx/>
+                <a:buNone/>
+                <a:tabLst/>
+                <a:defRPr/>
+              </a:pPr>
+              <a:endParaRPr kumimoji="0" lang="ko-KR" altLang="en-US" sz="1400" b="0" i="0" u="none" strike="noStrike" kern="0" cap="none" spc="0" normalizeH="0" baseline="0" noProof="0" smtClean="0">
+                <a:ln>
+                  <a:noFill/>
+                </a:ln>
+                <a:solidFill>
+                  <a:srgbClr val="1A9988"/>
+                </a:solidFill>
+                <a:effectLst/>
+                <a:uLnTx/>
+                <a:uFillTx/>
+                <a:latin typeface="Arial"/>
+                <a:ea typeface="맑은 고딕" panose="020B0503020000020004" pitchFamily="50" charset="-127"/>
+                <a:cs typeface="+mn-cs"/>
+                <a:sym typeface="Arial"/>
+              </a:endParaRPr>
+            </a:p>
+          </p:txBody>
+        </p:sp>
+        <p:sp>
+          <p:nvSpPr>
+            <p:cNvPr id="21" name="TextBox 20">
+              <a:extLst>
+                <a:ext uri="{FF2B5EF4-FFF2-40B4-BE49-F238E27FC236}">
+                  <a16:creationId xmlns:a16="http://schemas.microsoft.com/office/drawing/2014/main" id="{A403F7E4-087C-4F02-B483-0F3231041F29}"/>
+                </a:ext>
+              </a:extLst>
+            </p:cNvPr>
+            <p:cNvSpPr txBox="1"/>
+            <p:nvPr/>
+          </p:nvSpPr>
+          <p:spPr>
+            <a:xfrm>
+              <a:off x="7852419" y="5549740"/>
+              <a:ext cx="1801749" cy="461665"/>
+            </a:xfrm>
+            <a:prstGeom prst="rect">
+              <a:avLst/>
+            </a:prstGeom>
+            <a:noFill/>
+          </p:spPr>
+          <p:txBody>
+            <a:bodyPr wrap="square" rtlCol="0">
+              <a:spAutoFit/>
+            </a:bodyPr>
+            <a:lstStyle/>
+            <a:p>
+              <a:pPr algn="ctr" latinLnBrk="0"/>
+              <a:r>
+                <a:rPr lang="en-US" altLang="ko-KR" sz="1200" kern="0" dirty="0" smtClean="0">
+                  <a:solidFill>
+                    <a:srgbClr val="595959"/>
+                  </a:solidFill>
+                  <a:latin typeface="Arial"/>
+                  <a:cs typeface="Arial"/>
+                  <a:sym typeface="Arial"/>
+                </a:rPr>
+                <a:t>Main interests </a:t>
+              </a:r>
+            </a:p>
+            <a:p>
+              <a:pPr algn="ctr" latinLnBrk="0"/>
+              <a:r>
+                <a:rPr lang="en-US" altLang="ko-KR" sz="1200" kern="0" dirty="0" smtClean="0">
+                  <a:solidFill>
+                    <a:srgbClr val="595959"/>
+                  </a:solidFill>
+                  <a:latin typeface="Arial"/>
+                  <a:cs typeface="Arial"/>
+                  <a:sym typeface="Arial"/>
+                </a:rPr>
+                <a:t>in </a:t>
+              </a:r>
+              <a:r>
+                <a:rPr lang="en-US" altLang="ko-KR" sz="1200" kern="0" dirty="0">
+                  <a:solidFill>
+                    <a:srgbClr val="595959"/>
+                  </a:solidFill>
+                  <a:latin typeface="Arial"/>
+                  <a:cs typeface="Arial"/>
+                  <a:sym typeface="Arial"/>
+                </a:rPr>
+                <a:t>this project</a:t>
+              </a:r>
+              <a:endParaRPr lang="ko-KR" altLang="en-US" sz="1200" kern="0" dirty="0">
+                <a:solidFill>
+                  <a:srgbClr val="595959"/>
+                </a:solidFill>
+                <a:latin typeface="Arial"/>
+                <a:cs typeface="Arial"/>
+                <a:sym typeface="Arial"/>
+              </a:endParaRPr>
+            </a:p>
+          </p:txBody>
+        </p:sp>
+        <p:sp>
+          <p:nvSpPr>
+            <p:cNvPr id="22" name="오른쪽 대괄호 21">
+              <a:extLst>
+                <a:ext uri="{FF2B5EF4-FFF2-40B4-BE49-F238E27FC236}">
+                  <a16:creationId xmlns:a16="http://schemas.microsoft.com/office/drawing/2014/main" id="{D81342E3-6426-4694-8794-D1F9B5D58341}"/>
+                </a:ext>
+              </a:extLst>
+            </p:cNvPr>
+            <p:cNvSpPr/>
+            <p:nvPr/>
+          </p:nvSpPr>
+          <p:spPr>
+            <a:xfrm rot="16200000" flipH="1">
+              <a:off x="8667101" y="4469938"/>
+              <a:ext cx="248136" cy="1953245"/>
+            </a:xfrm>
+            <a:prstGeom prst="rightBracket">
+              <a:avLst/>
+            </a:prstGeom>
+            <a:noFill/>
+            <a:ln w="9525" cap="flat" cmpd="sng" algn="ctr">
+              <a:solidFill>
+                <a:srgbClr val="595959"/>
+              </a:solidFill>
+              <a:prstDash val="solid"/>
+            </a:ln>
+            <a:effectLst/>
+          </p:spPr>
+          <p:txBody>
+            <a:bodyPr rtlCol="0" anchor="ctr"/>
+            <a:lstStyle/>
+            <a:p>
+              <a:pPr marL="0" marR="0" lvl="0" indent="0" algn="ctr" defTabSz="914400" eaLnBrk="1" fontAlgn="auto" latinLnBrk="0" hangingPunct="1">
+                <a:lnSpc>
+                  <a:spcPct val="100000"/>
+                </a:lnSpc>
+                <a:spcBef>
+                  <a:spcPts val="0"/>
+                </a:spcBef>
+                <a:spcAft>
+                  <a:spcPts val="0"/>
+                </a:spcAft>
+                <a:buClrTx/>
+                <a:buSzTx/>
+                <a:buFontTx/>
+                <a:buNone/>
+                <a:tabLst/>
+                <a:defRPr/>
+              </a:pPr>
+              <a:endParaRPr kumimoji="0" lang="ko-KR" altLang="en-US" sz="1400" b="0" i="0" u="none" strike="noStrike" kern="0" cap="none" spc="0" normalizeH="0" baseline="0" noProof="0" smtClean="0">
+                <a:ln>
+                  <a:noFill/>
+                </a:ln>
+                <a:solidFill>
+                  <a:srgbClr val="1A9988"/>
+                </a:solidFill>
+                <a:effectLst/>
+                <a:uLnTx/>
+                <a:uFillTx/>
+                <a:latin typeface="Arial"/>
+                <a:ea typeface="맑은 고딕" panose="020B0503020000020004" pitchFamily="50" charset="-127"/>
+                <a:cs typeface="+mn-cs"/>
+                <a:sym typeface="Arial"/>
+              </a:endParaRPr>
+            </a:p>
+          </p:txBody>
+        </p:sp>
+      </p:grpSp>
+      <p:sp>
+        <p:nvSpPr>
+          <p:cNvPr id="24" name="직사각형 23">
             <a:extLst>
               <a:ext uri="{FF2B5EF4-FFF2-40B4-BE49-F238E27FC236}">
-                <a16:creationId xmlns:a16="http://schemas.microsoft.com/office/drawing/2014/main" id="{092E1F7C-D3D9-495C-B28F-23D5789BAE1D}"/>
+                <a16:creationId xmlns:a16="http://schemas.microsoft.com/office/drawing/2014/main" id="{6490B79E-392E-4FAE-997E-D87CE1B29136}"/>
               </a:ext>
             </a:extLst>
           </p:cNvPr>
-          <p:cNvSpPr>
-            <a:spLocks noGrp="1"/>
-          </p:cNvSpPr>
-          <p:nvPr>
-            <p:ph type="body" idx="1"/>
-          </p:nvPr>
-        </p:nvSpPr>
-        <p:spPr/>
-        <p:txBody>
-          <a:bodyPr/>
-          <a:lstStyle/>
-          <a:p>
-            <a:r>
-              <a:rPr lang="ko-KR" altLang="en-US" dirty="0"/>
-              <a:t>앞으로 할 수 있는 연구를 위한 초석</a:t>
-            </a:r>
-            <a:endParaRPr lang="en-US" altLang="ko-KR" dirty="0"/>
-          </a:p>
-          <a:p>
-            <a:pPr lvl="1"/>
-            <a:r>
-              <a:rPr lang="ko-KR" altLang="en-US" dirty="0"/>
-              <a:t>연구 리스트</a:t>
-            </a:r>
-            <a:endParaRPr lang="en-US" altLang="ko-KR" dirty="0"/>
-          </a:p>
-          <a:p>
-            <a:endParaRPr lang="en-US" altLang="ko-KR" dirty="0"/>
-          </a:p>
-          <a:p>
-            <a:endParaRPr lang="en-US" altLang="ko-KR" dirty="0"/>
-          </a:p>
-          <a:p>
-            <a:endParaRPr lang="ko-KR" altLang="en-US" dirty="0"/>
+          <p:cNvSpPr/>
+          <p:nvPr/>
+        </p:nvSpPr>
+        <p:spPr>
+          <a:xfrm>
+            <a:off x="6904383" y="6049979"/>
+            <a:ext cx="5149409" cy="400110"/>
+          </a:xfrm>
+          <a:prstGeom prst="rect">
+            <a:avLst/>
+          </a:prstGeom>
+        </p:spPr>
+        <p:txBody>
+          <a:bodyPr wrap="square">
+            <a:spAutoFit/>
+          </a:bodyPr>
+          <a:lstStyle/>
+          <a:p>
+            <a:pPr algn="r"/>
+            <a:r>
+              <a:rPr lang="en-US" altLang="ko-KR" sz="1000" dirty="0"/>
+              <a:t>C. North et al., “Analytic Provenance: Process + Interaction + Insight,” 29th </a:t>
+            </a:r>
+            <a:r>
+              <a:rPr lang="en-US" altLang="ko-KR" sz="1000" dirty="0" err="1"/>
+              <a:t>Annu</a:t>
+            </a:r>
+            <a:r>
+              <a:rPr lang="en-US" altLang="ko-KR" sz="1000" dirty="0"/>
+              <a:t>. CHI Conf. Hum. Factors </a:t>
+            </a:r>
+            <a:r>
+              <a:rPr lang="en-US" altLang="ko-KR" sz="1000" dirty="0" err="1"/>
+              <a:t>Comput</a:t>
+            </a:r>
+            <a:r>
+              <a:rPr lang="en-US" altLang="ko-KR" sz="1000" dirty="0"/>
+              <a:t>. Syst. CHI 2011, pp. 33–36, 2011</a:t>
+            </a:r>
+            <a:endParaRPr lang="ko-KR" altLang="en-US" sz="1000" dirty="0"/>
           </a:p>
         </p:txBody>
       </p:sp>
     </p:spTree>
     <p:extLst>
       <p:ext uri="{BB962C8B-B14F-4D97-AF65-F5344CB8AC3E}">
-        <p14:creationId xmlns:p14="http://schemas.microsoft.com/office/powerpoint/2010/main" val="383833309"/>
+        <p14:creationId xmlns:p14="http://schemas.microsoft.com/office/powerpoint/2010/main" val="591190119"/>
+      </p:ext>
+    </p:extLst>
+  </p:cSld>
+  <p:clrMapOvr>
+    <a:masterClrMapping/>
+  </p:clrMapOvr>
+</p:sld>
+</file>
+
+<file path=ppt/slides/slide4.xml><?xml version="1.0" encoding="utf-8"?>
+<p:sld xmlns:a="http://schemas.openxmlformats.org/drawingml/2006/main" xmlns:r="http://schemas.openxmlformats.org/officeDocument/2006/relationships" xmlns:p="http://schemas.openxmlformats.org/presentationml/2006/main">
+  <p:cSld>
+    <p:spTree>
+      <p:nvGrpSpPr>
+        <p:cNvPr id="1" name=""/>
+        <p:cNvGrpSpPr/>
+        <p:nvPr/>
+      </p:nvGrpSpPr>
+      <p:grpSpPr>
+        <a:xfrm>
+          <a:off x="0" y="0"/>
+          <a:ext cx="0" cy="0"/>
+          <a:chOff x="0" y="0"/>
+          <a:chExt cx="0" cy="0"/>
+        </a:xfrm>
+      </p:grpSpPr>
+      <p:sp>
+        <p:nvSpPr>
+          <p:cNvPr id="2" name="제목 1"/>
+          <p:cNvSpPr>
+            <a:spLocks noGrp="1"/>
+          </p:cNvSpPr>
+          <p:nvPr>
+            <p:ph type="title"/>
+          </p:nvPr>
+        </p:nvSpPr>
+        <p:spPr/>
+        <p:txBody>
+          <a:bodyPr>
+            <a:normAutofit fontScale="90000"/>
+          </a:bodyPr>
+          <a:lstStyle/>
+          <a:p>
+            <a:r>
+              <a:rPr lang="en-US" altLang="ko-KR" dirty="0"/>
+              <a:t>define practical and reusable visual encoding/interaction logging pattern</a:t>
+            </a:r>
+            <a:br>
+              <a:rPr lang="en-US" altLang="ko-KR" dirty="0"/>
+            </a:br>
+            <a:endParaRPr lang="ko-KR" altLang="en-US" dirty="0"/>
+          </a:p>
+        </p:txBody>
+      </p:sp>
+      <p:sp>
+        <p:nvSpPr>
+          <p:cNvPr id="3" name="슬라이드 번호 개체 틀 2"/>
+          <p:cNvSpPr>
+            <a:spLocks noGrp="1"/>
+          </p:cNvSpPr>
+          <p:nvPr>
+            <p:ph type="sldNum" sz="quarter" idx="10"/>
+          </p:nvPr>
+        </p:nvSpPr>
+        <p:spPr/>
+        <p:txBody>
+          <a:bodyPr/>
+          <a:lstStyle/>
+          <a:p>
+            <a:fld id="{A4621CFB-E7E4-43D9-904E-5B44BC5AA023}" type="slidenum">
+              <a:rPr lang="ko-KR" altLang="en-US" smtClean="0"/>
+              <a:pPr/>
+              <a:t>4</a:t>
+            </a:fld>
+            <a:endParaRPr lang="ko-KR" altLang="en-US"/>
+          </a:p>
+        </p:txBody>
+      </p:sp>
+      <p:sp>
+        <p:nvSpPr>
+          <p:cNvPr id="4" name="텍스트 개체 틀 3"/>
+          <p:cNvSpPr>
+            <a:spLocks noGrp="1"/>
+          </p:cNvSpPr>
+          <p:nvPr>
+            <p:ph type="body" idx="1"/>
+          </p:nvPr>
+        </p:nvSpPr>
+        <p:spPr/>
+        <p:txBody>
+          <a:bodyPr/>
+          <a:lstStyle/>
+          <a:p>
+            <a:r>
+              <a:rPr lang="en-US" altLang="ko-KR" dirty="0" smtClean="0"/>
+              <a:t>Think aloud</a:t>
+            </a:r>
+            <a:r>
+              <a:rPr lang="ko-KR" altLang="en-US" dirty="0" smtClean="0"/>
+              <a:t>로 로그 모음</a:t>
+            </a:r>
+            <a:endParaRPr lang="en-US" altLang="ko-KR" dirty="0" smtClean="0"/>
+          </a:p>
+          <a:p>
+            <a:r>
+              <a:rPr lang="ko-KR" altLang="en-US" dirty="0" smtClean="0"/>
+              <a:t>로그를 중간 단계의 </a:t>
+            </a:r>
+            <a:r>
+              <a:rPr lang="en-US" altLang="ko-KR" dirty="0" smtClean="0"/>
+              <a:t>abstract</a:t>
+            </a:r>
+            <a:r>
+              <a:rPr lang="ko-KR" altLang="en-US" dirty="0" smtClean="0"/>
+              <a:t>한 형태로 표현</a:t>
+            </a:r>
+            <a:endParaRPr lang="en-US" altLang="ko-KR" dirty="0" smtClean="0"/>
+          </a:p>
+          <a:p>
+            <a:pPr lvl="1"/>
+            <a:r>
+              <a:rPr lang="ko-KR" altLang="en-US" dirty="0" smtClean="0"/>
+              <a:t>분석 </a:t>
+            </a:r>
+            <a:r>
+              <a:rPr lang="en-US" altLang="ko-KR" dirty="0" smtClean="0"/>
+              <a:t>tool</a:t>
+            </a:r>
+            <a:r>
+              <a:rPr lang="ko-KR" altLang="en-US" dirty="0" smtClean="0"/>
+              <a:t>에 </a:t>
+            </a:r>
+            <a:r>
+              <a:rPr lang="en-US" altLang="ko-KR" dirty="0" smtClean="0"/>
+              <a:t>independent</a:t>
+            </a:r>
+          </a:p>
+          <a:p>
+            <a:pPr lvl="1"/>
+            <a:r>
+              <a:rPr lang="en-US" altLang="ko-KR" dirty="0" smtClean="0"/>
+              <a:t>Log visualization tool</a:t>
+            </a:r>
+            <a:r>
+              <a:rPr lang="ko-KR" altLang="en-US" dirty="0" smtClean="0"/>
+              <a:t>에 </a:t>
+            </a:r>
+            <a:r>
+              <a:rPr lang="en-US" altLang="ko-KR" dirty="0" smtClean="0"/>
+              <a:t>independent</a:t>
+            </a:r>
+          </a:p>
+          <a:p>
+            <a:pPr lvl="1"/>
+            <a:r>
+              <a:rPr lang="en-US" altLang="ko-KR" dirty="0"/>
+              <a:t>Abstraction</a:t>
+            </a:r>
+            <a:r>
+              <a:rPr lang="ko-KR" altLang="en-US" dirty="0"/>
+              <a:t>의 근거</a:t>
+            </a:r>
+            <a:endParaRPr lang="en-US" altLang="ko-KR" dirty="0"/>
+          </a:p>
+          <a:p>
+            <a:pPr lvl="2"/>
+            <a:r>
+              <a:rPr lang="ko-KR" altLang="en-US" dirty="0" smtClean="0"/>
+              <a:t>기준</a:t>
+            </a:r>
+            <a:r>
+              <a:rPr lang="en-US" altLang="ko-KR" dirty="0" smtClean="0"/>
+              <a:t>: </a:t>
+            </a:r>
+            <a:r>
+              <a:rPr lang="ko-KR" altLang="en-US" dirty="0" smtClean="0"/>
+              <a:t>수업시간 배운 </a:t>
+            </a:r>
+            <a:r>
+              <a:rPr lang="en-US" altLang="ko-KR" dirty="0" smtClean="0"/>
+              <a:t>idiom (by </a:t>
+            </a:r>
+            <a:r>
+              <a:rPr lang="en-US" altLang="ko-KR" dirty="0" err="1" smtClean="0"/>
+              <a:t>tamara</a:t>
+            </a:r>
+            <a:r>
+              <a:rPr lang="en-US" altLang="ko-KR" dirty="0" smtClean="0"/>
+              <a:t>?)</a:t>
+            </a:r>
+          </a:p>
+          <a:p>
+            <a:pPr lvl="2"/>
+            <a:r>
+              <a:rPr lang="ko-KR" altLang="en-US" dirty="0" smtClean="0"/>
+              <a:t>예제</a:t>
+            </a:r>
+            <a:r>
+              <a:rPr lang="en-US" altLang="ko-KR" dirty="0" smtClean="0"/>
+              <a:t>: </a:t>
+            </a:r>
+            <a:r>
+              <a:rPr lang="en-US" altLang="ko-KR" dirty="0" err="1" smtClean="0"/>
+              <a:t>spotfire</a:t>
+            </a:r>
+            <a:r>
+              <a:rPr lang="ko-KR" altLang="en-US" dirty="0"/>
+              <a:t> </a:t>
+            </a:r>
+            <a:r>
+              <a:rPr lang="en-US" altLang="ko-KR" dirty="0" smtClean="0"/>
+              <a:t>vs tableau</a:t>
+            </a:r>
+            <a:r>
+              <a:rPr lang="ko-KR" altLang="en-US" dirty="0" smtClean="0"/>
+              <a:t> </a:t>
+            </a:r>
+            <a:r>
+              <a:rPr lang="en-US" altLang="ko-KR" dirty="0" smtClean="0"/>
+              <a:t>dashboard, </a:t>
+            </a:r>
+          </a:p>
+          <a:p>
+            <a:pPr lvl="2"/>
+            <a:r>
+              <a:rPr lang="ko-KR" altLang="en-US" dirty="0" smtClean="0"/>
+              <a:t>완전 세부적인 기능 </a:t>
+            </a:r>
+            <a:r>
+              <a:rPr lang="en-US" altLang="ko-KR" dirty="0" smtClean="0"/>
+              <a:t>base</a:t>
+            </a:r>
+            <a:r>
+              <a:rPr lang="ko-KR" altLang="en-US" dirty="0"/>
+              <a:t> </a:t>
+            </a:r>
+            <a:r>
+              <a:rPr lang="ko-KR" altLang="en-US" dirty="0" smtClean="0"/>
+              <a:t>보다는 적당히 </a:t>
+            </a:r>
+            <a:r>
+              <a:rPr lang="en-US" altLang="ko-KR" dirty="0" smtClean="0"/>
+              <a:t>Context-aware</a:t>
+            </a:r>
+            <a:r>
+              <a:rPr lang="ko-KR" altLang="en-US" dirty="0" smtClean="0"/>
+              <a:t>한 </a:t>
+            </a:r>
+            <a:r>
+              <a:rPr lang="en-US" altLang="ko-KR" dirty="0" smtClean="0"/>
+              <a:t>log</a:t>
+            </a:r>
+          </a:p>
+          <a:p>
+            <a:pPr lvl="3"/>
+            <a:r>
+              <a:rPr lang="en-US" altLang="ko-KR" dirty="0" smtClean="0"/>
+              <a:t>Select top 3</a:t>
+            </a:r>
+          </a:p>
+          <a:p>
+            <a:endParaRPr lang="ko-KR" altLang="en-US" dirty="0"/>
+          </a:p>
+        </p:txBody>
+      </p:sp>
+      <p:sp>
+        <p:nvSpPr>
+          <p:cNvPr id="5" name="직사각형 4"/>
+          <p:cNvSpPr/>
+          <p:nvPr/>
+        </p:nvSpPr>
+        <p:spPr>
+          <a:xfrm>
+            <a:off x="993913" y="4651513"/>
+            <a:ext cx="2888974" cy="1621019"/>
+          </a:xfrm>
+          <a:prstGeom prst="rect">
+            <a:avLst/>
+          </a:prstGeom>
+        </p:spPr>
+        <p:style>
+          <a:lnRef idx="2">
+            <a:schemeClr val="accent1">
+              <a:shade val="50000"/>
+            </a:schemeClr>
+          </a:lnRef>
+          <a:fillRef idx="1">
+            <a:schemeClr val="accent1"/>
+          </a:fillRef>
+          <a:effectRef idx="0">
+            <a:schemeClr val="accent1"/>
+          </a:effectRef>
+          <a:fontRef idx="minor">
+            <a:schemeClr val="lt1"/>
+          </a:fontRef>
+        </p:style>
+        <p:txBody>
+          <a:bodyPr rtlCol="0" anchor="ctr"/>
+          <a:lstStyle/>
+          <a:p>
+            <a:pPr algn="ctr"/>
+            <a:r>
+              <a:rPr lang="en-US" altLang="ko-KR" dirty="0" smtClean="0"/>
+              <a:t>Think aloud </a:t>
+            </a:r>
+            <a:r>
+              <a:rPr lang="ko-KR" altLang="en-US" dirty="0" smtClean="0"/>
+              <a:t>로그 예시</a:t>
+            </a:r>
+            <a:endParaRPr lang="ko-KR" altLang="en-US" dirty="0"/>
+          </a:p>
+        </p:txBody>
+      </p:sp>
+      <p:sp>
+        <p:nvSpPr>
+          <p:cNvPr id="6" name="오른쪽 화살표 5"/>
+          <p:cNvSpPr/>
+          <p:nvPr/>
+        </p:nvSpPr>
+        <p:spPr>
+          <a:xfrm>
+            <a:off x="4121426" y="5353878"/>
+            <a:ext cx="702365" cy="530087"/>
+          </a:xfrm>
+          <a:prstGeom prst="rightArrow">
+            <a:avLst/>
+          </a:prstGeom>
+        </p:spPr>
+        <p:style>
+          <a:lnRef idx="2">
+            <a:schemeClr val="accent1">
+              <a:shade val="50000"/>
+            </a:schemeClr>
+          </a:lnRef>
+          <a:fillRef idx="1">
+            <a:schemeClr val="accent1"/>
+          </a:fillRef>
+          <a:effectRef idx="0">
+            <a:schemeClr val="accent1"/>
+          </a:effectRef>
+          <a:fontRef idx="minor">
+            <a:schemeClr val="lt1"/>
+          </a:fontRef>
+        </p:style>
+        <p:txBody>
+          <a:bodyPr rtlCol="0" anchor="ctr"/>
+          <a:lstStyle/>
+          <a:p>
+            <a:pPr algn="ctr"/>
+            <a:endParaRPr lang="ko-KR" altLang="en-US"/>
+          </a:p>
+        </p:txBody>
+      </p:sp>
+      <p:sp>
+        <p:nvSpPr>
+          <p:cNvPr id="7" name="직사각형 6"/>
+          <p:cNvSpPr/>
+          <p:nvPr/>
+        </p:nvSpPr>
+        <p:spPr>
+          <a:xfrm>
+            <a:off x="5062330" y="4651513"/>
+            <a:ext cx="2888974" cy="1621019"/>
+          </a:xfrm>
+          <a:prstGeom prst="rect">
+            <a:avLst/>
+          </a:prstGeom>
+        </p:spPr>
+        <p:style>
+          <a:lnRef idx="2">
+            <a:schemeClr val="accent1">
+              <a:shade val="50000"/>
+            </a:schemeClr>
+          </a:lnRef>
+          <a:fillRef idx="1">
+            <a:schemeClr val="accent1"/>
+          </a:fillRef>
+          <a:effectRef idx="0">
+            <a:schemeClr val="accent1"/>
+          </a:effectRef>
+          <a:fontRef idx="minor">
+            <a:schemeClr val="lt1"/>
+          </a:fontRef>
+        </p:style>
+        <p:txBody>
+          <a:bodyPr rtlCol="0" anchor="ctr"/>
+          <a:lstStyle/>
+          <a:p>
+            <a:pPr algn="ctr"/>
+            <a:r>
+              <a:rPr lang="en-US" altLang="ko-KR" dirty="0" smtClean="0"/>
+              <a:t>IR</a:t>
+            </a:r>
+            <a:endParaRPr lang="ko-KR" altLang="en-US" dirty="0"/>
+          </a:p>
+        </p:txBody>
+      </p:sp>
+      <p:sp>
+        <p:nvSpPr>
+          <p:cNvPr id="9" name="직사각형 8"/>
+          <p:cNvSpPr/>
+          <p:nvPr/>
+        </p:nvSpPr>
+        <p:spPr>
+          <a:xfrm>
+            <a:off x="8680174" y="4651513"/>
+            <a:ext cx="2888974" cy="1621019"/>
+          </a:xfrm>
+          <a:prstGeom prst="rect">
+            <a:avLst/>
+          </a:prstGeom>
+        </p:spPr>
+        <p:style>
+          <a:lnRef idx="2">
+            <a:schemeClr val="accent1">
+              <a:shade val="50000"/>
+            </a:schemeClr>
+          </a:lnRef>
+          <a:fillRef idx="1">
+            <a:schemeClr val="accent1"/>
+          </a:fillRef>
+          <a:effectRef idx="0">
+            <a:schemeClr val="accent1"/>
+          </a:effectRef>
+          <a:fontRef idx="minor">
+            <a:schemeClr val="lt1"/>
+          </a:fontRef>
+        </p:style>
+        <p:txBody>
+          <a:bodyPr rtlCol="0" anchor="ctr"/>
+          <a:lstStyle/>
+          <a:p>
+            <a:pPr algn="ctr"/>
+            <a:r>
+              <a:rPr lang="ko-KR" altLang="en-US" dirty="0" smtClean="0"/>
+              <a:t>시각화</a:t>
+            </a:r>
+            <a:endParaRPr lang="ko-KR" altLang="en-US" dirty="0"/>
+          </a:p>
+        </p:txBody>
+      </p:sp>
+      <p:sp>
+        <p:nvSpPr>
+          <p:cNvPr id="10" name="오른쪽 화살표 9"/>
+          <p:cNvSpPr/>
+          <p:nvPr/>
+        </p:nvSpPr>
+        <p:spPr>
+          <a:xfrm>
+            <a:off x="8189843" y="5353878"/>
+            <a:ext cx="702365" cy="530087"/>
+          </a:xfrm>
+          <a:prstGeom prst="rightArrow">
+            <a:avLst/>
+          </a:prstGeom>
+        </p:spPr>
+        <p:style>
+          <a:lnRef idx="2">
+            <a:schemeClr val="accent1">
+              <a:shade val="50000"/>
+            </a:schemeClr>
+          </a:lnRef>
+          <a:fillRef idx="1">
+            <a:schemeClr val="accent1"/>
+          </a:fillRef>
+          <a:effectRef idx="0">
+            <a:schemeClr val="accent1"/>
+          </a:effectRef>
+          <a:fontRef idx="minor">
+            <a:schemeClr val="lt1"/>
+          </a:fontRef>
+        </p:style>
+        <p:txBody>
+          <a:bodyPr rtlCol="0" anchor="ctr"/>
+          <a:lstStyle/>
+          <a:p>
+            <a:pPr algn="ctr"/>
+            <a:endParaRPr lang="ko-KR" altLang="en-US"/>
+          </a:p>
+        </p:txBody>
+      </p:sp>
+    </p:spTree>
+    <p:extLst>
+      <p:ext uri="{BB962C8B-B14F-4D97-AF65-F5344CB8AC3E}">
+        <p14:creationId xmlns:p14="http://schemas.microsoft.com/office/powerpoint/2010/main" val="2481294003"/>
+      </p:ext>
+    </p:extLst>
+  </p:cSld>
+  <p:clrMapOvr>
+    <a:masterClrMapping/>
+  </p:clrMapOvr>
+</p:sld>
+</file>
+
+<file path=ppt/slides/slide5.xml><?xml version="1.0" encoding="utf-8"?>
+<p:sld xmlns:a="http://schemas.openxmlformats.org/drawingml/2006/main" xmlns:r="http://schemas.openxmlformats.org/officeDocument/2006/relationships" xmlns:p="http://schemas.openxmlformats.org/presentationml/2006/main">
+  <p:cSld>
+    <p:spTree>
+      <p:nvGrpSpPr>
+        <p:cNvPr id="1" name=""/>
+        <p:cNvGrpSpPr/>
+        <p:nvPr/>
+      </p:nvGrpSpPr>
+      <p:grpSpPr>
+        <a:xfrm>
+          <a:off x="0" y="0"/>
+          <a:ext cx="0" cy="0"/>
+          <a:chOff x="0" y="0"/>
+          <a:chExt cx="0" cy="0"/>
+        </a:xfrm>
+      </p:grpSpPr>
+      <p:sp>
+        <p:nvSpPr>
+          <p:cNvPr id="2" name="제목 1"/>
+          <p:cNvSpPr>
+            <a:spLocks noGrp="1"/>
+          </p:cNvSpPr>
+          <p:nvPr>
+            <p:ph type="title"/>
+          </p:nvPr>
+        </p:nvSpPr>
+        <p:spPr/>
+        <p:txBody>
+          <a:bodyPr>
+            <a:normAutofit fontScale="90000"/>
+          </a:bodyPr>
+          <a:lstStyle/>
+          <a:p>
+            <a:r>
+              <a:rPr lang="en-US" altLang="ko-KR" dirty="0" smtClean="0"/>
+              <a:t>Layout &amp; Flow</a:t>
+            </a:r>
+            <a:endParaRPr lang="ko-KR" altLang="en-US" dirty="0"/>
+          </a:p>
+        </p:txBody>
+      </p:sp>
+      <p:sp>
+        <p:nvSpPr>
+          <p:cNvPr id="3" name="슬라이드 번호 개체 틀 2"/>
+          <p:cNvSpPr>
+            <a:spLocks noGrp="1"/>
+          </p:cNvSpPr>
+          <p:nvPr>
+            <p:ph type="sldNum" sz="quarter" idx="10"/>
+          </p:nvPr>
+        </p:nvSpPr>
+        <p:spPr/>
+        <p:txBody>
+          <a:bodyPr/>
+          <a:lstStyle/>
+          <a:p>
+            <a:fld id="{A4621CFB-E7E4-43D9-904E-5B44BC5AA023}" type="slidenum">
+              <a:rPr lang="ko-KR" altLang="en-US" smtClean="0"/>
+              <a:pPr/>
+              <a:t>5</a:t>
+            </a:fld>
+            <a:endParaRPr lang="ko-KR" altLang="en-US"/>
+          </a:p>
+        </p:txBody>
+      </p:sp>
+      <p:sp>
+        <p:nvSpPr>
+          <p:cNvPr id="4" name="텍스트 개체 틀 3"/>
+          <p:cNvSpPr>
+            <a:spLocks noGrp="1"/>
+          </p:cNvSpPr>
+          <p:nvPr>
+            <p:ph type="body" idx="1"/>
+          </p:nvPr>
+        </p:nvSpPr>
+        <p:spPr/>
+        <p:txBody>
+          <a:bodyPr/>
+          <a:lstStyle/>
+          <a:p>
+            <a:r>
+              <a:rPr lang="en-US" altLang="ko-KR" dirty="0" smtClean="0"/>
+              <a:t>Visual seeking mantra</a:t>
+            </a:r>
+          </a:p>
+          <a:p>
+            <a:r>
+              <a:rPr lang="en-US" altLang="ko-KR" dirty="0" smtClean="0"/>
+              <a:t>Focus &amp; Context</a:t>
+            </a:r>
+          </a:p>
+          <a:p>
+            <a:r>
+              <a:rPr lang="en-US" altLang="ko-KR" dirty="0" smtClean="0"/>
+              <a:t>Detail on demand </a:t>
+            </a:r>
+            <a:r>
+              <a:rPr lang="ko-KR" altLang="en-US" dirty="0" smtClean="0"/>
+              <a:t>등 설명 써서 치장</a:t>
+            </a:r>
+            <a:endParaRPr lang="en-US" altLang="ko-KR" dirty="0"/>
+          </a:p>
+          <a:p>
+            <a:endParaRPr lang="en-US" altLang="ko-KR" dirty="0" smtClean="0"/>
+          </a:p>
+          <a:p>
+            <a:r>
+              <a:rPr lang="en-US" altLang="ko-KR" dirty="0" smtClean="0"/>
+              <a:t>Overview</a:t>
+            </a:r>
+            <a:r>
+              <a:rPr lang="ko-KR" altLang="en-US" dirty="0" smtClean="0"/>
+              <a:t>를 나누는 기준</a:t>
+            </a:r>
+            <a:endParaRPr lang="en-US" altLang="ko-KR" dirty="0" smtClean="0"/>
+          </a:p>
+          <a:p>
+            <a:pPr lvl="1"/>
+            <a:r>
+              <a:rPr lang="en-US" altLang="ko-KR" dirty="0" smtClean="0"/>
+              <a:t>Data</a:t>
+            </a:r>
+            <a:r>
+              <a:rPr lang="ko-KR" altLang="en-US" dirty="0" smtClean="0"/>
+              <a:t>의 변화</a:t>
+            </a:r>
+            <a:endParaRPr lang="en-US" altLang="ko-KR" dirty="0" smtClean="0"/>
+          </a:p>
+          <a:p>
+            <a:pPr lvl="1"/>
+            <a:r>
+              <a:rPr lang="en-US" altLang="ko-KR" dirty="0" smtClean="0"/>
+              <a:t>Chart</a:t>
+            </a:r>
+            <a:r>
+              <a:rPr lang="ko-KR" altLang="en-US" dirty="0" smtClean="0"/>
+              <a:t>형태의 변화 및 </a:t>
+            </a:r>
+            <a:r>
+              <a:rPr lang="en-US" altLang="ko-KR" dirty="0" smtClean="0"/>
+              <a:t>facet</a:t>
+            </a:r>
+          </a:p>
+          <a:p>
+            <a:endParaRPr lang="en-US" altLang="ko-KR" dirty="0"/>
+          </a:p>
+          <a:p>
+            <a:endParaRPr lang="en-US" altLang="ko-KR" dirty="0" smtClean="0"/>
+          </a:p>
+          <a:p>
+            <a:pPr lvl="1"/>
+            <a:endParaRPr lang="ko-KR" altLang="en-US" dirty="0"/>
+          </a:p>
+        </p:txBody>
+      </p:sp>
+    </p:spTree>
+    <p:extLst>
+      <p:ext uri="{BB962C8B-B14F-4D97-AF65-F5344CB8AC3E}">
+        <p14:creationId xmlns:p14="http://schemas.microsoft.com/office/powerpoint/2010/main" val="2410769092"/>
+      </p:ext>
+    </p:extLst>
+  </p:cSld>
+  <p:clrMapOvr>
+    <a:masterClrMapping/>
+  </p:clrMapOvr>
+</p:sld>
+</file>
+
+<file path=ppt/slides/slide6.xml><?xml version="1.0" encoding="utf-8"?>
+<p:sld xmlns:a="http://schemas.openxmlformats.org/drawingml/2006/main" xmlns:r="http://schemas.openxmlformats.org/officeDocument/2006/relationships" xmlns:p="http://schemas.openxmlformats.org/presentationml/2006/main">
+  <p:cSld>
+    <p:spTree>
+      <p:nvGrpSpPr>
+        <p:cNvPr id="1" name=""/>
+        <p:cNvGrpSpPr/>
+        <p:nvPr/>
+      </p:nvGrpSpPr>
+      <p:grpSpPr>
+        <a:xfrm>
+          <a:off x="0" y="0"/>
+          <a:ext cx="0" cy="0"/>
+          <a:chOff x="0" y="0"/>
+          <a:chExt cx="0" cy="0"/>
+        </a:xfrm>
+      </p:grpSpPr>
+      <p:sp>
+        <p:nvSpPr>
+          <p:cNvPr id="2" name="제목 1"/>
+          <p:cNvSpPr>
+            <a:spLocks noGrp="1"/>
+          </p:cNvSpPr>
+          <p:nvPr>
+            <p:ph type="title"/>
+          </p:nvPr>
+        </p:nvSpPr>
+        <p:spPr/>
+        <p:txBody>
+          <a:bodyPr>
+            <a:normAutofit fontScale="90000"/>
+          </a:bodyPr>
+          <a:lstStyle/>
+          <a:p>
+            <a:r>
+              <a:rPr lang="en-US" altLang="ko-KR" dirty="0" smtClean="0"/>
+              <a:t>demo</a:t>
+            </a:r>
+            <a:endParaRPr lang="ko-KR" altLang="en-US" dirty="0"/>
+          </a:p>
+        </p:txBody>
+      </p:sp>
+      <p:sp>
+        <p:nvSpPr>
+          <p:cNvPr id="3" name="슬라이드 번호 개체 틀 2"/>
+          <p:cNvSpPr>
+            <a:spLocks noGrp="1"/>
+          </p:cNvSpPr>
+          <p:nvPr>
+            <p:ph type="sldNum" sz="quarter" idx="10"/>
+          </p:nvPr>
+        </p:nvSpPr>
+        <p:spPr/>
+        <p:txBody>
+          <a:bodyPr/>
+          <a:lstStyle/>
+          <a:p>
+            <a:fld id="{A4621CFB-E7E4-43D9-904E-5B44BC5AA023}" type="slidenum">
+              <a:rPr lang="ko-KR" altLang="en-US" smtClean="0"/>
+              <a:pPr/>
+              <a:t>6</a:t>
+            </a:fld>
+            <a:endParaRPr lang="ko-KR" altLang="en-US"/>
+          </a:p>
+        </p:txBody>
+      </p:sp>
+      <p:sp>
+        <p:nvSpPr>
+          <p:cNvPr id="4" name="텍스트 개체 틀 3"/>
+          <p:cNvSpPr>
+            <a:spLocks noGrp="1"/>
+          </p:cNvSpPr>
+          <p:nvPr>
+            <p:ph type="body" idx="1"/>
+          </p:nvPr>
+        </p:nvSpPr>
+        <p:spPr/>
+        <p:txBody>
+          <a:bodyPr/>
+          <a:lstStyle/>
+          <a:p>
+            <a:r>
+              <a:rPr lang="ko-KR" altLang="en-US" dirty="0" smtClean="0"/>
+              <a:t>데모하면서 기능 설명 다 하기</a:t>
+            </a:r>
+            <a:endParaRPr lang="en-US" altLang="ko-KR" dirty="0" smtClean="0"/>
+          </a:p>
+          <a:p>
+            <a:endParaRPr lang="ko-KR" altLang="en-US" dirty="0"/>
+          </a:p>
+        </p:txBody>
+      </p:sp>
+    </p:spTree>
+    <p:extLst>
+      <p:ext uri="{BB962C8B-B14F-4D97-AF65-F5344CB8AC3E}">
+        <p14:creationId xmlns:p14="http://schemas.microsoft.com/office/powerpoint/2010/main" val="2897168738"/>
+      </p:ext>
+    </p:extLst>
+  </p:cSld>
+  <p:clrMapOvr>
+    <a:masterClrMapping/>
+  </p:clrMapOvr>
+</p:sld>
+</file>
+
+<file path=ppt/slides/slide7.xml><?xml version="1.0" encoding="utf-8"?>
+<p:sld xmlns:a="http://schemas.openxmlformats.org/drawingml/2006/main" xmlns:r="http://schemas.openxmlformats.org/officeDocument/2006/relationships" xmlns:p="http://schemas.openxmlformats.org/presentationml/2006/main">
+  <p:cSld>
+    <p:spTree>
+      <p:nvGrpSpPr>
+        <p:cNvPr id="1" name=""/>
+        <p:cNvGrpSpPr/>
+        <p:nvPr/>
+      </p:nvGrpSpPr>
+      <p:grpSpPr>
+        <a:xfrm>
+          <a:off x="0" y="0"/>
+          <a:ext cx="0" cy="0"/>
+          <a:chOff x="0" y="0"/>
+          <a:chExt cx="0" cy="0"/>
+        </a:xfrm>
+      </p:grpSpPr>
+      <p:sp>
+        <p:nvSpPr>
+          <p:cNvPr id="2" name="제목 1"/>
+          <p:cNvSpPr>
+            <a:spLocks noGrp="1"/>
+          </p:cNvSpPr>
+          <p:nvPr>
+            <p:ph type="title"/>
+          </p:nvPr>
+        </p:nvSpPr>
+        <p:spPr/>
+        <p:txBody>
+          <a:bodyPr>
+            <a:normAutofit fontScale="90000"/>
+          </a:bodyPr>
+          <a:lstStyle/>
+          <a:p>
+            <a:r>
+              <a:rPr lang="en-US" altLang="ko-KR" dirty="0" smtClean="0"/>
+              <a:t>Pilot study</a:t>
+            </a:r>
+            <a:endParaRPr lang="ko-KR" altLang="en-US" dirty="0"/>
+          </a:p>
+        </p:txBody>
+      </p:sp>
+      <p:sp>
+        <p:nvSpPr>
+          <p:cNvPr id="3" name="슬라이드 번호 개체 틀 2"/>
+          <p:cNvSpPr>
+            <a:spLocks noGrp="1"/>
+          </p:cNvSpPr>
+          <p:nvPr>
+            <p:ph type="sldNum" sz="quarter" idx="10"/>
+          </p:nvPr>
+        </p:nvSpPr>
+        <p:spPr/>
+        <p:txBody>
+          <a:bodyPr/>
+          <a:lstStyle/>
+          <a:p>
+            <a:fld id="{A4621CFB-E7E4-43D9-904E-5B44BC5AA023}" type="slidenum">
+              <a:rPr lang="ko-KR" altLang="en-US" smtClean="0"/>
+              <a:pPr/>
+              <a:t>7</a:t>
+            </a:fld>
+            <a:endParaRPr lang="ko-KR" altLang="en-US"/>
+          </a:p>
+        </p:txBody>
+      </p:sp>
+      <p:sp>
+        <p:nvSpPr>
+          <p:cNvPr id="4" name="텍스트 개체 틀 3"/>
+          <p:cNvSpPr>
+            <a:spLocks noGrp="1"/>
+          </p:cNvSpPr>
+          <p:nvPr>
+            <p:ph type="body" idx="1"/>
+          </p:nvPr>
+        </p:nvSpPr>
+        <p:spPr/>
+        <p:txBody>
+          <a:bodyPr/>
+          <a:lstStyle/>
+          <a:p>
+            <a:r>
+              <a:rPr lang="ko-KR" altLang="en-US" dirty="0" smtClean="0"/>
+              <a:t>의견 나왔던 것들</a:t>
+            </a:r>
+            <a:endParaRPr lang="ko-KR" altLang="en-US" dirty="0"/>
+          </a:p>
+        </p:txBody>
+      </p:sp>
+    </p:spTree>
+    <p:extLst>
+      <p:ext uri="{BB962C8B-B14F-4D97-AF65-F5344CB8AC3E}">
+        <p14:creationId xmlns:p14="http://schemas.microsoft.com/office/powerpoint/2010/main" val="3781028225"/>
+      </p:ext>
+    </p:extLst>
+  </p:cSld>
+  <p:clrMapOvr>
+    <a:masterClrMapping/>
+  </p:clrMapOvr>
+</p:sld>
+</file>
+
+<file path=ppt/slides/slide8.xml><?xml version="1.0" encoding="utf-8"?>
+<p:sld xmlns:a="http://schemas.openxmlformats.org/drawingml/2006/main" xmlns:r="http://schemas.openxmlformats.org/officeDocument/2006/relationships" xmlns:p="http://schemas.openxmlformats.org/presentationml/2006/main">
+  <p:cSld>
+    <p:spTree>
+      <p:nvGrpSpPr>
+        <p:cNvPr id="1" name=""/>
+        <p:cNvGrpSpPr/>
+        <p:nvPr/>
+      </p:nvGrpSpPr>
+      <p:grpSpPr>
+        <a:xfrm>
+          <a:off x="0" y="0"/>
+          <a:ext cx="0" cy="0"/>
+          <a:chOff x="0" y="0"/>
+          <a:chExt cx="0" cy="0"/>
+        </a:xfrm>
+      </p:grpSpPr>
+      <p:sp>
+        <p:nvSpPr>
+          <p:cNvPr id="2" name="제목 1"/>
+          <p:cNvSpPr>
+            <a:spLocks noGrp="1"/>
+          </p:cNvSpPr>
+          <p:nvPr>
+            <p:ph type="title"/>
+          </p:nvPr>
+        </p:nvSpPr>
+        <p:spPr/>
+        <p:txBody>
+          <a:bodyPr>
+            <a:normAutofit fontScale="90000"/>
+          </a:bodyPr>
+          <a:lstStyle/>
+          <a:p>
+            <a:r>
+              <a:rPr lang="en-US" altLang="ko-KR" dirty="0" smtClean="0"/>
+              <a:t>Contribution </a:t>
+            </a:r>
+            <a:r>
+              <a:rPr lang="ko-KR" altLang="en-US" dirty="0" smtClean="0"/>
+              <a:t>재정리</a:t>
+            </a:r>
+            <a:endParaRPr lang="ko-KR" altLang="en-US" dirty="0"/>
+          </a:p>
+        </p:txBody>
+      </p:sp>
+      <p:sp>
+        <p:nvSpPr>
+          <p:cNvPr id="3" name="슬라이드 번호 개체 틀 2"/>
+          <p:cNvSpPr>
+            <a:spLocks noGrp="1"/>
+          </p:cNvSpPr>
+          <p:nvPr>
+            <p:ph type="sldNum" sz="quarter" idx="10"/>
+          </p:nvPr>
+        </p:nvSpPr>
+        <p:spPr/>
+        <p:txBody>
+          <a:bodyPr/>
+          <a:lstStyle/>
+          <a:p>
+            <a:fld id="{A4621CFB-E7E4-43D9-904E-5B44BC5AA023}" type="slidenum">
+              <a:rPr lang="ko-KR" altLang="en-US" smtClean="0"/>
+              <a:pPr/>
+              <a:t>8</a:t>
+            </a:fld>
+            <a:endParaRPr lang="ko-KR" altLang="en-US"/>
+          </a:p>
+        </p:txBody>
+      </p:sp>
+      <p:sp>
+        <p:nvSpPr>
+          <p:cNvPr id="4" name="텍스트 개체 틀 3"/>
+          <p:cNvSpPr>
+            <a:spLocks noGrp="1"/>
+          </p:cNvSpPr>
+          <p:nvPr>
+            <p:ph type="body" idx="1"/>
+          </p:nvPr>
+        </p:nvSpPr>
+        <p:spPr/>
+        <p:txBody>
+          <a:bodyPr/>
+          <a:lstStyle/>
+          <a:p>
+            <a:r>
+              <a:rPr lang="en-US" altLang="ko-KR" dirty="0" smtClean="0"/>
+              <a:t>~~</a:t>
+            </a:r>
+          </a:p>
+          <a:p>
+            <a:r>
+              <a:rPr lang="en-US" altLang="ko-KR" dirty="0" smtClean="0"/>
+              <a:t>~~</a:t>
+            </a:r>
+          </a:p>
+          <a:p>
+            <a:endParaRPr lang="en-US" altLang="ko-KR" dirty="0"/>
+          </a:p>
+          <a:p>
+            <a:r>
+              <a:rPr lang="ko-KR" altLang="en-US" dirty="0"/>
+              <a:t>앞으로 할 수 있는 연구를 위한 초석</a:t>
+            </a:r>
+            <a:endParaRPr lang="en-US" altLang="ko-KR" dirty="0"/>
+          </a:p>
+          <a:p>
+            <a:pPr lvl="1"/>
+            <a:r>
+              <a:rPr lang="ko-KR" altLang="en-US" dirty="0" smtClean="0"/>
+              <a:t>기대 연구 리스트 뒤에 추가</a:t>
+            </a:r>
+            <a:endParaRPr lang="en-US" altLang="ko-KR" dirty="0" smtClean="0"/>
+          </a:p>
+          <a:p>
+            <a:pPr lvl="1"/>
+            <a:endParaRPr lang="en-US" altLang="ko-KR" dirty="0"/>
+          </a:p>
+          <a:p>
+            <a:endParaRPr lang="ko-KR" altLang="en-US" dirty="0"/>
+          </a:p>
+        </p:txBody>
+      </p:sp>
+    </p:spTree>
+    <p:extLst>
+      <p:ext uri="{BB962C8B-B14F-4D97-AF65-F5344CB8AC3E}">
+        <p14:creationId xmlns:p14="http://schemas.microsoft.com/office/powerpoint/2010/main" val="3374711319"/>
+      </p:ext>
+    </p:extLst>
+  </p:cSld>
+  <p:clrMapOvr>
+    <a:masterClrMapping/>
+  </p:clrMapOvr>
+</p:sld>
+</file>
+
+<file path=ppt/slides/slide9.xml><?xml version="1.0" encoding="utf-8"?>
+<p:sld xmlns:a="http://schemas.openxmlformats.org/drawingml/2006/main" xmlns:r="http://schemas.openxmlformats.org/officeDocument/2006/relationships" xmlns:p="http://schemas.openxmlformats.org/presentationml/2006/main">
+  <p:cSld>
+    <p:spTree>
+      <p:nvGrpSpPr>
+        <p:cNvPr id="1" name=""/>
+        <p:cNvGrpSpPr/>
+        <p:nvPr/>
+      </p:nvGrpSpPr>
+      <p:grpSpPr>
+        <a:xfrm>
+          <a:off x="0" y="0"/>
+          <a:ext cx="0" cy="0"/>
+          <a:chOff x="0" y="0"/>
+          <a:chExt cx="0" cy="0"/>
+        </a:xfrm>
+      </p:grpSpPr>
+      <p:sp>
+        <p:nvSpPr>
+          <p:cNvPr id="2" name="제목 1"/>
+          <p:cNvSpPr>
+            <a:spLocks noGrp="1"/>
+          </p:cNvSpPr>
+          <p:nvPr>
+            <p:ph type="title"/>
+          </p:nvPr>
+        </p:nvSpPr>
+        <p:spPr/>
+        <p:txBody>
+          <a:bodyPr>
+            <a:normAutofit fontScale="90000"/>
+          </a:bodyPr>
+          <a:lstStyle/>
+          <a:p>
+            <a:r>
+              <a:rPr lang="en-US" altLang="ko-KR" dirty="0"/>
+              <a:t>Discussion &amp; future work</a:t>
+            </a:r>
+            <a:br>
+              <a:rPr lang="en-US" altLang="ko-KR" dirty="0"/>
+            </a:br>
+            <a:endParaRPr lang="ko-KR" altLang="en-US" dirty="0"/>
+          </a:p>
+        </p:txBody>
+      </p:sp>
+      <p:sp>
+        <p:nvSpPr>
+          <p:cNvPr id="3" name="슬라이드 번호 개체 틀 2"/>
+          <p:cNvSpPr>
+            <a:spLocks noGrp="1"/>
+          </p:cNvSpPr>
+          <p:nvPr>
+            <p:ph type="sldNum" sz="quarter" idx="10"/>
+          </p:nvPr>
+        </p:nvSpPr>
+        <p:spPr/>
+        <p:txBody>
+          <a:bodyPr/>
+          <a:lstStyle/>
+          <a:p>
+            <a:fld id="{A4621CFB-E7E4-43D9-904E-5B44BC5AA023}" type="slidenum">
+              <a:rPr lang="ko-KR" altLang="en-US" smtClean="0"/>
+              <a:pPr/>
+              <a:t>9</a:t>
+            </a:fld>
+            <a:endParaRPr lang="ko-KR" altLang="en-US"/>
+          </a:p>
+        </p:txBody>
+      </p:sp>
+      <p:sp>
+        <p:nvSpPr>
+          <p:cNvPr id="4" name="텍스트 개체 틀 3"/>
+          <p:cNvSpPr>
+            <a:spLocks noGrp="1"/>
+          </p:cNvSpPr>
+          <p:nvPr>
+            <p:ph type="body" idx="1"/>
+          </p:nvPr>
+        </p:nvSpPr>
+        <p:spPr/>
+        <p:txBody>
+          <a:bodyPr/>
+          <a:lstStyle/>
+          <a:p>
+            <a:endParaRPr lang="ko-KR" altLang="en-US" dirty="0"/>
+          </a:p>
+        </p:txBody>
+      </p:sp>
+    </p:spTree>
+    <p:extLst>
+      <p:ext uri="{BB962C8B-B14F-4D97-AF65-F5344CB8AC3E}">
+        <p14:creationId xmlns:p14="http://schemas.microsoft.com/office/powerpoint/2010/main" val="874345436"/>
       </p:ext>
     </p:extLst>
   </p:cSld>

--- a/term_project.pptx
+++ b/term_project.pptx
@@ -5,10 +5,10 @@
     <p:sldMasterId id="2147483693" r:id="rId1"/>
   </p:sldMasterIdLst>
   <p:notesMasterIdLst>
-    <p:notesMasterId r:id="rId14"/>
+    <p:notesMasterId r:id="rId16"/>
   </p:notesMasterIdLst>
   <p:handoutMasterIdLst>
-    <p:handoutMasterId r:id="rId15"/>
+    <p:handoutMasterId r:id="rId17"/>
   </p:handoutMasterIdLst>
   <p:sldIdLst>
     <p:sldId id="256" r:id="rId2"/>
@@ -16,13 +16,15 @@
     <p:sldId id="260" r:id="rId4"/>
     <p:sldId id="266" r:id="rId5"/>
     <p:sldId id="267" r:id="rId6"/>
-    <p:sldId id="268" r:id="rId7"/>
-    <p:sldId id="269" r:id="rId8"/>
-    <p:sldId id="270" r:id="rId9"/>
-    <p:sldId id="264" r:id="rId10"/>
-    <p:sldId id="258" r:id="rId11"/>
-    <p:sldId id="271" r:id="rId12"/>
-    <p:sldId id="257" r:id="rId13"/>
+    <p:sldId id="273" r:id="rId7"/>
+    <p:sldId id="274" r:id="rId8"/>
+    <p:sldId id="272" r:id="rId9"/>
+    <p:sldId id="268" r:id="rId10"/>
+    <p:sldId id="269" r:id="rId11"/>
+    <p:sldId id="270" r:id="rId12"/>
+    <p:sldId id="264" r:id="rId13"/>
+    <p:sldId id="258" r:id="rId14"/>
+    <p:sldId id="257" r:id="rId15"/>
   </p:sldIdLst>
   <p:sldSz cx="12192000" cy="6858000"/>
   <p:notesSz cx="6794500" cy="9906000"/>
@@ -1778,31 +1780,19 @@
           <a:lstStyle/>
           <a:p>
             <a:r>
-              <a:rPr lang="en-US" altLang="ko-KR" dirty="0" err="1" smtClean="0"/>
+              <a:rPr lang="en-US" altLang="ko-KR" dirty="0" err="1"/>
               <a:t>ReVA</a:t>
             </a:r>
-            <a:r>
-              <a:rPr lang="en-US" altLang="ko-KR" dirty="0" smtClean="0"/>
-              <a:t/>
-            </a:r>
             <a:br>
-              <a:rPr lang="en-US" altLang="ko-KR" dirty="0" smtClean="0"/>
+              <a:rPr lang="en-US" altLang="ko-KR" dirty="0"/>
             </a:br>
             <a:r>
-              <a:rPr lang="en-US" altLang="ko-KR" dirty="0" smtClean="0"/>
+              <a:rPr lang="en-US" altLang="ko-KR" dirty="0"/>
               <a:t>: </a:t>
             </a:r>
             <a:r>
-              <a:rPr lang="en" altLang="ko-KR" sz="4000" dirty="0" smtClean="0"/>
-              <a:t>Interaction </a:t>
-            </a:r>
-            <a:r>
               <a:rPr lang="en" altLang="ko-KR" sz="4000" dirty="0"/>
-              <a:t>log pattern Visualization supporting Recover and </a:t>
-            </a:r>
-            <a:r>
-              <a:rPr lang="en" altLang="ko-KR" sz="4000" dirty="0" smtClean="0"/>
-              <a:t>Reuse</a:t>
+              <a:t>Interaction log pattern Visualization supporting Recover and Reuse</a:t>
             </a:r>
             <a:endParaRPr lang="ko-KR" altLang="en-US" sz="4000" dirty="0"/>
           </a:p>
@@ -1824,15 +1814,15 @@
           <a:lstStyle/>
           <a:p>
             <a:r>
-              <a:rPr lang="ko-KR" altLang="en-US" dirty="0" smtClean="0"/>
+              <a:rPr lang="ko-KR" altLang="en-US" dirty="0"/>
               <a:t>김영택</a:t>
             </a:r>
             <a:r>
-              <a:rPr lang="en-US" altLang="ko-KR" dirty="0" smtClean="0"/>
+              <a:rPr lang="en-US" altLang="ko-KR" dirty="0"/>
               <a:t>, </a:t>
             </a:r>
             <a:r>
-              <a:rPr lang="ko-KR" altLang="en-US" dirty="0" err="1" smtClean="0"/>
+              <a:rPr lang="ko-KR" altLang="en-US" dirty="0" err="1"/>
               <a:t>김이은</a:t>
             </a:r>
             <a:endParaRPr lang="ko-KR" altLang="en-US" dirty="0"/>
@@ -1871,13 +1861,7 @@
       </p:grpSpPr>
       <p:sp>
         <p:nvSpPr>
-          <p:cNvPr id="2" name="제목 1">
-            <a:extLst>
-              <a:ext uri="{FF2B5EF4-FFF2-40B4-BE49-F238E27FC236}">
-                <a16:creationId xmlns:a16="http://schemas.microsoft.com/office/drawing/2014/main" id="{756A4F7C-9558-4C95-858C-8EA51D2D5156}"/>
-              </a:ext>
-            </a:extLst>
-          </p:cNvPr>
+          <p:cNvPr id="2" name="제목 1"/>
           <p:cNvSpPr>
             <a:spLocks noGrp="1"/>
           </p:cNvSpPr>
@@ -1892,19 +1876,17 @@
           </a:bodyPr>
           <a:lstStyle/>
           <a:p>
-            <a:endParaRPr lang="ko-KR" altLang="en-US"/>
-          </a:p>
-        </p:txBody>
-      </p:sp>
-      <p:sp>
-        <p:nvSpPr>
-          <p:cNvPr id="3" name="슬라이드 번호 개체 틀 2">
-            <a:extLst>
-              <a:ext uri="{FF2B5EF4-FFF2-40B4-BE49-F238E27FC236}">
-                <a16:creationId xmlns:a16="http://schemas.microsoft.com/office/drawing/2014/main" id="{A0AAFA24-EC18-4ACD-BEA3-EE18B1D032AF}"/>
-              </a:ext>
-            </a:extLst>
-          </p:cNvPr>
+            <a:r>
+              <a:rPr lang="en-US" altLang="ko-KR" dirty="0"/>
+              <a:t>Pilot study</a:t>
+            </a:r>
+            <a:endParaRPr lang="ko-KR" altLang="en-US" dirty="0"/>
+          </a:p>
+        </p:txBody>
+      </p:sp>
+      <p:sp>
+        <p:nvSpPr>
+          <p:cNvPr id="3" name="슬라이드 번호 개체 틀 2"/>
           <p:cNvSpPr>
             <a:spLocks noGrp="1"/>
           </p:cNvSpPr>
@@ -1928,13 +1910,7 @@
       </p:sp>
       <p:sp>
         <p:nvSpPr>
-          <p:cNvPr id="4" name="텍스트 개체 틀 3">
-            <a:extLst>
-              <a:ext uri="{FF2B5EF4-FFF2-40B4-BE49-F238E27FC236}">
-                <a16:creationId xmlns:a16="http://schemas.microsoft.com/office/drawing/2014/main" id="{092E1F7C-D3D9-495C-B28F-23D5789BAE1D}"/>
-              </a:ext>
-            </a:extLst>
-          </p:cNvPr>
+          <p:cNvPr id="4" name="텍스트 개체 틀 3"/>
           <p:cNvSpPr>
             <a:spLocks noGrp="1"/>
           </p:cNvSpPr>
@@ -1942,11 +1918,367 @@
             <p:ph type="body" idx="1"/>
           </p:nvPr>
         </p:nvSpPr>
-        <p:spPr/>
-        <p:txBody>
-          <a:bodyPr/>
+        <p:spPr>
+          <a:xfrm>
+            <a:off x="4105275" y="1008181"/>
+            <a:ext cx="7924800" cy="5313643"/>
+          </a:xfrm>
+        </p:spPr>
+        <p:txBody>
+          <a:bodyPr>
+            <a:normAutofit/>
+          </a:bodyPr>
           <a:lstStyle/>
           <a:p>
+            <a:endParaRPr lang="en-US" altLang="ko-KR" sz="2400" dirty="0"/>
+          </a:p>
+          <a:p>
+            <a:r>
+              <a:rPr lang="ko-KR" altLang="en-US" sz="2400" dirty="0"/>
+              <a:t>대상</a:t>
+            </a:r>
+            <a:endParaRPr lang="en-US" altLang="ko-KR" sz="2400" dirty="0"/>
+          </a:p>
+          <a:p>
+            <a:pPr lvl="1"/>
+            <a:r>
+              <a:rPr lang="ko-KR" altLang="en-US" sz="2000" dirty="0"/>
+              <a:t>연구실 내의 </a:t>
+            </a:r>
+            <a:r>
+              <a:rPr lang="en-US" altLang="ko-KR" sz="2000" dirty="0"/>
+              <a:t>3</a:t>
+            </a:r>
+            <a:r>
+              <a:rPr lang="ko-KR" altLang="en-US" sz="2000" dirty="0"/>
+              <a:t>명의 전문가를 대상으로 </a:t>
+            </a:r>
+            <a:r>
+              <a:rPr lang="en-US" altLang="ko-KR" sz="2000" dirty="0" err="1"/>
+              <a:t>ReVA</a:t>
+            </a:r>
+            <a:r>
+              <a:rPr lang="ko-KR" altLang="en-US" sz="2000" dirty="0"/>
+              <a:t> </a:t>
+            </a:r>
+            <a:r>
+              <a:rPr lang="en-US" altLang="ko-KR" sz="2000" dirty="0"/>
+              <a:t>tool</a:t>
+            </a:r>
+            <a:r>
+              <a:rPr lang="ko-KR" altLang="en-US" sz="2000" dirty="0"/>
+              <a:t>을 보여주고</a:t>
+            </a:r>
+            <a:r>
+              <a:rPr lang="en-US" altLang="ko-KR" sz="2000" dirty="0"/>
+              <a:t>comment</a:t>
+            </a:r>
+            <a:r>
+              <a:rPr lang="ko-KR" altLang="en-US" sz="2000" dirty="0"/>
+              <a:t>를 받음</a:t>
+            </a:r>
+            <a:endParaRPr lang="en-US" altLang="ko-KR" sz="2000" dirty="0"/>
+          </a:p>
+          <a:p>
+            <a:pPr marL="0" indent="0">
+              <a:buNone/>
+            </a:pPr>
+            <a:br>
+              <a:rPr lang="en-US" altLang="ko-KR" sz="2400" dirty="0"/>
+            </a:br>
+            <a:endParaRPr lang="en-US" altLang="ko-KR" sz="2400" dirty="0"/>
+          </a:p>
+          <a:p>
+            <a:r>
+              <a:rPr lang="en-US" altLang="ko-KR" sz="2400" dirty="0"/>
+              <a:t>Comments</a:t>
+            </a:r>
+          </a:p>
+          <a:p>
+            <a:pPr lvl="1"/>
+            <a:r>
+              <a:rPr lang="en-US" altLang="ko-KR" sz="2000" dirty="0"/>
+              <a:t>Layout </a:t>
+            </a:r>
+            <a:r>
+              <a:rPr lang="ko-KR" altLang="en-US" sz="2000" dirty="0"/>
+              <a:t>배치</a:t>
+            </a:r>
+            <a:endParaRPr lang="en-US" altLang="ko-KR" sz="2000" dirty="0"/>
+          </a:p>
+          <a:p>
+            <a:pPr lvl="1"/>
+            <a:r>
+              <a:rPr lang="ko-KR" altLang="en-US" sz="2000" dirty="0"/>
+              <a:t>사용자가 </a:t>
+            </a:r>
+            <a:r>
+              <a:rPr lang="en-US" altLang="ko-KR" sz="2000" dirty="0"/>
+              <a:t>insight</a:t>
+            </a:r>
+            <a:r>
+              <a:rPr lang="ko-KR" altLang="en-US" sz="2000" dirty="0"/>
+              <a:t>를 얻은 단계를 표시</a:t>
+            </a:r>
+            <a:endParaRPr lang="en-US" altLang="ko-KR" sz="2000" dirty="0"/>
+          </a:p>
+          <a:p>
+            <a:pPr lvl="1"/>
+            <a:r>
+              <a:rPr lang="en-US" altLang="ko-KR" sz="2000" dirty="0"/>
+              <a:t>Interaction annotation</a:t>
+            </a:r>
+            <a:r>
+              <a:rPr lang="ko-KR" altLang="en-US" sz="2000" dirty="0"/>
+              <a:t> 표시</a:t>
+            </a:r>
+            <a:br>
+              <a:rPr lang="en-US" altLang="ko-KR" sz="2000" dirty="0"/>
+            </a:br>
+            <a:endParaRPr lang="en-US" altLang="ko-KR" sz="2000" dirty="0"/>
+          </a:p>
+          <a:p>
+            <a:pPr lvl="1"/>
+            <a:r>
+              <a:rPr lang="en-US" altLang="ko-KR" sz="2000" dirty="0"/>
+              <a:t>Skewed data</a:t>
+            </a:r>
+            <a:r>
+              <a:rPr lang="ko-KR" altLang="en-US" sz="2000" dirty="0"/>
+              <a:t>인 경우에는 </a:t>
+            </a:r>
+            <a:r>
+              <a:rPr lang="en-US" altLang="ko-KR" sz="2000" dirty="0"/>
+              <a:t>log transformation</a:t>
+            </a:r>
+            <a:r>
+              <a:rPr lang="ko-KR" altLang="en-US" sz="2000" dirty="0"/>
+              <a:t> 사용</a:t>
+            </a:r>
+            <a:endParaRPr lang="en-US" altLang="ko-KR" sz="2000" dirty="0"/>
+          </a:p>
+          <a:p>
+            <a:pPr lvl="1">
+              <a:buFontTx/>
+              <a:buChar char="-"/>
+            </a:pPr>
+            <a:r>
+              <a:rPr lang="en-US" altLang="ko-KR" sz="2000" dirty="0"/>
+              <a:t>Chart transition </a:t>
+            </a:r>
+            <a:r>
+              <a:rPr lang="ko-KR" altLang="en-US" sz="2000" dirty="0"/>
+              <a:t>기능 추가</a:t>
+            </a:r>
+            <a:endParaRPr lang="en-US" altLang="ko-KR" sz="2000" dirty="0"/>
+          </a:p>
+          <a:p>
+            <a:pPr lvl="1">
+              <a:buFontTx/>
+              <a:buChar char="-"/>
+            </a:pPr>
+            <a:r>
+              <a:rPr lang="en-US" altLang="ko-KR" sz="2000" dirty="0"/>
+              <a:t>Anchor Weight </a:t>
+            </a:r>
+            <a:r>
+              <a:rPr lang="ko-KR" altLang="en-US" sz="2000" dirty="0"/>
+              <a:t>추가</a:t>
+            </a:r>
+            <a:endParaRPr lang="en-US" altLang="ko-KR" sz="2000" dirty="0"/>
+          </a:p>
+          <a:p>
+            <a:endParaRPr lang="en-US" altLang="ko-KR" sz="2400" dirty="0"/>
+          </a:p>
+          <a:p>
+            <a:endParaRPr lang="ko-KR" altLang="en-US" sz="2400" dirty="0"/>
+          </a:p>
+        </p:txBody>
+      </p:sp>
+      <p:pic>
+        <p:nvPicPr>
+          <p:cNvPr id="5" name="Picture 4" descr="comment icon에 대한 이미지 검색결과"/>
+          <p:cNvPicPr>
+            <a:picLocks noChangeAspect="1" noChangeArrowheads="1"/>
+          </p:cNvPicPr>
+          <p:nvPr/>
+        </p:nvPicPr>
+        <p:blipFill>
+          <a:blip r:embed="rId2">
+            <a:extLst>
+              <a:ext uri="{28A0092B-C50C-407E-A947-70E740481C1C}">
+                <a14:useLocalDpi xmlns:a14="http://schemas.microsoft.com/office/drawing/2010/main" val="0"/>
+              </a:ext>
+            </a:extLst>
+          </a:blip>
+          <a:srcRect/>
+          <a:stretch>
+            <a:fillRect/>
+          </a:stretch>
+        </p:blipFill>
+        <p:spPr bwMode="auto">
+          <a:xfrm flipH="1">
+            <a:off x="934720" y="3892176"/>
+            <a:ext cx="1905000" cy="1905000"/>
+          </a:xfrm>
+          <a:prstGeom prst="rect">
+            <a:avLst/>
+          </a:prstGeom>
+          <a:noFill/>
+          <a:extLst>
+            <a:ext uri="{909E8E84-426E-40DD-AFC4-6F175D3DCCD1}">
+              <a14:hiddenFill xmlns:a14="http://schemas.microsoft.com/office/drawing/2010/main">
+                <a:solidFill>
+                  <a:srgbClr val="FFFFFF"/>
+                </a:solidFill>
+              </a14:hiddenFill>
+            </a:ext>
+          </a:extLst>
+        </p:spPr>
+      </p:pic>
+      <p:pic>
+        <p:nvPicPr>
+          <p:cNvPr id="6" name="Picture 8" descr="target icon에 대한 이미지 검색결과"/>
+          <p:cNvPicPr>
+            <a:picLocks noChangeAspect="1" noChangeArrowheads="1"/>
+          </p:cNvPicPr>
+          <p:nvPr/>
+        </p:nvPicPr>
+        <p:blipFill>
+          <a:blip r:embed="rId3">
+            <a:extLst>
+              <a:ext uri="{28A0092B-C50C-407E-A947-70E740481C1C}">
+                <a14:useLocalDpi xmlns:a14="http://schemas.microsoft.com/office/drawing/2010/main" val="0"/>
+              </a:ext>
+            </a:extLst>
+          </a:blip>
+          <a:srcRect/>
+          <a:stretch>
+            <a:fillRect/>
+          </a:stretch>
+        </p:blipFill>
+        <p:spPr bwMode="auto">
+          <a:xfrm>
+            <a:off x="934720" y="1184910"/>
+            <a:ext cx="1905000" cy="1905000"/>
+          </a:xfrm>
+          <a:prstGeom prst="rect">
+            <a:avLst/>
+          </a:prstGeom>
+          <a:noFill/>
+          <a:extLst>
+            <a:ext uri="{909E8E84-426E-40DD-AFC4-6F175D3DCCD1}">
+              <a14:hiddenFill xmlns:a14="http://schemas.microsoft.com/office/drawing/2010/main">
+                <a:solidFill>
+                  <a:srgbClr val="FFFFFF"/>
+                </a:solidFill>
+              </a14:hiddenFill>
+            </a:ext>
+          </a:extLst>
+        </p:spPr>
+      </p:pic>
+      <p:pic>
+        <p:nvPicPr>
+          <p:cNvPr id="7" name="그림 6"/>
+          <p:cNvPicPr>
+            <a:picLocks noChangeAspect="1"/>
+          </p:cNvPicPr>
+          <p:nvPr/>
+        </p:nvPicPr>
+        <p:blipFill>
+          <a:blip r:embed="rId4"/>
+          <a:stretch>
+            <a:fillRect/>
+          </a:stretch>
+        </p:blipFill>
+        <p:spPr>
+          <a:xfrm>
+            <a:off x="3967465" y="3962400"/>
+            <a:ext cx="593700" cy="597298"/>
+          </a:xfrm>
+          <a:prstGeom prst="rect">
+            <a:avLst/>
+          </a:prstGeom>
+        </p:spPr>
+      </p:pic>
+      <p:pic>
+        <p:nvPicPr>
+          <p:cNvPr id="8" name="그림 7"/>
+          <p:cNvPicPr>
+            <a:picLocks noChangeAspect="1"/>
+          </p:cNvPicPr>
+          <p:nvPr/>
+        </p:nvPicPr>
+        <p:blipFill>
+          <a:blip r:embed="rId5"/>
+          <a:stretch>
+            <a:fillRect/>
+          </a:stretch>
+        </p:blipFill>
+        <p:spPr>
+          <a:xfrm>
+            <a:off x="3929365" y="5169914"/>
+            <a:ext cx="661685" cy="627262"/>
+          </a:xfrm>
+          <a:prstGeom prst="rect">
+            <a:avLst/>
+          </a:prstGeom>
+        </p:spPr>
+      </p:pic>
+      <p:sp>
+        <p:nvSpPr>
+          <p:cNvPr id="9" name="직사각형 8">
+            <a:extLst>
+              <a:ext uri="{FF2B5EF4-FFF2-40B4-BE49-F238E27FC236}">
+                <a16:creationId xmlns:a16="http://schemas.microsoft.com/office/drawing/2014/main" id="{0A04E24F-D600-425D-95DF-AFB794141E5F}"/>
+              </a:ext>
+            </a:extLst>
+          </p:cNvPr>
+          <p:cNvSpPr/>
+          <p:nvPr/>
+        </p:nvSpPr>
+        <p:spPr>
+          <a:xfrm rot="20848378">
+            <a:off x="5890394" y="2565918"/>
+            <a:ext cx="5483622" cy="1558213"/>
+          </a:xfrm>
+          <a:prstGeom prst="rect">
+            <a:avLst/>
+          </a:prstGeom>
+        </p:spPr>
+        <p:style>
+          <a:lnRef idx="2">
+            <a:schemeClr val="accent1">
+              <a:shade val="50000"/>
+            </a:schemeClr>
+          </a:lnRef>
+          <a:fillRef idx="1">
+            <a:schemeClr val="accent1"/>
+          </a:fillRef>
+          <a:effectRef idx="0">
+            <a:schemeClr val="accent1"/>
+          </a:effectRef>
+          <a:fontRef idx="minor">
+            <a:schemeClr val="lt1"/>
+          </a:fontRef>
+        </p:style>
+        <p:txBody>
+          <a:bodyPr rtlCol="0" anchor="ctr"/>
+          <a:lstStyle/>
+          <a:p>
+            <a:pPr algn="ctr"/>
+            <a:r>
+              <a:rPr lang="ko-KR" altLang="en-US" dirty="0" err="1"/>
+              <a:t>생각나는거</a:t>
+            </a:r>
+            <a:r>
+              <a:rPr lang="ko-KR" altLang="en-US" dirty="0"/>
+              <a:t> 더 </a:t>
+            </a:r>
+            <a:r>
+              <a:rPr lang="ko-KR" altLang="en-US" dirty="0" err="1"/>
+              <a:t>써놓기</a:t>
+            </a:r>
             <a:endParaRPr lang="ko-KR" altLang="en-US" dirty="0"/>
           </a:p>
         </p:txBody>
@@ -1954,7 +2286,7 @@
     </p:spTree>
     <p:extLst>
       <p:ext uri="{BB962C8B-B14F-4D97-AF65-F5344CB8AC3E}">
-        <p14:creationId xmlns:p14="http://schemas.microsoft.com/office/powerpoint/2010/main" val="383833309"/>
+        <p14:creationId xmlns:p14="http://schemas.microsoft.com/office/powerpoint/2010/main" val="3781028225"/>
       </p:ext>
     </p:extLst>
   </p:cSld>
@@ -1983,6 +2315,312 @@
       </p:grpSpPr>
       <p:sp>
         <p:nvSpPr>
+          <p:cNvPr id="14" name="내용 개체 틀 2"/>
+          <p:cNvSpPr txBox="1">
+            <a:spLocks/>
+          </p:cNvSpPr>
+          <p:nvPr/>
+        </p:nvSpPr>
+        <p:spPr>
+          <a:xfrm>
+            <a:off x="261257" y="950026"/>
+            <a:ext cx="11673444" cy="4917374"/>
+          </a:xfrm>
+          <a:prstGeom prst="rect">
+            <a:avLst/>
+          </a:prstGeom>
+        </p:spPr>
+        <p:txBody>
+          <a:bodyPr vert="horz" lIns="91440" tIns="45720" rIns="91440" bIns="45720" rtlCol="0">
+            <a:normAutofit fontScale="92500" lnSpcReduction="20000"/>
+          </a:bodyPr>
+          <a:lstStyle>
+            <a:lvl1pPr marL="228600" indent="-228600" algn="l" defTabSz="914400" rtl="0" eaLnBrk="1" latinLnBrk="1" hangingPunct="1">
+              <a:lnSpc>
+                <a:spcPct val="90000"/>
+              </a:lnSpc>
+              <a:spcBef>
+                <a:spcPts val="1000"/>
+              </a:spcBef>
+              <a:buFont typeface="Arial" panose="020B0604020202020204" pitchFamily="34" charset="0"/>
+              <a:buChar char="•"/>
+              <a:defRPr sz="2800" kern="1200">
+                <a:solidFill>
+                  <a:schemeClr val="tx1"/>
+                </a:solidFill>
+                <a:latin typeface="+mn-lt"/>
+                <a:ea typeface="+mn-ea"/>
+                <a:cs typeface="+mn-cs"/>
+              </a:defRPr>
+            </a:lvl1pPr>
+            <a:lvl2pPr marL="685800" indent="-228600" algn="l" defTabSz="914400" rtl="0" eaLnBrk="1" latinLnBrk="1" hangingPunct="1">
+              <a:lnSpc>
+                <a:spcPct val="90000"/>
+              </a:lnSpc>
+              <a:spcBef>
+                <a:spcPts val="500"/>
+              </a:spcBef>
+              <a:buFont typeface="맑은 고딕" panose="020B0503020000020004" pitchFamily="50" charset="-127"/>
+              <a:buChar char="-"/>
+              <a:defRPr sz="2400" kern="1200">
+                <a:solidFill>
+                  <a:schemeClr val="tx1"/>
+                </a:solidFill>
+                <a:latin typeface="+mn-lt"/>
+                <a:ea typeface="+mn-ea"/>
+                <a:cs typeface="+mn-cs"/>
+              </a:defRPr>
+            </a:lvl2pPr>
+            <a:lvl3pPr marL="1143000" indent="-228600" algn="l" defTabSz="914400" rtl="0" eaLnBrk="1" latinLnBrk="1" hangingPunct="1">
+              <a:lnSpc>
+                <a:spcPct val="90000"/>
+              </a:lnSpc>
+              <a:spcBef>
+                <a:spcPts val="500"/>
+              </a:spcBef>
+              <a:buFont typeface="맑은 고딕" panose="020B0503020000020004" pitchFamily="50" charset="-127"/>
+              <a:buChar char="-"/>
+              <a:defRPr sz="2000" kern="1200">
+                <a:solidFill>
+                  <a:schemeClr val="tx1"/>
+                </a:solidFill>
+                <a:latin typeface="+mn-lt"/>
+                <a:ea typeface="+mn-ea"/>
+                <a:cs typeface="+mn-cs"/>
+              </a:defRPr>
+            </a:lvl3pPr>
+            <a:lvl4pPr marL="1600200" indent="-228600" algn="l" defTabSz="914400" rtl="0" eaLnBrk="1" latinLnBrk="1" hangingPunct="1">
+              <a:lnSpc>
+                <a:spcPct val="90000"/>
+              </a:lnSpc>
+              <a:spcBef>
+                <a:spcPts val="500"/>
+              </a:spcBef>
+              <a:buFont typeface="맑은 고딕" panose="020B0503020000020004" pitchFamily="50" charset="-127"/>
+              <a:buChar char="-"/>
+              <a:defRPr sz="1800" kern="1200">
+                <a:solidFill>
+                  <a:schemeClr val="tx1"/>
+                </a:solidFill>
+                <a:latin typeface="+mn-lt"/>
+                <a:ea typeface="+mn-ea"/>
+                <a:cs typeface="+mn-cs"/>
+              </a:defRPr>
+            </a:lvl4pPr>
+            <a:lvl5pPr marL="1828800" indent="0" algn="l" defTabSz="914400" rtl="0" eaLnBrk="1" latinLnBrk="1" hangingPunct="1">
+              <a:lnSpc>
+                <a:spcPct val="90000"/>
+              </a:lnSpc>
+              <a:spcBef>
+                <a:spcPts val="500"/>
+              </a:spcBef>
+              <a:buFont typeface="Arial" panose="020B0604020202020204" pitchFamily="34" charset="0"/>
+              <a:buNone/>
+              <a:defRPr sz="1800" kern="1200">
+                <a:solidFill>
+                  <a:schemeClr val="tx1"/>
+                </a:solidFill>
+                <a:latin typeface="+mn-lt"/>
+                <a:ea typeface="+mn-ea"/>
+                <a:cs typeface="+mn-cs"/>
+              </a:defRPr>
+            </a:lvl5pPr>
+            <a:lvl6pPr marL="2514600" indent="-228600" algn="l" defTabSz="914400" rtl="0" eaLnBrk="1" latinLnBrk="1" hangingPunct="1">
+              <a:lnSpc>
+                <a:spcPct val="90000"/>
+              </a:lnSpc>
+              <a:spcBef>
+                <a:spcPts val="500"/>
+              </a:spcBef>
+              <a:buFont typeface="Arial" panose="020B0604020202020204" pitchFamily="34" charset="0"/>
+              <a:buChar char="•"/>
+              <a:defRPr sz="1800" kern="1200">
+                <a:solidFill>
+                  <a:schemeClr val="tx1"/>
+                </a:solidFill>
+                <a:latin typeface="+mn-lt"/>
+                <a:ea typeface="+mn-ea"/>
+                <a:cs typeface="+mn-cs"/>
+              </a:defRPr>
+            </a:lvl6pPr>
+            <a:lvl7pPr marL="2971800" indent="-228600" algn="l" defTabSz="914400" rtl="0" eaLnBrk="1" latinLnBrk="1" hangingPunct="1">
+              <a:lnSpc>
+                <a:spcPct val="90000"/>
+              </a:lnSpc>
+              <a:spcBef>
+                <a:spcPts val="500"/>
+              </a:spcBef>
+              <a:buFont typeface="Arial" panose="020B0604020202020204" pitchFamily="34" charset="0"/>
+              <a:buChar char="•"/>
+              <a:defRPr sz="1800" kern="1200">
+                <a:solidFill>
+                  <a:schemeClr val="tx1"/>
+                </a:solidFill>
+                <a:latin typeface="+mn-lt"/>
+                <a:ea typeface="+mn-ea"/>
+                <a:cs typeface="+mn-cs"/>
+              </a:defRPr>
+            </a:lvl7pPr>
+            <a:lvl8pPr marL="3429000" indent="-228600" algn="l" defTabSz="914400" rtl="0" eaLnBrk="1" latinLnBrk="1" hangingPunct="1">
+              <a:lnSpc>
+                <a:spcPct val="90000"/>
+              </a:lnSpc>
+              <a:spcBef>
+                <a:spcPts val="500"/>
+              </a:spcBef>
+              <a:buFont typeface="Arial" panose="020B0604020202020204" pitchFamily="34" charset="0"/>
+              <a:buChar char="•"/>
+              <a:defRPr sz="1800" kern="1200">
+                <a:solidFill>
+                  <a:schemeClr val="tx1"/>
+                </a:solidFill>
+                <a:latin typeface="+mn-lt"/>
+                <a:ea typeface="+mn-ea"/>
+                <a:cs typeface="+mn-cs"/>
+              </a:defRPr>
+            </a:lvl8pPr>
+            <a:lvl9pPr marL="3886200" indent="-228600" algn="l" defTabSz="914400" rtl="0" eaLnBrk="1" latinLnBrk="1" hangingPunct="1">
+              <a:lnSpc>
+                <a:spcPct val="90000"/>
+              </a:lnSpc>
+              <a:spcBef>
+                <a:spcPts val="500"/>
+              </a:spcBef>
+              <a:buFont typeface="Arial" panose="020B0604020202020204" pitchFamily="34" charset="0"/>
+              <a:buChar char="•"/>
+              <a:defRPr sz="1800" kern="1200">
+                <a:solidFill>
+                  <a:schemeClr val="tx1"/>
+                </a:solidFill>
+                <a:latin typeface="+mn-lt"/>
+                <a:ea typeface="+mn-ea"/>
+                <a:cs typeface="+mn-cs"/>
+              </a:defRPr>
+            </a:lvl9pPr>
+          </a:lstStyle>
+          <a:p>
+            <a:pPr marL="457200" lvl="1" indent="0">
+              <a:buFont typeface="맑은 고딕" panose="020B0503020000020004" pitchFamily="50" charset="-127"/>
+              <a:buNone/>
+            </a:pPr>
+            <a:endParaRPr lang="en-US" altLang="ko-KR" dirty="0"/>
+          </a:p>
+          <a:p>
+            <a:pPr marL="457200" lvl="1" indent="0">
+              <a:buFont typeface="맑은 고딕" panose="020B0503020000020004" pitchFamily="50" charset="-127"/>
+              <a:buNone/>
+            </a:pPr>
+            <a:endParaRPr lang="en-US" altLang="ko-KR" dirty="0"/>
+          </a:p>
+          <a:p>
+            <a:pPr marL="457200" lvl="1" indent="0">
+              <a:buFont typeface="맑은 고딕" panose="020B0503020000020004" pitchFamily="50" charset="-127"/>
+              <a:buNone/>
+            </a:pPr>
+            <a:endParaRPr lang="en-US" altLang="ko-KR" dirty="0"/>
+          </a:p>
+          <a:p>
+            <a:pPr marL="457200" lvl="1" indent="0">
+              <a:buFont typeface="맑은 고딕" panose="020B0503020000020004" pitchFamily="50" charset="-127"/>
+              <a:buNone/>
+            </a:pPr>
+            <a:endParaRPr lang="en-US" altLang="ko-KR" dirty="0"/>
+          </a:p>
+          <a:p>
+            <a:pPr marL="457200" lvl="1" indent="0">
+              <a:buFont typeface="맑은 고딕" panose="020B0503020000020004" pitchFamily="50" charset="-127"/>
+              <a:buNone/>
+            </a:pPr>
+            <a:endParaRPr lang="en-US" altLang="ko-KR" dirty="0"/>
+          </a:p>
+          <a:p>
+            <a:pPr marL="457200" lvl="1" indent="0">
+              <a:buFont typeface="맑은 고딕" panose="020B0503020000020004" pitchFamily="50" charset="-127"/>
+              <a:buNone/>
+            </a:pPr>
+            <a:endParaRPr lang="en-US" altLang="ko-KR" dirty="0"/>
+          </a:p>
+          <a:p>
+            <a:pPr marL="457200" lvl="1" indent="0">
+              <a:buFont typeface="맑은 고딕" panose="020B0503020000020004" pitchFamily="50" charset="-127"/>
+              <a:buNone/>
+            </a:pPr>
+            <a:endParaRPr lang="en-US" altLang="ko-KR" dirty="0"/>
+          </a:p>
+          <a:p>
+            <a:endParaRPr lang="en-US" altLang="ko-KR" dirty="0"/>
+          </a:p>
+          <a:p>
+            <a:endParaRPr lang="en-US" altLang="ko-KR" dirty="0"/>
+          </a:p>
+          <a:p>
+            <a:endParaRPr lang="en-US" altLang="ko-KR" dirty="0"/>
+          </a:p>
+          <a:p>
+            <a:endParaRPr lang="en-US" altLang="ko-KR" dirty="0"/>
+          </a:p>
+          <a:p>
+            <a:endParaRPr lang="en-US" altLang="ko-KR" dirty="0"/>
+          </a:p>
+          <a:p>
+            <a:pPr marL="0" indent="0" algn="ctr">
+              <a:buFont typeface="Arial" panose="020B0604020202020204" pitchFamily="34" charset="0"/>
+              <a:buNone/>
+            </a:pPr>
+            <a:r>
+              <a:rPr lang="en-US" altLang="ko-KR" b="1" dirty="0">
+                <a:sym typeface="Wingdings" panose="05000000000000000000" pitchFamily="2" charset="2"/>
+              </a:rPr>
+              <a:t> </a:t>
+            </a:r>
+            <a:r>
+              <a:rPr lang="ko-KR" altLang="en-US" dirty="0">
+                <a:sym typeface="Wingdings" panose="05000000000000000000" pitchFamily="2" charset="2"/>
+              </a:rPr>
+              <a:t>사용자가 자신의 </a:t>
+            </a:r>
+            <a:r>
+              <a:rPr lang="en-US" altLang="ko-KR" dirty="0">
+                <a:sym typeface="Wingdings" panose="05000000000000000000" pitchFamily="2" charset="2"/>
+              </a:rPr>
+              <a:t>reasoning process</a:t>
+            </a:r>
+            <a:r>
+              <a:rPr lang="ko-KR" altLang="en-US" dirty="0">
+                <a:sym typeface="Wingdings" panose="05000000000000000000" pitchFamily="2" charset="2"/>
+              </a:rPr>
+              <a:t>를 </a:t>
+            </a:r>
+            <a:r>
+              <a:rPr lang="ko-KR" altLang="en-US" b="1" dirty="0">
+                <a:sym typeface="Wingdings" panose="05000000000000000000" pitchFamily="2" charset="2"/>
+              </a:rPr>
+              <a:t>공유</a:t>
+            </a:r>
+            <a:r>
+              <a:rPr lang="ko-KR" altLang="en-US" dirty="0">
+                <a:sym typeface="Wingdings" panose="05000000000000000000" pitchFamily="2" charset="2"/>
+              </a:rPr>
+              <a:t> 및 </a:t>
+            </a:r>
+            <a:r>
+              <a:rPr lang="ko-KR" altLang="en-US" b="1" dirty="0">
+                <a:sym typeface="Wingdings" panose="05000000000000000000" pitchFamily="2" charset="2"/>
+              </a:rPr>
+              <a:t>재활용</a:t>
+            </a:r>
+            <a:r>
+              <a:rPr lang="ko-KR" altLang="en-US" dirty="0">
+                <a:sym typeface="Wingdings" panose="05000000000000000000" pitchFamily="2" charset="2"/>
+              </a:rPr>
+              <a:t> 가능</a:t>
+            </a:r>
+            <a:endParaRPr lang="en-US" altLang="ko-KR" dirty="0"/>
+          </a:p>
+        </p:txBody>
+      </p:sp>
+      <p:sp>
+        <p:nvSpPr>
           <p:cNvPr id="2" name="제목 1"/>
           <p:cNvSpPr>
             <a:spLocks noGrp="1"/>
@@ -1998,7 +2636,11 @@
           </a:bodyPr>
           <a:lstStyle/>
           <a:p>
-            <a:endParaRPr lang="ko-KR" altLang="en-US"/>
+            <a:r>
+              <a:rPr lang="en-US" altLang="ko-KR" dirty="0"/>
+              <a:t>Contribution</a:t>
+            </a:r>
+            <a:endParaRPr lang="ko-KR" altLang="en-US" dirty="0"/>
           </a:p>
         </p:txBody>
       </p:sp>
@@ -2026,21 +2668,147 @@
           </a:p>
         </p:txBody>
       </p:sp>
-      <p:sp>
-        <p:nvSpPr>
-          <p:cNvPr id="4" name="텍스트 개체 틀 3"/>
-          <p:cNvSpPr>
-            <a:spLocks noGrp="1"/>
-          </p:cNvSpPr>
-          <p:nvPr>
-            <p:ph type="body" idx="1"/>
-          </p:nvPr>
-        </p:nvSpPr>
-        <p:spPr/>
-        <p:txBody>
-          <a:bodyPr/>
+      <p:grpSp>
+        <p:nvGrpSpPr>
+          <p:cNvPr id="10" name="그룹 9"/>
+          <p:cNvGrpSpPr/>
+          <p:nvPr/>
+        </p:nvGrpSpPr>
+        <p:grpSpPr>
+          <a:xfrm>
+            <a:off x="755005" y="2218602"/>
+            <a:ext cx="10468167" cy="2513070"/>
+            <a:chOff x="666558" y="1701829"/>
+            <a:chExt cx="10468167" cy="2513070"/>
+          </a:xfrm>
+        </p:grpSpPr>
+        <p:sp>
+          <p:nvSpPr>
+            <p:cNvPr id="6" name="모서리가 둥근 직사각형 5"/>
+            <p:cNvSpPr/>
+            <p:nvPr/>
+          </p:nvSpPr>
+          <p:spPr>
+            <a:xfrm>
+              <a:off x="666558" y="2023227"/>
+              <a:ext cx="3881003" cy="1695197"/>
+            </a:xfrm>
+            <a:prstGeom prst="roundRect">
+              <a:avLst/>
+            </a:prstGeom>
+          </p:spPr>
+          <p:style>
+            <a:lnRef idx="0">
+              <a:schemeClr val="accent2"/>
+            </a:lnRef>
+            <a:fillRef idx="3">
+              <a:schemeClr val="accent2"/>
+            </a:fillRef>
+            <a:effectRef idx="3">
+              <a:schemeClr val="accent2"/>
+            </a:effectRef>
+            <a:fontRef idx="minor">
+              <a:schemeClr val="lt1"/>
+            </a:fontRef>
+          </p:style>
+          <p:txBody>
+            <a:bodyPr rtlCol="0" anchor="ctr"/>
+            <a:lstStyle/>
+            <a:p>
+              <a:r>
+                <a:rPr lang="en-US" altLang="ko-KR" sz="2000" b="1" dirty="0"/>
+                <a:t>define practical and reusable visual encoding/interaction logging pattern</a:t>
+              </a:r>
+            </a:p>
+          </p:txBody>
+        </p:sp>
+        <p:sp>
+          <p:nvSpPr>
+            <p:cNvPr id="7" name="모서리가 둥근 직사각형 6"/>
+            <p:cNvSpPr/>
+            <p:nvPr/>
+          </p:nvSpPr>
+          <p:spPr>
+            <a:xfrm>
+              <a:off x="5835267" y="1701829"/>
+              <a:ext cx="5299458" cy="2513070"/>
+            </a:xfrm>
+            <a:prstGeom prst="roundRect">
+              <a:avLst/>
+            </a:prstGeom>
+          </p:spPr>
+          <p:style>
+            <a:lnRef idx="3">
+              <a:schemeClr val="lt1"/>
+            </a:lnRef>
+            <a:fillRef idx="1">
+              <a:schemeClr val="accent5"/>
+            </a:fillRef>
+            <a:effectRef idx="1">
+              <a:schemeClr val="accent5"/>
+            </a:effectRef>
+            <a:fontRef idx="minor">
+              <a:schemeClr val="lt1"/>
+            </a:fontRef>
+          </p:style>
+          <p:txBody>
+            <a:bodyPr rtlCol="0" anchor="ctr"/>
+            <a:lstStyle/>
+            <a:p>
+              <a:pPr algn="ctr"/>
+              <a:r>
+                <a:rPr lang="en-US" altLang="ko-KR" sz="2800" b="1" dirty="0"/>
+                <a:t>Visual interface that allows recover and reuse</a:t>
+              </a:r>
+              <a:endParaRPr lang="en-US" altLang="ko-KR" sz="2800" dirty="0"/>
+            </a:p>
+          </p:txBody>
+        </p:sp>
+      </p:grpSp>
+      <p:sp>
+        <p:nvSpPr>
+          <p:cNvPr id="12" name="십자형 11"/>
+          <p:cNvSpPr/>
+          <p:nvPr/>
+        </p:nvSpPr>
+        <p:spPr>
+          <a:xfrm rot="18788236">
+            <a:off x="5044911" y="3233838"/>
+            <a:ext cx="469900" cy="482600"/>
+          </a:xfrm>
+          <a:prstGeom prst="plus">
+            <a:avLst/>
+          </a:prstGeom>
+          <a:solidFill>
+            <a:schemeClr val="accent3">
+              <a:alpha val="85000"/>
+            </a:schemeClr>
+          </a:solidFill>
+          <a:ln>
+            <a:noFill/>
+          </a:ln>
+        </p:spPr>
+        <p:style>
+          <a:lnRef idx="2">
+            <a:schemeClr val="accent3">
+              <a:shade val="50000"/>
+            </a:schemeClr>
+          </a:lnRef>
+          <a:fillRef idx="1">
+            <a:schemeClr val="accent3"/>
+          </a:fillRef>
+          <a:effectRef idx="0">
+            <a:schemeClr val="accent3"/>
+          </a:effectRef>
+          <a:fontRef idx="minor">
+            <a:schemeClr val="lt1"/>
+          </a:fontRef>
+        </p:style>
+        <p:txBody>
+          <a:bodyPr rtlCol="0" anchor="ctr"/>
           <a:lstStyle/>
           <a:p>
+            <a:pPr algn="ctr"/>
             <a:endParaRPr lang="ko-KR" altLang="en-US"/>
           </a:p>
         </p:txBody>
@@ -2048,7 +2816,7 @@
     </p:spTree>
     <p:extLst>
       <p:ext uri="{BB962C8B-B14F-4D97-AF65-F5344CB8AC3E}">
-        <p14:creationId xmlns:p14="http://schemas.microsoft.com/office/powerpoint/2010/main" val="1519276758"/>
+        <p14:creationId xmlns:p14="http://schemas.microsoft.com/office/powerpoint/2010/main" val="3374711319"/>
       </p:ext>
     </p:extLst>
   </p:cSld>
@@ -2077,6 +2845,538 @@
       </p:grpSpPr>
       <p:sp>
         <p:nvSpPr>
+          <p:cNvPr id="2" name="제목 1"/>
+          <p:cNvSpPr>
+            <a:spLocks noGrp="1"/>
+          </p:cNvSpPr>
+          <p:nvPr>
+            <p:ph type="title"/>
+          </p:nvPr>
+        </p:nvSpPr>
+        <p:spPr/>
+        <p:txBody>
+          <a:bodyPr>
+            <a:normAutofit fontScale="90000"/>
+          </a:bodyPr>
+          <a:lstStyle/>
+          <a:p>
+            <a:r>
+              <a:rPr lang="en-US" altLang="ko-KR" dirty="0"/>
+              <a:t>Future work</a:t>
+            </a:r>
+            <a:endParaRPr lang="ko-KR" altLang="en-US" dirty="0"/>
+          </a:p>
+        </p:txBody>
+      </p:sp>
+      <p:sp>
+        <p:nvSpPr>
+          <p:cNvPr id="3" name="슬라이드 번호 개체 틀 2"/>
+          <p:cNvSpPr>
+            <a:spLocks noGrp="1"/>
+          </p:cNvSpPr>
+          <p:nvPr>
+            <p:ph type="sldNum" sz="quarter" idx="10"/>
+          </p:nvPr>
+        </p:nvSpPr>
+        <p:spPr/>
+        <p:txBody>
+          <a:bodyPr/>
+          <a:lstStyle/>
+          <a:p>
+            <a:fld id="{A4621CFB-E7E4-43D9-904E-5B44BC5AA023}" type="slidenum">
+              <a:rPr lang="ko-KR" altLang="en-US" smtClean="0"/>
+              <a:pPr/>
+              <a:t>12</a:t>
+            </a:fld>
+            <a:endParaRPr lang="ko-KR" altLang="en-US"/>
+          </a:p>
+        </p:txBody>
+      </p:sp>
+      <p:sp>
+        <p:nvSpPr>
+          <p:cNvPr id="4" name="텍스트 개체 틀 3"/>
+          <p:cNvSpPr>
+            <a:spLocks noGrp="1"/>
+          </p:cNvSpPr>
+          <p:nvPr>
+            <p:ph type="body" idx="1"/>
+          </p:nvPr>
+        </p:nvSpPr>
+        <p:spPr>
+          <a:xfrm>
+            <a:off x="228600" y="1333500"/>
+            <a:ext cx="11734800" cy="5093608"/>
+          </a:xfrm>
+        </p:spPr>
+        <p:txBody>
+          <a:bodyPr/>
+          <a:lstStyle/>
+          <a:p>
+            <a:r>
+              <a:rPr lang="en-US" altLang="ko-KR" dirty="0"/>
+              <a:t>Visual analysis tools</a:t>
+            </a:r>
+            <a:r>
+              <a:rPr lang="ko-KR" altLang="en-US" dirty="0"/>
+              <a:t>에 </a:t>
+            </a:r>
+            <a:r>
+              <a:rPr lang="en-US" altLang="ko-KR" dirty="0"/>
+              <a:t>independent</a:t>
+            </a:r>
+            <a:r>
+              <a:rPr lang="ko-KR" altLang="en-US" dirty="0"/>
+              <a:t>한 </a:t>
+            </a:r>
+            <a:r>
+              <a:rPr lang="en-US" altLang="ko-KR" dirty="0"/>
+              <a:t>visual idiom</a:t>
+            </a:r>
+            <a:r>
+              <a:rPr lang="ko-KR" altLang="en-US" dirty="0"/>
+              <a:t> 수집 및 </a:t>
+            </a:r>
+            <a:r>
+              <a:rPr lang="en-US" altLang="ko-KR" dirty="0"/>
+              <a:t>abstracted form</a:t>
+            </a:r>
+            <a:r>
+              <a:rPr lang="ko-KR" altLang="en-US" dirty="0"/>
+              <a:t>으로 정리</a:t>
+            </a:r>
+            <a:endParaRPr lang="en-US" altLang="ko-KR" dirty="0"/>
+          </a:p>
+          <a:p>
+            <a:endParaRPr lang="en-US" altLang="ko-KR" dirty="0"/>
+          </a:p>
+          <a:p>
+            <a:endParaRPr lang="en-US" altLang="ko-KR" dirty="0"/>
+          </a:p>
+          <a:p>
+            <a:endParaRPr lang="en-US" altLang="ko-KR" dirty="0"/>
+          </a:p>
+          <a:p>
+            <a:endParaRPr lang="ko-KR" altLang="en-US" dirty="0"/>
+          </a:p>
+        </p:txBody>
+      </p:sp>
+      <p:sp>
+        <p:nvSpPr>
+          <p:cNvPr id="5" name="직사각형 4">
+            <a:extLst>
+              <a:ext uri="{FF2B5EF4-FFF2-40B4-BE49-F238E27FC236}">
+                <a16:creationId xmlns:a16="http://schemas.microsoft.com/office/drawing/2014/main" id="{5435BBEE-A334-46A7-9D20-EE2210F8C3D9}"/>
+              </a:ext>
+            </a:extLst>
+          </p:cNvPr>
+          <p:cNvSpPr/>
+          <p:nvPr/>
+        </p:nvSpPr>
+        <p:spPr>
+          <a:xfrm rot="20848378">
+            <a:off x="5890394" y="2565918"/>
+            <a:ext cx="5483622" cy="1558213"/>
+          </a:xfrm>
+          <a:prstGeom prst="rect">
+            <a:avLst/>
+          </a:prstGeom>
+        </p:spPr>
+        <p:style>
+          <a:lnRef idx="2">
+            <a:schemeClr val="accent1">
+              <a:shade val="50000"/>
+            </a:schemeClr>
+          </a:lnRef>
+          <a:fillRef idx="1">
+            <a:schemeClr val="accent1"/>
+          </a:fillRef>
+          <a:effectRef idx="0">
+            <a:schemeClr val="accent1"/>
+          </a:effectRef>
+          <a:fontRef idx="minor">
+            <a:schemeClr val="lt1"/>
+          </a:fontRef>
+        </p:style>
+        <p:txBody>
+          <a:bodyPr rtlCol="0" anchor="ctr"/>
+          <a:lstStyle/>
+          <a:p>
+            <a:pPr algn="ctr"/>
+            <a:r>
+              <a:rPr lang="ko-KR" altLang="en-US" dirty="0"/>
+              <a:t>약점 더 정리</a:t>
+            </a:r>
+          </a:p>
+        </p:txBody>
+      </p:sp>
+    </p:spTree>
+    <p:extLst>
+      <p:ext uri="{BB962C8B-B14F-4D97-AF65-F5344CB8AC3E}">
+        <p14:creationId xmlns:p14="http://schemas.microsoft.com/office/powerpoint/2010/main" val="874345436"/>
+      </p:ext>
+    </p:extLst>
+  </p:cSld>
+  <p:clrMapOvr>
+    <a:masterClrMapping/>
+  </p:clrMapOvr>
+</p:sld>
+</file>
+
+<file path=ppt/slides/slide13.xml><?xml version="1.0" encoding="utf-8"?>
+<p:sld xmlns:a="http://schemas.openxmlformats.org/drawingml/2006/main" xmlns:r="http://schemas.openxmlformats.org/officeDocument/2006/relationships" xmlns:p="http://schemas.openxmlformats.org/presentationml/2006/main">
+  <p:cSld>
+    <p:spTree>
+      <p:nvGrpSpPr>
+        <p:cNvPr id="1" name=""/>
+        <p:cNvGrpSpPr/>
+        <p:nvPr/>
+      </p:nvGrpSpPr>
+      <p:grpSpPr>
+        <a:xfrm>
+          <a:off x="0" y="0"/>
+          <a:ext cx="0" cy="0"/>
+          <a:chOff x="0" y="0"/>
+          <a:chExt cx="0" cy="0"/>
+        </a:xfrm>
+      </p:grpSpPr>
+      <p:sp>
+        <p:nvSpPr>
+          <p:cNvPr id="2" name="제목 1">
+            <a:extLst>
+              <a:ext uri="{FF2B5EF4-FFF2-40B4-BE49-F238E27FC236}">
+                <a16:creationId xmlns:a16="http://schemas.microsoft.com/office/drawing/2014/main" id="{756A4F7C-9558-4C95-858C-8EA51D2D5156}"/>
+              </a:ext>
+            </a:extLst>
+          </p:cNvPr>
+          <p:cNvSpPr>
+            <a:spLocks noGrp="1"/>
+          </p:cNvSpPr>
+          <p:nvPr>
+            <p:ph type="title"/>
+          </p:nvPr>
+        </p:nvSpPr>
+        <p:spPr/>
+        <p:txBody>
+          <a:bodyPr>
+            <a:normAutofit fontScale="90000"/>
+          </a:bodyPr>
+          <a:lstStyle/>
+          <a:p>
+            <a:endParaRPr lang="ko-KR" altLang="en-US"/>
+          </a:p>
+        </p:txBody>
+      </p:sp>
+      <p:sp>
+        <p:nvSpPr>
+          <p:cNvPr id="3" name="슬라이드 번호 개체 틀 2">
+            <a:extLst>
+              <a:ext uri="{FF2B5EF4-FFF2-40B4-BE49-F238E27FC236}">
+                <a16:creationId xmlns:a16="http://schemas.microsoft.com/office/drawing/2014/main" id="{A0AAFA24-EC18-4ACD-BEA3-EE18B1D032AF}"/>
+              </a:ext>
+            </a:extLst>
+          </p:cNvPr>
+          <p:cNvSpPr>
+            <a:spLocks noGrp="1"/>
+          </p:cNvSpPr>
+          <p:nvPr>
+            <p:ph type="sldNum" sz="quarter" idx="10"/>
+          </p:nvPr>
+        </p:nvSpPr>
+        <p:spPr/>
+        <p:txBody>
+          <a:bodyPr/>
+          <a:lstStyle/>
+          <a:p>
+            <a:fld id="{A4621CFB-E7E4-43D9-904E-5B44BC5AA023}" type="slidenum">
+              <a:rPr lang="ko-KR" altLang="en-US" smtClean="0"/>
+              <a:pPr/>
+              <a:t>13</a:t>
+            </a:fld>
+            <a:endParaRPr lang="ko-KR" altLang="en-US"/>
+          </a:p>
+        </p:txBody>
+      </p:sp>
+      <p:sp>
+        <p:nvSpPr>
+          <p:cNvPr id="4" name="텍스트 개체 틀 3">
+            <a:extLst>
+              <a:ext uri="{FF2B5EF4-FFF2-40B4-BE49-F238E27FC236}">
+                <a16:creationId xmlns:a16="http://schemas.microsoft.com/office/drawing/2014/main" id="{092E1F7C-D3D9-495C-B28F-23D5789BAE1D}"/>
+              </a:ext>
+            </a:extLst>
+          </p:cNvPr>
+          <p:cNvSpPr>
+            <a:spLocks noGrp="1"/>
+          </p:cNvSpPr>
+          <p:nvPr>
+            <p:ph type="body" idx="1"/>
+          </p:nvPr>
+        </p:nvSpPr>
+        <p:spPr/>
+        <p:txBody>
+          <a:bodyPr/>
+          <a:lstStyle/>
+          <a:p>
+            <a:endParaRPr lang="ko-KR" altLang="en-US" dirty="0"/>
+          </a:p>
+        </p:txBody>
+      </p:sp>
+      <p:sp>
+        <p:nvSpPr>
+          <p:cNvPr id="6" name="텍스트 개체 틀 3"/>
+          <p:cNvSpPr txBox="1">
+            <a:spLocks/>
+          </p:cNvSpPr>
+          <p:nvPr/>
+        </p:nvSpPr>
+        <p:spPr>
+          <a:xfrm>
+            <a:off x="381000" y="1106207"/>
+            <a:ext cx="11734800" cy="5473301"/>
+          </a:xfrm>
+          <a:prstGeom prst="rect">
+            <a:avLst/>
+          </a:prstGeom>
+        </p:spPr>
+        <p:txBody>
+          <a:bodyPr vert="horz" lIns="91440" tIns="45720" rIns="91440" bIns="45720" rtlCol="0">
+            <a:normAutofit/>
+          </a:bodyPr>
+          <a:lstStyle>
+            <a:lvl1pPr marL="228600" indent="-228600" algn="l" defTabSz="914400" rtl="0" eaLnBrk="1" latinLnBrk="1" hangingPunct="1">
+              <a:lnSpc>
+                <a:spcPct val="90000"/>
+              </a:lnSpc>
+              <a:spcBef>
+                <a:spcPts val="1000"/>
+              </a:spcBef>
+              <a:buFont typeface="Arial" panose="020B0604020202020204" pitchFamily="34" charset="0"/>
+              <a:buChar char="•"/>
+              <a:defRPr sz="2800" kern="1200">
+                <a:solidFill>
+                  <a:schemeClr val="tx1"/>
+                </a:solidFill>
+                <a:latin typeface="+mn-lt"/>
+                <a:ea typeface="+mn-ea"/>
+                <a:cs typeface="+mn-cs"/>
+              </a:defRPr>
+            </a:lvl1pPr>
+            <a:lvl2pPr marL="685800" indent="-228600" algn="l" defTabSz="914400" rtl="0" eaLnBrk="1" latinLnBrk="1" hangingPunct="1">
+              <a:lnSpc>
+                <a:spcPct val="90000"/>
+              </a:lnSpc>
+              <a:spcBef>
+                <a:spcPts val="500"/>
+              </a:spcBef>
+              <a:buFont typeface="맑은 고딕" panose="020B0503020000020004" pitchFamily="50" charset="-127"/>
+              <a:buChar char="-"/>
+              <a:defRPr sz="2400" kern="1200">
+                <a:solidFill>
+                  <a:schemeClr val="tx1"/>
+                </a:solidFill>
+                <a:latin typeface="+mn-lt"/>
+                <a:ea typeface="+mn-ea"/>
+                <a:cs typeface="+mn-cs"/>
+              </a:defRPr>
+            </a:lvl2pPr>
+            <a:lvl3pPr marL="1143000" indent="-228600" algn="l" defTabSz="914400" rtl="0" eaLnBrk="1" latinLnBrk="1" hangingPunct="1">
+              <a:lnSpc>
+                <a:spcPct val="90000"/>
+              </a:lnSpc>
+              <a:spcBef>
+                <a:spcPts val="500"/>
+              </a:spcBef>
+              <a:buFont typeface="맑은 고딕" panose="020B0503020000020004" pitchFamily="50" charset="-127"/>
+              <a:buChar char="-"/>
+              <a:defRPr sz="2000" kern="1200">
+                <a:solidFill>
+                  <a:schemeClr val="tx1"/>
+                </a:solidFill>
+                <a:latin typeface="+mn-lt"/>
+                <a:ea typeface="+mn-ea"/>
+                <a:cs typeface="+mn-cs"/>
+              </a:defRPr>
+            </a:lvl3pPr>
+            <a:lvl4pPr marL="1600200" indent="-228600" algn="l" defTabSz="914400" rtl="0" eaLnBrk="1" latinLnBrk="1" hangingPunct="1">
+              <a:lnSpc>
+                <a:spcPct val="90000"/>
+              </a:lnSpc>
+              <a:spcBef>
+                <a:spcPts val="500"/>
+              </a:spcBef>
+              <a:buFont typeface="맑은 고딕" panose="020B0503020000020004" pitchFamily="50" charset="-127"/>
+              <a:buChar char="-"/>
+              <a:defRPr sz="1800" kern="1200">
+                <a:solidFill>
+                  <a:schemeClr val="tx1"/>
+                </a:solidFill>
+                <a:latin typeface="+mn-lt"/>
+                <a:ea typeface="+mn-ea"/>
+                <a:cs typeface="+mn-cs"/>
+              </a:defRPr>
+            </a:lvl4pPr>
+            <a:lvl5pPr marL="1828800" indent="0" algn="l" defTabSz="914400" rtl="0" eaLnBrk="1" latinLnBrk="1" hangingPunct="1">
+              <a:lnSpc>
+                <a:spcPct val="90000"/>
+              </a:lnSpc>
+              <a:spcBef>
+                <a:spcPts val="500"/>
+              </a:spcBef>
+              <a:buFont typeface="Arial" panose="020B0604020202020204" pitchFamily="34" charset="0"/>
+              <a:buNone/>
+              <a:defRPr sz="1800" kern="1200">
+                <a:solidFill>
+                  <a:schemeClr val="tx1"/>
+                </a:solidFill>
+                <a:latin typeface="+mn-lt"/>
+                <a:ea typeface="+mn-ea"/>
+                <a:cs typeface="+mn-cs"/>
+              </a:defRPr>
+            </a:lvl5pPr>
+            <a:lvl6pPr marL="2514600" indent="-228600" algn="l" defTabSz="914400" rtl="0" eaLnBrk="1" latinLnBrk="1" hangingPunct="1">
+              <a:lnSpc>
+                <a:spcPct val="90000"/>
+              </a:lnSpc>
+              <a:spcBef>
+                <a:spcPts val="500"/>
+              </a:spcBef>
+              <a:buFont typeface="Arial" panose="020B0604020202020204" pitchFamily="34" charset="0"/>
+              <a:buChar char="•"/>
+              <a:defRPr sz="1800" kern="1200">
+                <a:solidFill>
+                  <a:schemeClr val="tx1"/>
+                </a:solidFill>
+                <a:latin typeface="+mn-lt"/>
+                <a:ea typeface="+mn-ea"/>
+                <a:cs typeface="+mn-cs"/>
+              </a:defRPr>
+            </a:lvl6pPr>
+            <a:lvl7pPr marL="2971800" indent="-228600" algn="l" defTabSz="914400" rtl="0" eaLnBrk="1" latinLnBrk="1" hangingPunct="1">
+              <a:lnSpc>
+                <a:spcPct val="90000"/>
+              </a:lnSpc>
+              <a:spcBef>
+                <a:spcPts val="500"/>
+              </a:spcBef>
+              <a:buFont typeface="Arial" panose="020B0604020202020204" pitchFamily="34" charset="0"/>
+              <a:buChar char="•"/>
+              <a:defRPr sz="1800" kern="1200">
+                <a:solidFill>
+                  <a:schemeClr val="tx1"/>
+                </a:solidFill>
+                <a:latin typeface="+mn-lt"/>
+                <a:ea typeface="+mn-ea"/>
+                <a:cs typeface="+mn-cs"/>
+              </a:defRPr>
+            </a:lvl7pPr>
+            <a:lvl8pPr marL="3429000" indent="-228600" algn="l" defTabSz="914400" rtl="0" eaLnBrk="1" latinLnBrk="1" hangingPunct="1">
+              <a:lnSpc>
+                <a:spcPct val="90000"/>
+              </a:lnSpc>
+              <a:spcBef>
+                <a:spcPts val="500"/>
+              </a:spcBef>
+              <a:buFont typeface="Arial" panose="020B0604020202020204" pitchFamily="34" charset="0"/>
+              <a:buChar char="•"/>
+              <a:defRPr sz="1800" kern="1200">
+                <a:solidFill>
+                  <a:schemeClr val="tx1"/>
+                </a:solidFill>
+                <a:latin typeface="+mn-lt"/>
+                <a:ea typeface="+mn-ea"/>
+                <a:cs typeface="+mn-cs"/>
+              </a:defRPr>
+            </a:lvl8pPr>
+            <a:lvl9pPr marL="3886200" indent="-228600" algn="l" defTabSz="914400" rtl="0" eaLnBrk="1" latinLnBrk="1" hangingPunct="1">
+              <a:lnSpc>
+                <a:spcPct val="90000"/>
+              </a:lnSpc>
+              <a:spcBef>
+                <a:spcPts val="500"/>
+              </a:spcBef>
+              <a:buFont typeface="Arial" panose="020B0604020202020204" pitchFamily="34" charset="0"/>
+              <a:buChar char="•"/>
+              <a:defRPr sz="1800" kern="1200">
+                <a:solidFill>
+                  <a:schemeClr val="tx1"/>
+                </a:solidFill>
+                <a:latin typeface="+mn-lt"/>
+                <a:ea typeface="+mn-ea"/>
+                <a:cs typeface="+mn-cs"/>
+              </a:defRPr>
+            </a:lvl9pPr>
+          </a:lstStyle>
+          <a:p>
+            <a:r>
+              <a:rPr lang="en-US" altLang="ko-KR"/>
+              <a:t>~~</a:t>
+            </a:r>
+          </a:p>
+          <a:p>
+            <a:r>
+              <a:rPr lang="en-US" altLang="ko-KR"/>
+              <a:t>~~</a:t>
+            </a:r>
+          </a:p>
+          <a:p>
+            <a:endParaRPr lang="en-US" altLang="ko-KR"/>
+          </a:p>
+          <a:p>
+            <a:r>
+              <a:rPr lang="ko-KR" altLang="en-US"/>
+              <a:t>앞으로 할 수 있는 연구를 위한 초석</a:t>
+            </a:r>
+            <a:endParaRPr lang="en-US" altLang="ko-KR"/>
+          </a:p>
+          <a:p>
+            <a:pPr lvl="1"/>
+            <a:r>
+              <a:rPr lang="ko-KR" altLang="en-US"/>
+              <a:t>기대 연구 리스트 뒤에 추가</a:t>
+            </a:r>
+            <a:endParaRPr lang="en-US" altLang="ko-KR"/>
+          </a:p>
+          <a:p>
+            <a:pPr lvl="1"/>
+            <a:endParaRPr lang="en-US" altLang="ko-KR"/>
+          </a:p>
+          <a:p>
+            <a:endParaRPr lang="ko-KR" altLang="en-US" dirty="0"/>
+          </a:p>
+        </p:txBody>
+      </p:sp>
+    </p:spTree>
+    <p:extLst>
+      <p:ext uri="{BB962C8B-B14F-4D97-AF65-F5344CB8AC3E}">
+        <p14:creationId xmlns:p14="http://schemas.microsoft.com/office/powerpoint/2010/main" val="383833309"/>
+      </p:ext>
+    </p:extLst>
+  </p:cSld>
+  <p:clrMapOvr>
+    <a:masterClrMapping/>
+  </p:clrMapOvr>
+</p:sld>
+</file>
+
+<file path=ppt/slides/slide14.xml><?xml version="1.0" encoding="utf-8"?>
+<p:sld xmlns:a="http://schemas.openxmlformats.org/drawingml/2006/main" xmlns:r="http://schemas.openxmlformats.org/officeDocument/2006/relationships" xmlns:p="http://schemas.openxmlformats.org/presentationml/2006/main">
+  <p:cSld>
+    <p:spTree>
+      <p:nvGrpSpPr>
+        <p:cNvPr id="1" name=""/>
+        <p:cNvGrpSpPr/>
+        <p:nvPr/>
+      </p:nvGrpSpPr>
+      <p:grpSpPr>
+        <a:xfrm>
+          <a:off x="0" y="0"/>
+          <a:ext cx="0" cy="0"/>
+          <a:chOff x="0" y="0"/>
+          <a:chExt cx="0" cy="0"/>
+        </a:xfrm>
+      </p:grpSpPr>
+      <p:sp>
+        <p:nvSpPr>
           <p:cNvPr id="2" name="제목 1">
             <a:extLst>
               <a:ext uri="{FF2B5EF4-FFF2-40B4-BE49-F238E27FC236}">
@@ -2099,10 +3399,9 @@
           <a:lstStyle/>
           <a:p>
             <a:r>
-              <a:rPr lang="ko-KR" altLang="en-US" dirty="0" smtClean="0"/>
+              <a:rPr lang="ko-KR" altLang="en-US" dirty="0"/>
               <a:t>메모</a:t>
             </a:r>
-            <a:endParaRPr lang="ko-KR" altLang="en-US" dirty="0"/>
           </a:p>
         </p:txBody>
       </p:sp>
@@ -2130,7 +3429,7 @@
             <a:fld id="{A4621CFB-E7E4-43D9-904E-5B44BC5AA023}" type="slidenum">
               <a:rPr lang="ko-KR" altLang="en-US" smtClean="0"/>
               <a:pPr/>
-              <a:t>12</a:t>
+              <a:t>14</a:t>
             </a:fld>
             <a:endParaRPr lang="ko-KR" altLang="en-US"/>
           </a:p>
@@ -2188,56 +3487,48 @@
           </a:p>
           <a:p>
             <a:r>
-              <a:rPr lang="en-US" altLang="ko-KR" dirty="0" smtClean="0"/>
-              <a:t>Anchor </a:t>
-            </a:r>
-            <a:r>
               <a:rPr lang="en-US" altLang="ko-KR" dirty="0"/>
-              <a:t>– detail </a:t>
+              <a:t>Anchor – detail </a:t>
             </a:r>
             <a:r>
               <a:rPr lang="ko-KR" altLang="en-US" dirty="0"/>
-              <a:t>로 나눈 </a:t>
-            </a:r>
-            <a:r>
-              <a:rPr lang="ko-KR" altLang="en-US" dirty="0" smtClean="0"/>
-              <a:t>근거</a:t>
-            </a:r>
-            <a:endParaRPr lang="en-US" altLang="ko-KR" dirty="0" smtClean="0"/>
-          </a:p>
-          <a:p>
-            <a:endParaRPr lang="en-US" altLang="ko-KR" dirty="0" smtClean="0"/>
-          </a:p>
-          <a:p>
-            <a:r>
-              <a:rPr lang="en-US" altLang="ko-KR" dirty="0" smtClean="0"/>
+              <a:t>로 나눈 근거</a:t>
+            </a:r>
+            <a:endParaRPr lang="en-US" altLang="ko-KR" dirty="0"/>
+          </a:p>
+          <a:p>
+            <a:endParaRPr lang="en-US" altLang="ko-KR" dirty="0"/>
+          </a:p>
+          <a:p>
+            <a:r>
+              <a:rPr lang="en-US" altLang="ko-KR" dirty="0"/>
               <a:t>Pattern</a:t>
             </a:r>
             <a:r>
-              <a:rPr lang="ko-KR" altLang="en-US" dirty="0" smtClean="0"/>
+              <a:rPr lang="ko-KR" altLang="en-US" dirty="0"/>
               <a:t>인데 </a:t>
             </a:r>
             <a:r>
-              <a:rPr lang="en-US" altLang="ko-KR" dirty="0" smtClean="0"/>
+              <a:rPr lang="en-US" altLang="ko-KR" dirty="0"/>
               <a:t>pattern </a:t>
             </a:r>
             <a:r>
-              <a:rPr lang="ko-KR" altLang="en-US" dirty="0" smtClean="0"/>
+              <a:rPr lang="ko-KR" altLang="en-US" dirty="0"/>
               <a:t>이 없음</a:t>
             </a:r>
             <a:r>
-              <a:rPr lang="en-US" altLang="ko-KR" dirty="0" smtClean="0"/>
+              <a:rPr lang="en-US" altLang="ko-KR" dirty="0"/>
               <a:t>.. =&gt; </a:t>
             </a:r>
             <a:r>
-              <a:rPr lang="ko-KR" altLang="en-US" dirty="0" smtClean="0"/>
+              <a:rPr lang="ko-KR" altLang="en-US" dirty="0"/>
               <a:t>약점으로 표시</a:t>
             </a:r>
-            <a:endParaRPr lang="en-US" altLang="ko-KR" dirty="0" smtClean="0"/>
-          </a:p>
-          <a:p>
-            <a:r>
-              <a:rPr lang="en-US" altLang="ko-KR" dirty="0" smtClean="0"/>
+            <a:endParaRPr lang="en-US" altLang="ko-KR" dirty="0"/>
+          </a:p>
+          <a:p>
+            <a:r>
+              <a:rPr lang="en-US" altLang="ko-KR" dirty="0"/>
               <a:t>Log</a:t>
             </a:r>
             <a:r>
@@ -2352,7 +3643,12 @@
             <p:ph type="body" idx="1"/>
           </p:nvPr>
         </p:nvSpPr>
-        <p:spPr/>
+        <p:spPr>
+          <a:xfrm>
+            <a:off x="228600" y="1217140"/>
+            <a:ext cx="11734800" cy="4278785"/>
+          </a:xfrm>
+        </p:spPr>
         <p:txBody>
           <a:bodyPr/>
           <a:lstStyle/>
@@ -2396,32 +3692,24 @@
           </a:p>
           <a:p>
             <a:pPr lvl="1"/>
-            <a:endParaRPr lang="en-US" altLang="ko-KR" dirty="0" smtClean="0"/>
+            <a:endParaRPr lang="en-US" altLang="ko-KR" dirty="0"/>
           </a:p>
           <a:p>
             <a:pPr lvl="1"/>
             <a:r>
-              <a:rPr lang="ko-KR" altLang="en-US" dirty="0" smtClean="0"/>
-              <a:t>문제가 </a:t>
-            </a:r>
-            <a:r>
               <a:rPr lang="ko-KR" altLang="en-US" dirty="0"/>
-              <a:t>명확하지 않은 경우</a:t>
+              <a:t>문제가 명확하지 않은 경우</a:t>
             </a:r>
           </a:p>
           <a:p>
             <a:pPr lvl="1"/>
-            <a:endParaRPr lang="en-US" altLang="ko-KR" dirty="0" smtClean="0"/>
+            <a:endParaRPr lang="en-US" altLang="ko-KR" dirty="0"/>
           </a:p>
           <a:p>
             <a:pPr lvl="1"/>
             <a:r>
-              <a:rPr lang="ko-KR" altLang="en-US" dirty="0" smtClean="0"/>
-              <a:t>데이터는 </a:t>
-            </a:r>
-            <a:r>
               <a:rPr lang="ko-KR" altLang="en-US" dirty="0"/>
-              <a:t>가지고 있지만</a:t>
+              <a:t>데이터는 가지고 있지만</a:t>
             </a:r>
             <a:r>
               <a:rPr lang="en-US" altLang="ko-KR" dirty="0"/>
@@ -2434,16 +3722,16 @@
           </a:p>
           <a:p>
             <a:pPr lvl="1"/>
-            <a:endParaRPr lang="en-US" altLang="ko-KR" dirty="0" smtClean="0"/>
+            <a:endParaRPr lang="en-US" altLang="ko-KR" dirty="0"/>
           </a:p>
           <a:p>
             <a:pPr lvl="1"/>
             <a:r>
-              <a:rPr lang="ko-KR" altLang="en-US" dirty="0" smtClean="0"/>
+              <a:rPr lang="ko-KR" altLang="en-US" dirty="0"/>
               <a:t>기존의 분석</a:t>
             </a:r>
             <a:r>
-              <a:rPr lang="en-US" altLang="ko-KR" dirty="0" smtClean="0"/>
+              <a:rPr lang="en-US" altLang="ko-KR" dirty="0"/>
               <a:t> </a:t>
             </a:r>
             <a:r>
@@ -2451,39 +3739,35 @@
               <a:t>툴</a:t>
             </a:r>
             <a:r>
-              <a:rPr lang="en-US" altLang="ko-KR" sz="1600" dirty="0" smtClean="0"/>
+              <a:rPr lang="en-US" altLang="ko-KR" sz="1600" dirty="0"/>
               <a:t>(</a:t>
             </a:r>
             <a:r>
-              <a:rPr lang="en-US" altLang="ko-KR" sz="1600" dirty="0" err="1" smtClean="0"/>
+              <a:rPr lang="en-US" altLang="ko-KR" sz="1600" dirty="0" err="1"/>
               <a:t>Spotfire</a:t>
             </a:r>
             <a:r>
               <a:rPr lang="en-US" altLang="ko-KR" sz="1600" dirty="0"/>
-              <a:t>, </a:t>
-            </a:r>
-            <a:r>
-              <a:rPr lang="en-US" altLang="ko-KR" sz="1600" dirty="0" smtClean="0"/>
-              <a:t>Tableau, </a:t>
-            </a:r>
-            <a:r>
-              <a:rPr lang="en-US" altLang="ko-KR" sz="1600" dirty="0" err="1" smtClean="0"/>
+              <a:t>, Tableau, </a:t>
+            </a:r>
+            <a:r>
+              <a:rPr lang="en-US" altLang="ko-KR" sz="1600" dirty="0" err="1"/>
               <a:t>etc</a:t>
             </a:r>
             <a:r>
-              <a:rPr lang="en-US" altLang="ko-KR" sz="1600" dirty="0" smtClean="0"/>
+              <a:rPr lang="en-US" altLang="ko-KR" sz="1600" dirty="0"/>
               <a:t>)</a:t>
             </a:r>
             <a:r>
-              <a:rPr lang="ko-KR" altLang="en-US" dirty="0" smtClean="0"/>
+              <a:rPr lang="ko-KR" altLang="en-US" dirty="0"/>
               <a:t>은</a:t>
             </a:r>
             <a:r>
-              <a:rPr lang="en-US" altLang="ko-KR" dirty="0" smtClean="0"/>
+              <a:rPr lang="en-US" altLang="ko-KR" dirty="0"/>
               <a:t> </a:t>
             </a:r>
             <a:r>
-              <a:rPr lang="ko-KR" altLang="en-US" dirty="0" smtClean="0"/>
+              <a:rPr lang="ko-KR" altLang="en-US" dirty="0"/>
               <a:t>단순히 </a:t>
             </a:r>
             <a:r>
@@ -2495,12 +3779,8 @@
               <a:t>에 대한 </a:t>
             </a:r>
             <a:r>
-              <a:rPr lang="en-US" altLang="ko-KR" dirty="0" smtClean="0"/>
+              <a:rPr lang="en-US" altLang="ko-KR" dirty="0"/>
               <a:t>recall</a:t>
-            </a:r>
-            <a:r>
-              <a:rPr lang="en-US" altLang="ko-KR" dirty="0"/>
-              <a:t/>
             </a:r>
             <a:br>
               <a:rPr lang="en-US" altLang="ko-KR" dirty="0"/>
@@ -2557,7 +3837,7 @@
           <a:lstStyle/>
           <a:p>
             <a:r>
-              <a:rPr lang="en-US" altLang="ko-KR" dirty="0" smtClean="0"/>
+              <a:rPr lang="en-US" altLang="ko-KR" dirty="0"/>
               <a:t>Project Goal</a:t>
             </a:r>
             <a:endParaRPr lang="ko-KR" altLang="en-US" dirty="0"/>
@@ -2690,7 +3970,7 @@
                 <a:defRPr/>
               </a:pPr>
               <a:r>
-                <a:rPr kumimoji="0" lang="en-US" altLang="ko-KR" sz="1600" b="1" i="0" u="none" strike="noStrike" kern="0" cap="none" spc="0" normalizeH="0" baseline="0" noProof="0" dirty="0" smtClean="0">
+                <a:rPr kumimoji="0" lang="en-US" altLang="ko-KR" sz="1600" b="1" i="0" u="none" strike="noStrike" kern="0" cap="none" spc="0" normalizeH="0" baseline="0" noProof="0" dirty="0">
                   <a:ln>
                     <a:noFill/>
                   </a:ln>
@@ -2707,7 +3987,7 @@
                 </a:rPr>
                 <a:t>perceive</a:t>
               </a:r>
-              <a:endParaRPr kumimoji="0" lang="ko-KR" altLang="en-US" sz="1600" b="1" i="0" u="none" strike="noStrike" kern="0" cap="none" spc="0" normalizeH="0" baseline="0" noProof="0" dirty="0" smtClean="0">
+              <a:endParaRPr kumimoji="0" lang="ko-KR" altLang="en-US" sz="1600" b="1" i="0" u="none" strike="noStrike" kern="0" cap="none" spc="0" normalizeH="0" baseline="0" noProof="0" dirty="0">
                 <a:ln>
                   <a:noFill/>
                 </a:ln>
@@ -2776,7 +4056,7 @@
                 <a:defRPr/>
               </a:pPr>
               <a:r>
-                <a:rPr kumimoji="0" lang="en-US" altLang="ko-KR" sz="1600" b="1" i="0" u="none" strike="noStrike" kern="0" cap="none" spc="0" normalizeH="0" baseline="0" noProof="0" dirty="0" smtClean="0">
+                <a:rPr kumimoji="0" lang="en-US" altLang="ko-KR" sz="1600" b="1" i="0" u="none" strike="noStrike" kern="0" cap="none" spc="0" normalizeH="0" baseline="0" noProof="0" dirty="0">
                   <a:ln>
                     <a:noFill/>
                   </a:ln>
@@ -2793,7 +4073,7 @@
                 </a:rPr>
                 <a:t>capture</a:t>
               </a:r>
-              <a:endParaRPr kumimoji="0" lang="ko-KR" altLang="en-US" sz="1600" b="1" i="0" u="none" strike="noStrike" kern="0" cap="none" spc="0" normalizeH="0" baseline="0" noProof="0" dirty="0" smtClean="0">
+              <a:endParaRPr kumimoji="0" lang="ko-KR" altLang="en-US" sz="1600" b="1" i="0" u="none" strike="noStrike" kern="0" cap="none" spc="0" normalizeH="0" baseline="0" noProof="0" dirty="0">
                 <a:ln>
                   <a:noFill/>
                 </a:ln>
@@ -2862,7 +4142,7 @@
                 <a:defRPr/>
               </a:pPr>
               <a:r>
-                <a:rPr kumimoji="0" lang="en-US" altLang="ko-KR" sz="1600" b="1" i="0" u="none" strike="noStrike" kern="0" cap="none" spc="0" normalizeH="0" baseline="0" noProof="0" dirty="0" smtClean="0">
+                <a:rPr kumimoji="0" lang="en-US" altLang="ko-KR" sz="1600" b="1" i="0" u="none" strike="noStrike" kern="0" cap="none" spc="0" normalizeH="0" baseline="0" noProof="0" dirty="0">
                   <a:ln>
                     <a:noFill/>
                   </a:ln>
@@ -2879,7 +4159,7 @@
                 </a:rPr>
                 <a:t>encode</a:t>
               </a:r>
-              <a:endParaRPr kumimoji="0" lang="ko-KR" altLang="en-US" sz="1600" b="1" i="0" u="none" strike="noStrike" kern="0" cap="none" spc="0" normalizeH="0" baseline="0" noProof="0" dirty="0" smtClean="0">
+              <a:endParaRPr kumimoji="0" lang="ko-KR" altLang="en-US" sz="1600" b="1" i="0" u="none" strike="noStrike" kern="0" cap="none" spc="0" normalizeH="0" baseline="0" noProof="0" dirty="0">
                 <a:ln>
                   <a:noFill/>
                 </a:ln>
@@ -2948,7 +4228,7 @@
                 <a:defRPr/>
               </a:pPr>
               <a:r>
-                <a:rPr kumimoji="0" lang="en-US" altLang="ko-KR" sz="1600" b="1" i="0" u="none" strike="noStrike" kern="0" cap="none" spc="0" normalizeH="0" baseline="0" noProof="0" dirty="0" smtClean="0">
+                <a:rPr kumimoji="0" lang="en-US" altLang="ko-KR" sz="1600" b="1" i="0" u="none" strike="noStrike" kern="0" cap="none" spc="0" normalizeH="0" baseline="0" noProof="0" dirty="0">
                   <a:ln>
                     <a:noFill/>
                   </a:ln>
@@ -2965,7 +4245,7 @@
                 </a:rPr>
                 <a:t>recover</a:t>
               </a:r>
-              <a:endParaRPr kumimoji="0" lang="ko-KR" altLang="en-US" sz="1600" b="1" i="0" u="none" strike="noStrike" kern="0" cap="none" spc="0" normalizeH="0" baseline="0" noProof="0" dirty="0" smtClean="0">
+              <a:endParaRPr kumimoji="0" lang="ko-KR" altLang="en-US" sz="1600" b="1" i="0" u="none" strike="noStrike" kern="0" cap="none" spc="0" normalizeH="0" baseline="0" noProof="0" dirty="0">
                 <a:ln>
                   <a:noFill/>
                 </a:ln>
@@ -3034,7 +4314,7 @@
                 <a:defRPr/>
               </a:pPr>
               <a:r>
-                <a:rPr kumimoji="0" lang="en-US" altLang="ko-KR" sz="1600" b="1" i="0" u="none" strike="noStrike" kern="0" cap="none" spc="0" normalizeH="0" baseline="0" noProof="0" dirty="0" smtClean="0">
+                <a:rPr kumimoji="0" lang="en-US" altLang="ko-KR" sz="1600" b="1" i="0" u="none" strike="noStrike" kern="0" cap="none" spc="0" normalizeH="0" baseline="0" noProof="0" dirty="0">
                   <a:ln>
                     <a:noFill/>
                   </a:ln>
@@ -3051,7 +4331,7 @@
                 </a:rPr>
                 <a:t>reuse</a:t>
               </a:r>
-              <a:endParaRPr kumimoji="0" lang="ko-KR" altLang="en-US" sz="1600" b="1" i="0" u="none" strike="noStrike" kern="0" cap="none" spc="0" normalizeH="0" baseline="0" noProof="0" dirty="0" smtClean="0">
+              <a:endParaRPr kumimoji="0" lang="ko-KR" altLang="en-US" sz="1600" b="1" i="0" u="none" strike="noStrike" kern="0" cap="none" spc="0" normalizeH="0" baseline="0" noProof="0" dirty="0">
                 <a:ln>
                   <a:noFill/>
                 </a:ln>
@@ -3170,7 +4450,7 @@
                 <a:tabLst/>
                 <a:defRPr/>
               </a:pPr>
-              <a:endParaRPr kumimoji="0" lang="ko-KR" altLang="en-US" sz="1400" b="0" i="0" u="none" strike="noStrike" kern="0" cap="none" spc="0" normalizeH="0" baseline="0" noProof="0" smtClean="0">
+              <a:endParaRPr kumimoji="0" lang="ko-KR" altLang="en-US" sz="1400" b="0" i="0" u="none" strike="noStrike" kern="0" cap="none" spc="0" normalizeH="0" baseline="0" noProof="0">
                 <a:ln>
                   <a:noFill/>
                 </a:ln>
@@ -3218,7 +4498,7 @@
             <a:p>
               <a:pPr algn="ctr" latinLnBrk="0"/>
               <a:r>
-                <a:rPr lang="en-US" altLang="ko-KR" sz="1200" kern="0" dirty="0" smtClean="0">
+                <a:rPr lang="en-US" altLang="ko-KR" sz="1200" kern="0" dirty="0">
                   <a:solidFill>
                     <a:srgbClr val="595959"/>
                   </a:solidFill>
@@ -3232,17 +4512,6 @@
             <a:p>
               <a:pPr algn="ctr" latinLnBrk="0"/>
               <a:r>
-                <a:rPr lang="en-US" altLang="ko-KR" sz="1200" kern="0" dirty="0" smtClean="0">
-                  <a:solidFill>
-                    <a:srgbClr val="595959"/>
-                  </a:solidFill>
-                  <a:latin typeface="Arial"/>
-                  <a:cs typeface="Arial"/>
-                  <a:sym typeface="Arial"/>
-                </a:rPr>
-                <a:t>in </a:t>
-              </a:r>
-              <a:r>
                 <a:rPr lang="en-US" altLang="ko-KR" sz="1200" kern="0" dirty="0">
                   <a:solidFill>
                     <a:srgbClr val="595959"/>
@@ -3251,7 +4520,7 @@
                   <a:cs typeface="Arial"/>
                   <a:sym typeface="Arial"/>
                 </a:rPr>
-                <a:t>this project</a:t>
+                <a:t>in this project</a:t>
               </a:r>
               <a:endParaRPr lang="ko-KR" altLang="en-US" sz="1200" kern="0" dirty="0">
                 <a:solidFill>
@@ -3314,7 +4583,7 @@
                 <a:tabLst/>
                 <a:defRPr/>
               </a:pPr>
-              <a:endParaRPr kumimoji="0" lang="ko-KR" altLang="en-US" sz="1400" b="0" i="0" u="none" strike="noStrike" kern="0" cap="none" spc="0" normalizeH="0" baseline="0" noProof="0" smtClean="0">
+              <a:endParaRPr kumimoji="0" lang="ko-KR" altLang="en-US" sz="1400" b="0" i="0" u="none" strike="noStrike" kern="0" cap="none" spc="0" normalizeH="0" baseline="0" noProof="0">
                 <a:ln>
                   <a:noFill/>
                 </a:ln>
@@ -3382,6 +4651,59 @@
               <a:t>. Syst. CHI 2011, pp. 33–36, 2011</a:t>
             </a:r>
             <a:endParaRPr lang="ko-KR" altLang="en-US" sz="1000" dirty="0"/>
+          </a:p>
+        </p:txBody>
+      </p:sp>
+      <p:sp>
+        <p:nvSpPr>
+          <p:cNvPr id="4" name="직사각형 3">
+            <a:extLst>
+              <a:ext uri="{FF2B5EF4-FFF2-40B4-BE49-F238E27FC236}">
+                <a16:creationId xmlns:a16="http://schemas.microsoft.com/office/drawing/2014/main" id="{9E8B2A8B-17B0-478E-8BB4-0C357C1D6A0E}"/>
+              </a:ext>
+            </a:extLst>
+          </p:cNvPr>
+          <p:cNvSpPr/>
+          <p:nvPr/>
+        </p:nvSpPr>
+        <p:spPr>
+          <a:xfrm rot="20848378">
+            <a:off x="5890394" y="2565918"/>
+            <a:ext cx="5483622" cy="1558213"/>
+          </a:xfrm>
+          <a:prstGeom prst="rect">
+            <a:avLst/>
+          </a:prstGeom>
+        </p:spPr>
+        <p:style>
+          <a:lnRef idx="2">
+            <a:schemeClr val="accent1">
+              <a:shade val="50000"/>
+            </a:schemeClr>
+          </a:lnRef>
+          <a:fillRef idx="1">
+            <a:schemeClr val="accent1"/>
+          </a:fillRef>
+          <a:effectRef idx="0">
+            <a:schemeClr val="accent1"/>
+          </a:effectRef>
+          <a:fontRef idx="minor">
+            <a:schemeClr val="lt1"/>
+          </a:fontRef>
+        </p:style>
+        <p:txBody>
+          <a:bodyPr rtlCol="0" anchor="ctr"/>
+          <a:lstStyle/>
+          <a:p>
+            <a:pPr algn="ctr"/>
+            <a:r>
+              <a:rPr lang="en-US" altLang="ko-KR" dirty="0"/>
+              <a:t>Goal1</a:t>
+            </a:r>
+            <a:r>
+              <a:rPr lang="ko-KR" altLang="en-US" dirty="0"/>
+              <a:t>번 수정 필요</a:t>
+            </a:r>
           </a:p>
         </p:txBody>
       </p:sp>
@@ -3425,21 +4747,26 @@
             <p:ph type="title"/>
           </p:nvPr>
         </p:nvSpPr>
-        <p:spPr/>
+        <p:spPr>
+          <a:xfrm>
+            <a:off x="228600" y="0"/>
+            <a:ext cx="10534650" cy="1333500"/>
+          </a:xfrm>
+        </p:spPr>
         <p:txBody>
           <a:bodyPr>
-            <a:normAutofit fontScale="90000"/>
+            <a:noAutofit/>
           </a:bodyPr>
           <a:lstStyle/>
           <a:p>
             <a:r>
-              <a:rPr lang="en-US" altLang="ko-KR" dirty="0"/>
+              <a:rPr lang="en-US" altLang="ko-KR" sz="2800" dirty="0"/>
               <a:t>define practical and reusable visual encoding/interaction logging pattern</a:t>
             </a:r>
             <a:br>
-              <a:rPr lang="en-US" altLang="ko-KR" dirty="0"/>
+              <a:rPr lang="en-US" altLang="ko-KR" sz="2800" dirty="0"/>
             </a:br>
-            <a:endParaRPr lang="ko-KR" altLang="en-US" dirty="0"/>
+            <a:endParaRPr lang="ko-KR" altLang="en-US" sz="2800" dirty="0"/>
           </a:p>
         </p:txBody>
       </p:sp>
@@ -3477,193 +4804,576 @@
             <p:ph type="body" idx="1"/>
           </p:nvPr>
         </p:nvSpPr>
-        <p:spPr/>
-        <p:txBody>
-          <a:bodyPr/>
+        <p:spPr>
+          <a:xfrm>
+            <a:off x="254000" y="1614084"/>
+            <a:ext cx="5506281" cy="1929411"/>
+          </a:xfrm>
+        </p:spPr>
+        <p:txBody>
+          <a:bodyPr>
+            <a:normAutofit/>
+          </a:bodyPr>
           <a:lstStyle/>
           <a:p>
             <a:r>
-              <a:rPr lang="en-US" altLang="ko-KR" dirty="0" smtClean="0"/>
-              <a:t>Think aloud</a:t>
-            </a:r>
-            <a:r>
-              <a:rPr lang="ko-KR" altLang="en-US" dirty="0" smtClean="0"/>
-              <a:t>로 로그 모음</a:t>
-            </a:r>
-            <a:endParaRPr lang="en-US" altLang="ko-KR" dirty="0" smtClean="0"/>
-          </a:p>
-          <a:p>
-            <a:r>
-              <a:rPr lang="ko-KR" altLang="en-US" dirty="0" smtClean="0"/>
+              <a:rPr lang="ko-KR" altLang="en-US" sz="2000" dirty="0"/>
+              <a:t>로그 수집</a:t>
+            </a:r>
+            <a:endParaRPr lang="en-US" altLang="ko-KR" sz="2000" dirty="0"/>
+          </a:p>
+          <a:p>
+            <a:pPr lvl="1"/>
+            <a:r>
+              <a:rPr lang="ko-KR" altLang="en-US" sz="1800" dirty="0"/>
+              <a:t> </a:t>
+            </a:r>
+            <a:r>
+              <a:rPr lang="en-US" altLang="ko-KR" sz="1800" dirty="0"/>
+              <a:t>think aloud</a:t>
+            </a:r>
+            <a:br>
+              <a:rPr lang="en-US" altLang="ko-KR" sz="1800" dirty="0"/>
+            </a:br>
+            <a:endParaRPr lang="en-US" altLang="ko-KR" sz="1800" dirty="0"/>
+          </a:p>
+          <a:p>
+            <a:r>
+              <a:rPr lang="ko-KR" altLang="en-US" sz="2000" dirty="0"/>
               <a:t>로그를 중간 단계의 </a:t>
             </a:r>
             <a:r>
-              <a:rPr lang="en-US" altLang="ko-KR" dirty="0" smtClean="0"/>
-              <a:t>abstract</a:t>
-            </a:r>
-            <a:r>
-              <a:rPr lang="ko-KR" altLang="en-US" dirty="0" smtClean="0"/>
-              <a:t>한 형태로 표현</a:t>
-            </a:r>
-            <a:endParaRPr lang="en-US" altLang="ko-KR" dirty="0" smtClean="0"/>
-          </a:p>
-          <a:p>
-            <a:pPr lvl="1"/>
-            <a:r>
-              <a:rPr lang="ko-KR" altLang="en-US" dirty="0" smtClean="0"/>
-              <a:t>분석 </a:t>
-            </a:r>
-            <a:r>
-              <a:rPr lang="en-US" altLang="ko-KR" dirty="0" smtClean="0"/>
-              <a:t>tool</a:t>
-            </a:r>
-            <a:r>
-              <a:rPr lang="ko-KR" altLang="en-US" dirty="0" smtClean="0"/>
+              <a:rPr lang="en-US" altLang="ko-KR" sz="2000" dirty="0"/>
+              <a:t>abstracted form(IR)</a:t>
+            </a:r>
+            <a:r>
+              <a:rPr lang="ko-KR" altLang="en-US" sz="2000" dirty="0"/>
+              <a:t>으로 표현</a:t>
+            </a:r>
+            <a:endParaRPr lang="en-US" altLang="ko-KR" sz="2000" dirty="0"/>
+          </a:p>
+          <a:p>
+            <a:pPr marL="0" indent="0">
+              <a:buNone/>
+            </a:pPr>
+            <a:endParaRPr lang="ko-KR" altLang="en-US" sz="2000" dirty="0"/>
+          </a:p>
+        </p:txBody>
+      </p:sp>
+      <p:sp>
+        <p:nvSpPr>
+          <p:cNvPr id="12" name="TextBox 11"/>
+          <p:cNvSpPr txBox="1"/>
+          <p:nvPr/>
+        </p:nvSpPr>
+        <p:spPr>
+          <a:xfrm>
+            <a:off x="6134100" y="1344982"/>
+            <a:ext cx="5505450" cy="2493440"/>
+          </a:xfrm>
+          <a:prstGeom prst="rect">
+            <a:avLst/>
+          </a:prstGeom>
+          <a:noFill/>
+        </p:spPr>
+        <p:txBody>
+          <a:bodyPr wrap="square" rtlCol="0">
+            <a:spAutoFit/>
+          </a:bodyPr>
+          <a:lstStyle/>
+          <a:p>
+            <a:pPr marL="285750" indent="-285750">
+              <a:lnSpc>
+                <a:spcPts val="2100"/>
+              </a:lnSpc>
+              <a:buFont typeface="Arial" panose="020B0604020202020204" pitchFamily="34" charset="0"/>
+              <a:buChar char="•"/>
+            </a:pPr>
+            <a:r>
+              <a:rPr lang="en-US" altLang="ko-KR" sz="2000" dirty="0"/>
+              <a:t>IR</a:t>
+            </a:r>
+            <a:r>
+              <a:rPr lang="en-US" dirty="0"/>
+              <a:t>(Intermediate Representations)</a:t>
+            </a:r>
+            <a:endParaRPr lang="en-US" altLang="ko-KR" sz="2000" dirty="0"/>
+          </a:p>
+          <a:p>
+            <a:pPr marL="742950" lvl="1" indent="-285750">
+              <a:lnSpc>
+                <a:spcPts val="2100"/>
+              </a:lnSpc>
+              <a:buFont typeface="Arial" panose="020B0604020202020204" pitchFamily="34" charset="0"/>
+              <a:buChar char="•"/>
+            </a:pPr>
+            <a:r>
+              <a:rPr lang="en-US" altLang="ko-KR" b="1" dirty="0"/>
+              <a:t>Independent</a:t>
+            </a:r>
+            <a:r>
+              <a:rPr lang="en-US" altLang="ko-KR" dirty="0"/>
+              <a:t> on analysis tools </a:t>
+            </a:r>
+          </a:p>
+          <a:p>
+            <a:pPr marL="742950" lvl="1" indent="-285750">
+              <a:lnSpc>
+                <a:spcPts val="2100"/>
+              </a:lnSpc>
+              <a:buFont typeface="Arial" panose="020B0604020202020204" pitchFamily="34" charset="0"/>
+              <a:buChar char="•"/>
+            </a:pPr>
+            <a:r>
+              <a:rPr lang="en-US" altLang="ko-KR" dirty="0"/>
+              <a:t>Log visualization tool</a:t>
+            </a:r>
+            <a:r>
+              <a:rPr lang="ko-KR" altLang="en-US" dirty="0"/>
               <a:t>에 </a:t>
             </a:r>
             <a:r>
-              <a:rPr lang="en-US" altLang="ko-KR" dirty="0" smtClean="0"/>
+              <a:rPr lang="en-US" altLang="ko-KR" dirty="0"/>
               <a:t>independent</a:t>
             </a:r>
           </a:p>
           <a:p>
-            <a:pPr lvl="1"/>
-            <a:r>
-              <a:rPr lang="en-US" altLang="ko-KR" dirty="0" smtClean="0"/>
-              <a:t>Log visualization tool</a:t>
-            </a:r>
-            <a:r>
-              <a:rPr lang="ko-KR" altLang="en-US" dirty="0" smtClean="0"/>
-              <a:t>에 </a:t>
-            </a:r>
-            <a:r>
-              <a:rPr lang="en-US" altLang="ko-KR" dirty="0" smtClean="0"/>
-              <a:t>independent</a:t>
-            </a:r>
-          </a:p>
-          <a:p>
-            <a:pPr lvl="1"/>
+            <a:pPr marL="742950" lvl="1" indent="-285750">
+              <a:lnSpc>
+                <a:spcPts val="2100"/>
+              </a:lnSpc>
+              <a:buFont typeface="Arial" panose="020B0604020202020204" pitchFamily="34" charset="0"/>
+              <a:buChar char="•"/>
+            </a:pPr>
             <a:r>
               <a:rPr lang="en-US" altLang="ko-KR" dirty="0"/>
-              <a:t>Abstraction</a:t>
-            </a:r>
-            <a:r>
-              <a:rPr lang="ko-KR" altLang="en-US" dirty="0"/>
-              <a:t>의 근거</a:t>
-            </a:r>
-            <a:endParaRPr lang="en-US" altLang="ko-KR" dirty="0"/>
-          </a:p>
-          <a:p>
-            <a:pPr lvl="2"/>
-            <a:r>
-              <a:rPr lang="ko-KR" altLang="en-US" dirty="0" smtClean="0"/>
-              <a:t>기준</a:t>
-            </a:r>
-            <a:r>
-              <a:rPr lang="en-US" altLang="ko-KR" dirty="0" smtClean="0"/>
-              <a:t>: </a:t>
-            </a:r>
-            <a:r>
-              <a:rPr lang="ko-KR" altLang="en-US" dirty="0" smtClean="0"/>
-              <a:t>수업시간 배운 </a:t>
-            </a:r>
-            <a:r>
-              <a:rPr lang="en-US" altLang="ko-KR" dirty="0" smtClean="0"/>
-              <a:t>idiom (by </a:t>
-            </a:r>
-            <a:r>
-              <a:rPr lang="en-US" altLang="ko-KR" dirty="0" err="1" smtClean="0"/>
-              <a:t>tamara</a:t>
-            </a:r>
-            <a:r>
-              <a:rPr lang="en-US" altLang="ko-KR" dirty="0" smtClean="0"/>
-              <a:t>?)</a:t>
-            </a:r>
-          </a:p>
-          <a:p>
-            <a:pPr lvl="2"/>
-            <a:r>
-              <a:rPr lang="ko-KR" altLang="en-US" dirty="0" smtClean="0"/>
-              <a:t>예제</a:t>
-            </a:r>
-            <a:r>
-              <a:rPr lang="en-US" altLang="ko-KR" dirty="0" smtClean="0"/>
-              <a:t>: </a:t>
-            </a:r>
-            <a:r>
-              <a:rPr lang="en-US" altLang="ko-KR" dirty="0" err="1" smtClean="0"/>
+              <a:t>Abstraction criteria</a:t>
+            </a:r>
+          </a:p>
+          <a:p>
+            <a:pPr lvl="2">
+              <a:lnSpc>
+                <a:spcPts val="2100"/>
+              </a:lnSpc>
+            </a:pPr>
+            <a:r>
+              <a:rPr lang="en-US" altLang="ko-KR" sz="1400" dirty="0"/>
+              <a:t>- </a:t>
+            </a:r>
+            <a:r>
+              <a:rPr lang="en-US" altLang="ko-KR" sz="1600" dirty="0"/>
+              <a:t>Use </a:t>
+            </a:r>
+            <a:r>
+              <a:rPr lang="en-US" altLang="ko-KR" sz="1600" b="1" dirty="0"/>
+              <a:t>Idioms</a:t>
+            </a:r>
+            <a:r>
+              <a:rPr lang="en-US" altLang="ko-KR" sz="1600" dirty="0"/>
+              <a:t> in Visualization Analysis &amp; Designs book</a:t>
+            </a:r>
+          </a:p>
+          <a:p>
+            <a:pPr lvl="2">
+              <a:lnSpc>
+                <a:spcPts val="2100"/>
+              </a:lnSpc>
+            </a:pPr>
+            <a:r>
+              <a:rPr lang="en-US" altLang="ko-KR" sz="1600" dirty="0"/>
+              <a:t>- Analysis tool : </a:t>
+            </a:r>
+            <a:r>
+              <a:rPr lang="en-US" altLang="ko-KR" sz="1600" dirty="0" err="1"/>
               <a:t>spotfire</a:t>
             </a:r>
             <a:r>
-              <a:rPr lang="ko-KR" altLang="en-US" dirty="0"/>
+              <a:rPr lang="ko-KR" altLang="en-US" sz="1600" dirty="0"/>
               <a:t> </a:t>
             </a:r>
             <a:r>
-              <a:rPr lang="en-US" altLang="ko-KR" dirty="0" smtClean="0"/>
+              <a:rPr lang="en-US" altLang="ko-KR" sz="1600" dirty="0"/>
               <a:t>vs tableau</a:t>
             </a:r>
             <a:r>
-              <a:rPr lang="ko-KR" altLang="en-US" dirty="0" smtClean="0"/>
+              <a:rPr lang="ko-KR" altLang="en-US" sz="1600" dirty="0"/>
               <a:t> </a:t>
             </a:r>
             <a:r>
-              <a:rPr lang="en-US" altLang="ko-KR" dirty="0" smtClean="0"/>
-              <a:t>dashboard, </a:t>
-            </a:r>
-          </a:p>
-          <a:p>
-            <a:pPr lvl="2"/>
-            <a:r>
-              <a:rPr lang="ko-KR" altLang="en-US" dirty="0" smtClean="0"/>
-              <a:t>완전 세부적인 기능 </a:t>
-            </a:r>
-            <a:r>
-              <a:rPr lang="en-US" altLang="ko-KR" dirty="0" smtClean="0"/>
-              <a:t>base</a:t>
-            </a:r>
-            <a:r>
-              <a:rPr lang="ko-KR" altLang="en-US" dirty="0"/>
-              <a:t> </a:t>
-            </a:r>
-            <a:r>
-              <a:rPr lang="ko-KR" altLang="en-US" dirty="0" smtClean="0"/>
-              <a:t>보다는 적당히 </a:t>
-            </a:r>
-            <a:r>
-              <a:rPr lang="en-US" altLang="ko-KR" dirty="0" smtClean="0"/>
+              <a:rPr lang="en-US" altLang="ko-KR" sz="1600" dirty="0"/>
+              <a:t>dashboard </a:t>
+            </a:r>
+          </a:p>
+          <a:p>
+            <a:pPr lvl="2">
+              <a:lnSpc>
+                <a:spcPts val="2100"/>
+              </a:lnSpc>
+            </a:pPr>
+            <a:r>
+              <a:rPr lang="en-US" altLang="ko-KR" sz="1600" dirty="0"/>
+              <a:t>- </a:t>
+            </a:r>
+            <a:r>
+              <a:rPr lang="en-US" altLang="ko-KR" sz="1600" b="1" dirty="0"/>
               <a:t>Context-aware</a:t>
             </a:r>
-            <a:r>
-              <a:rPr lang="ko-KR" altLang="en-US" dirty="0" smtClean="0"/>
-              <a:t>한 </a:t>
-            </a:r>
-            <a:r>
-              <a:rPr lang="en-US" altLang="ko-KR" dirty="0" smtClean="0"/>
-              <a:t>log</a:t>
-            </a:r>
-          </a:p>
-          <a:p>
-            <a:pPr lvl="3"/>
-            <a:r>
-              <a:rPr lang="en-US" altLang="ko-KR" dirty="0" smtClean="0"/>
-              <a:t>Select top 3</a:t>
-            </a:r>
-          </a:p>
-          <a:p>
-            <a:endParaRPr lang="ko-KR" altLang="en-US" dirty="0"/>
-          </a:p>
-        </p:txBody>
-      </p:sp>
-      <p:sp>
-        <p:nvSpPr>
-          <p:cNvPr id="5" name="직사각형 4"/>
+          </a:p>
+          <a:p>
+            <a:pPr lvl="3">
+              <a:lnSpc>
+                <a:spcPts val="2100"/>
+              </a:lnSpc>
+            </a:pPr>
+            <a:r>
+              <a:rPr lang="en-US" altLang="ko-KR" sz="1600" dirty="0"/>
+              <a:t>Ex) Select top 3 …</a:t>
+            </a:r>
+          </a:p>
+        </p:txBody>
+      </p:sp>
+      <p:grpSp>
+        <p:nvGrpSpPr>
+          <p:cNvPr id="14" name="그룹 13"/>
+          <p:cNvGrpSpPr/>
+          <p:nvPr/>
+        </p:nvGrpSpPr>
+        <p:grpSpPr>
+          <a:xfrm>
+            <a:off x="482600" y="4340833"/>
+            <a:ext cx="10936910" cy="1621020"/>
+            <a:chOff x="482600" y="4340833"/>
+            <a:chExt cx="10936910" cy="1621020"/>
+          </a:xfrm>
+          <a:solidFill>
+            <a:schemeClr val="accent1">
+              <a:lumMod val="75000"/>
+            </a:schemeClr>
+          </a:solidFill>
+        </p:grpSpPr>
+        <p:grpSp>
+          <p:nvGrpSpPr>
+            <p:cNvPr id="8" name="그룹 7"/>
+            <p:cNvGrpSpPr/>
+            <p:nvPr/>
+          </p:nvGrpSpPr>
+          <p:grpSpPr>
+            <a:xfrm>
+              <a:off x="482600" y="4340833"/>
+              <a:ext cx="10936910" cy="1621020"/>
+              <a:chOff x="687456" y="4543367"/>
+              <a:chExt cx="10936910" cy="1621020"/>
+            </a:xfrm>
+            <a:grpFill/>
+          </p:grpSpPr>
+          <p:sp>
+            <p:nvSpPr>
+              <p:cNvPr id="5" name="직사각형 4"/>
+              <p:cNvSpPr/>
+              <p:nvPr/>
+            </p:nvSpPr>
+            <p:spPr>
+              <a:xfrm>
+                <a:off x="687456" y="4543368"/>
+                <a:ext cx="2888974" cy="1621019"/>
+              </a:xfrm>
+              <a:prstGeom prst="rect">
+                <a:avLst/>
+              </a:prstGeom>
+              <a:grpFill/>
+              <a:ln>
+                <a:noFill/>
+              </a:ln>
+              <a:effectLst/>
+            </p:spPr>
+            <p:style>
+              <a:lnRef idx="2">
+                <a:schemeClr val="accent1">
+                  <a:shade val="50000"/>
+                </a:schemeClr>
+              </a:lnRef>
+              <a:fillRef idx="1">
+                <a:schemeClr val="accent1"/>
+              </a:fillRef>
+              <a:effectRef idx="0">
+                <a:schemeClr val="accent1"/>
+              </a:effectRef>
+              <a:fontRef idx="minor">
+                <a:schemeClr val="lt1"/>
+              </a:fontRef>
+            </p:style>
+            <p:txBody>
+              <a:bodyPr rtlCol="0" anchor="ctr"/>
+              <a:lstStyle/>
+              <a:p>
+                <a:pPr algn="ctr"/>
+                <a:r>
+                  <a:rPr lang="ko-KR" altLang="en-US" dirty="0"/>
+                  <a:t>연도별 </a:t>
+                </a:r>
+                <a:r>
+                  <a:rPr lang="ko-KR" altLang="en-US" dirty="0" err="1"/>
+                  <a:t>필터링</a:t>
+                </a:r>
+                <a:r>
+                  <a:rPr lang="ko-KR" altLang="en-US" dirty="0"/>
+                  <a:t> 기능 추가</a:t>
+                </a:r>
+              </a:p>
+            </p:txBody>
+          </p:sp>
+          <p:sp>
+            <p:nvSpPr>
+              <p:cNvPr id="6" name="오른쪽 화살표 5"/>
+              <p:cNvSpPr/>
+              <p:nvPr/>
+            </p:nvSpPr>
+            <p:spPr>
+              <a:xfrm>
+                <a:off x="3779630" y="5196978"/>
+                <a:ext cx="702365" cy="530087"/>
+              </a:xfrm>
+              <a:prstGeom prst="rightArrow">
+                <a:avLst/>
+              </a:prstGeom>
+              <a:grpFill/>
+              <a:ln>
+                <a:noFill/>
+              </a:ln>
+            </p:spPr>
+            <p:style>
+              <a:lnRef idx="2">
+                <a:schemeClr val="accent1">
+                  <a:shade val="50000"/>
+                </a:schemeClr>
+              </a:lnRef>
+              <a:fillRef idx="1">
+                <a:schemeClr val="accent1"/>
+              </a:fillRef>
+              <a:effectRef idx="0">
+                <a:schemeClr val="accent1"/>
+              </a:effectRef>
+              <a:fontRef idx="minor">
+                <a:schemeClr val="lt1"/>
+              </a:fontRef>
+            </p:style>
+            <p:txBody>
+              <a:bodyPr rtlCol="0" anchor="ctr"/>
+              <a:lstStyle/>
+              <a:p>
+                <a:pPr algn="ctr"/>
+                <a:endParaRPr lang="ko-KR" altLang="en-US"/>
+              </a:p>
+            </p:txBody>
+          </p:sp>
+          <p:sp>
+            <p:nvSpPr>
+              <p:cNvPr id="7" name="직사각형 6"/>
+              <p:cNvSpPr/>
+              <p:nvPr/>
+            </p:nvSpPr>
+            <p:spPr>
+              <a:xfrm>
+                <a:off x="4737653" y="4543368"/>
+                <a:ext cx="2888974" cy="1621019"/>
+              </a:xfrm>
+              <a:prstGeom prst="rect">
+                <a:avLst/>
+              </a:prstGeom>
+              <a:grpFill/>
+              <a:ln>
+                <a:noFill/>
+              </a:ln>
+              <a:effectLst/>
+            </p:spPr>
+            <p:style>
+              <a:lnRef idx="2">
+                <a:schemeClr val="accent1">
+                  <a:shade val="50000"/>
+                </a:schemeClr>
+              </a:lnRef>
+              <a:fillRef idx="1">
+                <a:schemeClr val="accent1"/>
+              </a:fillRef>
+              <a:effectRef idx="0">
+                <a:schemeClr val="accent1"/>
+              </a:effectRef>
+              <a:fontRef idx="minor">
+                <a:schemeClr val="lt1"/>
+              </a:fontRef>
+            </p:style>
+            <p:txBody>
+              <a:bodyPr rtlCol="0" anchor="ctr"/>
+              <a:lstStyle/>
+              <a:p>
+                <a:pPr algn="ctr"/>
+                <a:r>
+                  <a:rPr lang="en-US" altLang="ko-KR" sz="1400" dirty="0"/>
+                  <a:t>Category : </a:t>
+                </a:r>
+                <a:r>
+                  <a:rPr lang="en-US" altLang="ko-KR" sz="1400" dirty="0" err="1"/>
+                  <a:t>Manipulate:Select</a:t>
+                </a:r>
+                <a:endParaRPr lang="en-US" altLang="ko-KR" sz="1400" dirty="0"/>
+              </a:p>
+              <a:p>
+                <a:pPr algn="ctr"/>
+                <a:r>
+                  <a:rPr lang="en-US" altLang="ko-KR" sz="1400" dirty="0"/>
+                  <a:t>Interaction : </a:t>
+                </a:r>
+                <a:r>
+                  <a:rPr lang="en-US" altLang="ko-KR" sz="1400" dirty="0" err="1"/>
+                  <a:t>filterRange</a:t>
+                </a:r>
+                <a:endParaRPr lang="en-US" altLang="ko-KR" sz="1400" dirty="0"/>
+              </a:p>
+              <a:p>
+                <a:pPr algn="ctr"/>
+                <a:r>
+                  <a:rPr lang="en-US" altLang="ko-KR" sz="1400" dirty="0"/>
+                  <a:t>Parameters : year=2011~2012</a:t>
+                </a:r>
+                <a:endParaRPr lang="ko-KR" altLang="en-US" sz="1400" dirty="0"/>
+              </a:p>
+            </p:txBody>
+          </p:sp>
+          <p:sp>
+            <p:nvSpPr>
+              <p:cNvPr id="9" name="직사각형 8"/>
+              <p:cNvSpPr/>
+              <p:nvPr/>
+            </p:nvSpPr>
+            <p:spPr>
+              <a:xfrm>
+                <a:off x="8735392" y="4543367"/>
+                <a:ext cx="2888974" cy="1621019"/>
+              </a:xfrm>
+              <a:prstGeom prst="rect">
+                <a:avLst/>
+              </a:prstGeom>
+              <a:grpFill/>
+              <a:ln>
+                <a:noFill/>
+              </a:ln>
+              <a:effectLst/>
+            </p:spPr>
+            <p:style>
+              <a:lnRef idx="2">
+                <a:schemeClr val="accent1">
+                  <a:shade val="50000"/>
+                </a:schemeClr>
+              </a:lnRef>
+              <a:fillRef idx="1">
+                <a:schemeClr val="accent1"/>
+              </a:fillRef>
+              <a:effectRef idx="0">
+                <a:schemeClr val="accent1"/>
+              </a:effectRef>
+              <a:fontRef idx="minor">
+                <a:schemeClr val="lt1"/>
+              </a:fontRef>
+            </p:style>
+            <p:txBody>
+              <a:bodyPr rtlCol="0" anchor="ctr"/>
+              <a:lstStyle/>
+              <a:p>
+                <a:pPr algn="ctr"/>
+                <a:endParaRPr lang="ko-KR" altLang="en-US" b="1" dirty="0"/>
+              </a:p>
+            </p:txBody>
+          </p:sp>
+          <p:sp>
+            <p:nvSpPr>
+              <p:cNvPr id="10" name="오른쪽 화살표 9"/>
+              <p:cNvSpPr/>
+              <p:nvPr/>
+            </p:nvSpPr>
+            <p:spPr>
+              <a:xfrm>
+                <a:off x="7829827" y="5196978"/>
+                <a:ext cx="702365" cy="530087"/>
+              </a:xfrm>
+              <a:prstGeom prst="rightArrow">
+                <a:avLst/>
+              </a:prstGeom>
+              <a:grpFill/>
+              <a:ln>
+                <a:noFill/>
+              </a:ln>
+            </p:spPr>
+            <p:style>
+              <a:lnRef idx="2">
+                <a:schemeClr val="accent1">
+                  <a:shade val="50000"/>
+                </a:schemeClr>
+              </a:lnRef>
+              <a:fillRef idx="1">
+                <a:schemeClr val="accent1"/>
+              </a:fillRef>
+              <a:effectRef idx="0">
+                <a:schemeClr val="accent1"/>
+              </a:effectRef>
+              <a:fontRef idx="minor">
+                <a:schemeClr val="lt1"/>
+              </a:fontRef>
+            </p:style>
+            <p:txBody>
+              <a:bodyPr rtlCol="0" anchor="ctr"/>
+              <a:lstStyle/>
+              <a:p>
+                <a:pPr algn="ctr"/>
+                <a:endParaRPr lang="ko-KR" altLang="en-US"/>
+              </a:p>
+            </p:txBody>
+          </p:sp>
+        </p:grpSp>
+        <p:pic>
+          <p:nvPicPr>
+            <p:cNvPr id="13" name="그림 12"/>
+            <p:cNvPicPr>
+              <a:picLocks noChangeAspect="1"/>
+            </p:cNvPicPr>
+            <p:nvPr/>
+          </p:nvPicPr>
+          <p:blipFill>
+            <a:blip r:embed="rId2"/>
+            <a:stretch>
+              <a:fillRect/>
+            </a:stretch>
+          </p:blipFill>
+          <p:spPr>
+            <a:xfrm>
+              <a:off x="9024904" y="4396790"/>
+              <a:ext cx="1900238" cy="1509103"/>
+            </a:xfrm>
+            <a:prstGeom prst="rect">
+              <a:avLst/>
+            </a:prstGeom>
+            <a:grpFill/>
+            <a:ln>
+              <a:noFill/>
+            </a:ln>
+          </p:spPr>
+        </p:pic>
+      </p:grpSp>
+      <p:sp>
+        <p:nvSpPr>
+          <p:cNvPr id="15" name="직사각형 14">
+            <a:extLst>
+              <a:ext uri="{FF2B5EF4-FFF2-40B4-BE49-F238E27FC236}">
+                <a16:creationId xmlns:a16="http://schemas.microsoft.com/office/drawing/2014/main" id="{69834AD6-BBA5-4CA2-A25D-59A5F10DE8AC}"/>
+              </a:ext>
+            </a:extLst>
+          </p:cNvPr>
           <p:cNvSpPr/>
           <p:nvPr/>
         </p:nvSpPr>
         <p:spPr>
-          <a:xfrm>
-            <a:off x="993913" y="4651513"/>
-            <a:ext cx="2888974" cy="1621019"/>
+          <a:xfrm rot="20848378">
+            <a:off x="5890394" y="2565918"/>
+            <a:ext cx="5483622" cy="1558213"/>
           </a:xfrm>
           <a:prstGeom prst="rect">
             <a:avLst/>
@@ -3691,182 +5401,21 @@
           <a:p>
             <a:pPr algn="ctr"/>
             <a:r>
-              <a:rPr lang="en-US" altLang="ko-KR" dirty="0" smtClean="0"/>
-              <a:t>Think aloud </a:t>
-            </a:r>
-            <a:r>
-              <a:rPr lang="ko-KR" altLang="en-US" dirty="0" smtClean="0"/>
-              <a:t>로그 예시</a:t>
-            </a:r>
-            <a:endParaRPr lang="ko-KR" altLang="en-US" dirty="0"/>
-          </a:p>
-        </p:txBody>
-      </p:sp>
-      <p:sp>
-        <p:nvSpPr>
-          <p:cNvPr id="6" name="오른쪽 화살표 5"/>
-          <p:cNvSpPr/>
-          <p:nvPr/>
-        </p:nvSpPr>
-        <p:spPr>
-          <a:xfrm>
-            <a:off x="4121426" y="5353878"/>
-            <a:ext cx="702365" cy="530087"/>
-          </a:xfrm>
-          <a:prstGeom prst="rightArrow">
-            <a:avLst/>
-          </a:prstGeom>
-        </p:spPr>
-        <p:style>
-          <a:lnRef idx="2">
-            <a:schemeClr val="accent1">
-              <a:shade val="50000"/>
-            </a:schemeClr>
-          </a:lnRef>
-          <a:fillRef idx="1">
-            <a:schemeClr val="accent1"/>
-          </a:fillRef>
-          <a:effectRef idx="0">
-            <a:schemeClr val="accent1"/>
-          </a:effectRef>
-          <a:fontRef idx="minor">
-            <a:schemeClr val="lt1"/>
-          </a:fontRef>
-        </p:style>
-        <p:txBody>
-          <a:bodyPr rtlCol="0" anchor="ctr"/>
-          <a:lstStyle/>
+              <a:rPr lang="en-US" altLang="ko-KR" dirty="0"/>
+              <a:t>IR </a:t>
+            </a:r>
+            <a:r>
+              <a:rPr lang="ko-KR" altLang="en-US" dirty="0"/>
+              <a:t>설명 더 넣고</a:t>
+            </a:r>
+            <a:endParaRPr lang="en-US" altLang="ko-KR" dirty="0"/>
+          </a:p>
           <a:p>
             <a:pPr algn="ctr"/>
-            <a:endParaRPr lang="ko-KR" altLang="en-US"/>
-          </a:p>
-        </p:txBody>
-      </p:sp>
-      <p:sp>
-        <p:nvSpPr>
-          <p:cNvPr id="7" name="직사각형 6"/>
-          <p:cNvSpPr/>
-          <p:nvPr/>
-        </p:nvSpPr>
-        <p:spPr>
-          <a:xfrm>
-            <a:off x="5062330" y="4651513"/>
-            <a:ext cx="2888974" cy="1621019"/>
-          </a:xfrm>
-          <a:prstGeom prst="rect">
-            <a:avLst/>
-          </a:prstGeom>
-        </p:spPr>
-        <p:style>
-          <a:lnRef idx="2">
-            <a:schemeClr val="accent1">
-              <a:shade val="50000"/>
-            </a:schemeClr>
-          </a:lnRef>
-          <a:fillRef idx="1">
-            <a:schemeClr val="accent1"/>
-          </a:fillRef>
-          <a:effectRef idx="0">
-            <a:schemeClr val="accent1"/>
-          </a:effectRef>
-          <a:fontRef idx="minor">
-            <a:schemeClr val="lt1"/>
-          </a:fontRef>
-        </p:style>
-        <p:txBody>
-          <a:bodyPr rtlCol="0" anchor="ctr"/>
-          <a:lstStyle/>
-          <a:p>
-            <a:pPr algn="ctr"/>
-            <a:r>
-              <a:rPr lang="en-US" altLang="ko-KR" dirty="0" smtClean="0"/>
-              <a:t>IR</a:t>
-            </a:r>
-            <a:endParaRPr lang="ko-KR" altLang="en-US" dirty="0"/>
-          </a:p>
-        </p:txBody>
-      </p:sp>
-      <p:sp>
-        <p:nvSpPr>
-          <p:cNvPr id="9" name="직사각형 8"/>
-          <p:cNvSpPr/>
-          <p:nvPr/>
-        </p:nvSpPr>
-        <p:spPr>
-          <a:xfrm>
-            <a:off x="8680174" y="4651513"/>
-            <a:ext cx="2888974" cy="1621019"/>
-          </a:xfrm>
-          <a:prstGeom prst="rect">
-            <a:avLst/>
-          </a:prstGeom>
-        </p:spPr>
-        <p:style>
-          <a:lnRef idx="2">
-            <a:schemeClr val="accent1">
-              <a:shade val="50000"/>
-            </a:schemeClr>
-          </a:lnRef>
-          <a:fillRef idx="1">
-            <a:schemeClr val="accent1"/>
-          </a:fillRef>
-          <a:effectRef idx="0">
-            <a:schemeClr val="accent1"/>
-          </a:effectRef>
-          <a:fontRef idx="minor">
-            <a:schemeClr val="lt1"/>
-          </a:fontRef>
-        </p:style>
-        <p:txBody>
-          <a:bodyPr rtlCol="0" anchor="ctr"/>
-          <a:lstStyle/>
-          <a:p>
-            <a:pPr algn="ctr"/>
-            <a:r>
-              <a:rPr lang="ko-KR" altLang="en-US" dirty="0" smtClean="0"/>
-              <a:t>시각화</a:t>
-            </a:r>
-            <a:endParaRPr lang="ko-KR" altLang="en-US" dirty="0"/>
-          </a:p>
-        </p:txBody>
-      </p:sp>
-      <p:sp>
-        <p:nvSpPr>
-          <p:cNvPr id="10" name="오른쪽 화살표 9"/>
-          <p:cNvSpPr/>
-          <p:nvPr/>
-        </p:nvSpPr>
-        <p:spPr>
-          <a:xfrm>
-            <a:off x="8189843" y="5353878"/>
-            <a:ext cx="702365" cy="530087"/>
-          </a:xfrm>
-          <a:prstGeom prst="rightArrow">
-            <a:avLst/>
-          </a:prstGeom>
-        </p:spPr>
-        <p:style>
-          <a:lnRef idx="2">
-            <a:schemeClr val="accent1">
-              <a:shade val="50000"/>
-            </a:schemeClr>
-          </a:lnRef>
-          <a:fillRef idx="1">
-            <a:schemeClr val="accent1"/>
-          </a:fillRef>
-          <a:effectRef idx="0">
-            <a:schemeClr val="accent1"/>
-          </a:effectRef>
-          <a:fontRef idx="minor">
-            <a:schemeClr val="lt1"/>
-          </a:fontRef>
-        </p:style>
-        <p:txBody>
-          <a:bodyPr rtlCol="0" anchor="ctr"/>
-          <a:lstStyle/>
-          <a:p>
-            <a:pPr algn="ctr"/>
-            <a:endParaRPr lang="ko-KR" altLang="en-US"/>
+            <a:r>
+              <a:rPr lang="ko-KR" altLang="en-US" dirty="0"/>
+              <a:t>예시 쪽 강화하기</a:t>
+            </a:r>
           </a:p>
         </p:txBody>
       </p:sp>
@@ -3918,7 +5467,7 @@
           <a:lstStyle/>
           <a:p>
             <a:r>
-              <a:rPr lang="en-US" altLang="ko-KR" dirty="0" smtClean="0"/>
+              <a:rPr lang="en-US" altLang="ko-KR" dirty="0"/>
               <a:t>Layout &amp; Flow</a:t>
             </a:r>
             <a:endParaRPr lang="ko-KR" altLang="en-US" dirty="0"/>
@@ -3959,83 +5508,153 @@
             <p:ph type="body" idx="1"/>
           </p:nvPr>
         </p:nvSpPr>
-        <p:spPr/>
-        <p:txBody>
-          <a:bodyPr/>
+        <p:spPr>
+          <a:xfrm>
+            <a:off x="228600" y="953807"/>
+            <a:ext cx="5162550" cy="5473301"/>
+          </a:xfrm>
+        </p:spPr>
+        <p:txBody>
+          <a:bodyPr>
+            <a:normAutofit/>
+          </a:bodyPr>
           <a:lstStyle/>
           <a:p>
             <a:r>
-              <a:rPr lang="en-US" altLang="ko-KR" dirty="0" smtClean="0"/>
-              <a:t>Visual seeking mantra</a:t>
-            </a:r>
-          </a:p>
-          <a:p>
-            <a:r>
-              <a:rPr lang="en-US" altLang="ko-KR" dirty="0" smtClean="0"/>
-              <a:t>Focus &amp; Context</a:t>
-            </a:r>
-          </a:p>
-          <a:p>
-            <a:r>
-              <a:rPr lang="en-US" altLang="ko-KR" dirty="0" smtClean="0"/>
-              <a:t>Detail on demand </a:t>
-            </a:r>
-            <a:r>
-              <a:rPr lang="ko-KR" altLang="en-US" dirty="0" smtClean="0"/>
-              <a:t>등 설명 써서 치장</a:t>
-            </a:r>
-            <a:endParaRPr lang="en-US" altLang="ko-KR" dirty="0"/>
-          </a:p>
-          <a:p>
-            <a:endParaRPr lang="en-US" altLang="ko-KR" dirty="0" smtClean="0"/>
-          </a:p>
-          <a:p>
-            <a:r>
-              <a:rPr lang="en-US" altLang="ko-KR" dirty="0" smtClean="0"/>
-              <a:t>Overview</a:t>
-            </a:r>
-            <a:r>
-              <a:rPr lang="ko-KR" altLang="en-US" dirty="0" smtClean="0"/>
-              <a:t>를 나누는 기준</a:t>
-            </a:r>
-            <a:endParaRPr lang="en-US" altLang="ko-KR" dirty="0" smtClean="0"/>
+              <a:rPr lang="en-US" altLang="ko-KR" sz="2400" dirty="0"/>
+              <a:t>Visual information-seeking mantra</a:t>
+            </a:r>
+          </a:p>
+          <a:p>
+            <a:pPr lvl="1">
+              <a:lnSpc>
+                <a:spcPct val="120000"/>
+              </a:lnSpc>
+            </a:pPr>
+            <a:r>
+              <a:rPr lang="en-US" altLang="ko-KR" b="1" dirty="0"/>
+              <a:t>Overview first,</a:t>
+            </a:r>
+            <a:br>
+              <a:rPr lang="en-US" altLang="ko-KR" b="1" dirty="0"/>
+            </a:br>
+            <a:r>
+              <a:rPr lang="en-US" altLang="ko-KR" b="1" dirty="0"/>
+              <a:t>Zoom and Filter,</a:t>
+            </a:r>
+            <a:br>
+              <a:rPr lang="en-US" altLang="ko-KR" b="1" dirty="0"/>
+            </a:br>
+            <a:r>
+              <a:rPr lang="en-US" altLang="ko-KR" b="1" dirty="0"/>
+              <a:t>Details-on-demand</a:t>
+            </a:r>
           </a:p>
           <a:p>
             <a:pPr lvl="1"/>
-            <a:r>
-              <a:rPr lang="en-US" altLang="ko-KR" dirty="0" smtClean="0"/>
-              <a:t>Data</a:t>
-            </a:r>
-            <a:r>
-              <a:rPr lang="ko-KR" altLang="en-US" dirty="0" smtClean="0"/>
-              <a:t>의 변화</a:t>
-            </a:r>
-            <a:endParaRPr lang="en-US" altLang="ko-KR" dirty="0" smtClean="0"/>
+            <a:endParaRPr lang="en-US" altLang="ko-KR" sz="2000" dirty="0"/>
+          </a:p>
+          <a:p>
+            <a:pPr marL="0" indent="0">
+              <a:buNone/>
+            </a:pPr>
+            <a:endParaRPr lang="en-US" altLang="ko-KR" sz="2400" dirty="0"/>
+          </a:p>
+          <a:p>
+            <a:endParaRPr lang="en-US" altLang="ko-KR" sz="2400" dirty="0"/>
           </a:p>
           <a:p>
             <a:pPr lvl="1"/>
-            <a:r>
-              <a:rPr lang="en-US" altLang="ko-KR" dirty="0" smtClean="0"/>
-              <a:t>Chart</a:t>
-            </a:r>
-            <a:r>
-              <a:rPr lang="ko-KR" altLang="en-US" dirty="0" smtClean="0"/>
-              <a:t>형태의 변화 및 </a:t>
-            </a:r>
-            <a:r>
-              <a:rPr lang="en-US" altLang="ko-KR" dirty="0" smtClean="0"/>
-              <a:t>facet</a:t>
-            </a:r>
-          </a:p>
-          <a:p>
-            <a:endParaRPr lang="en-US" altLang="ko-KR" dirty="0"/>
-          </a:p>
-          <a:p>
-            <a:endParaRPr lang="en-US" altLang="ko-KR" dirty="0" smtClean="0"/>
-          </a:p>
-          <a:p>
-            <a:pPr lvl="1"/>
-            <a:endParaRPr lang="ko-KR" altLang="en-US" dirty="0"/>
+            <a:endParaRPr lang="ko-KR" altLang="en-US" sz="2000" dirty="0"/>
+          </a:p>
+        </p:txBody>
+      </p:sp>
+      <p:pic>
+        <p:nvPicPr>
+          <p:cNvPr id="5" name="그림 4"/>
+          <p:cNvPicPr>
+            <a:picLocks noChangeAspect="1"/>
+          </p:cNvPicPr>
+          <p:nvPr/>
+        </p:nvPicPr>
+        <p:blipFill>
+          <a:blip r:embed="rId2"/>
+          <a:stretch>
+            <a:fillRect/>
+          </a:stretch>
+        </p:blipFill>
+        <p:spPr>
+          <a:xfrm>
+            <a:off x="5906701" y="945310"/>
+            <a:ext cx="5685224" cy="5481798"/>
+          </a:xfrm>
+          <a:prstGeom prst="rect">
+            <a:avLst/>
+          </a:prstGeom>
+        </p:spPr>
+      </p:pic>
+      <p:sp>
+        <p:nvSpPr>
+          <p:cNvPr id="6" name="직사각형 5">
+            <a:extLst>
+              <a:ext uri="{FF2B5EF4-FFF2-40B4-BE49-F238E27FC236}">
+                <a16:creationId xmlns:a16="http://schemas.microsoft.com/office/drawing/2014/main" id="{0E9105C6-1F8F-411D-8E66-D6101B629188}"/>
+              </a:ext>
+            </a:extLst>
+          </p:cNvPr>
+          <p:cNvSpPr/>
+          <p:nvPr/>
+        </p:nvSpPr>
+        <p:spPr>
+          <a:xfrm rot="20848378">
+            <a:off x="5890394" y="2565918"/>
+            <a:ext cx="5483622" cy="1558213"/>
+          </a:xfrm>
+          <a:prstGeom prst="rect">
+            <a:avLst/>
+          </a:prstGeom>
+        </p:spPr>
+        <p:style>
+          <a:lnRef idx="2">
+            <a:schemeClr val="accent1">
+              <a:shade val="50000"/>
+            </a:schemeClr>
+          </a:lnRef>
+          <a:fillRef idx="1">
+            <a:schemeClr val="accent1"/>
+          </a:fillRef>
+          <a:effectRef idx="0">
+            <a:schemeClr val="accent1"/>
+          </a:effectRef>
+          <a:fontRef idx="minor">
+            <a:schemeClr val="lt1"/>
+          </a:fontRef>
+        </p:style>
+        <p:txBody>
+          <a:bodyPr rtlCol="0" anchor="ctr"/>
+          <a:lstStyle/>
+          <a:p>
+            <a:pPr algn="ctr"/>
+            <a:r>
+              <a:rPr lang="en-US" altLang="ko-KR" dirty="0" err="1"/>
+              <a:t>Fucus+context</a:t>
+            </a:r>
+            <a:r>
+              <a:rPr lang="en-US" altLang="ko-KR" dirty="0"/>
+              <a:t> </a:t>
+            </a:r>
+            <a:r>
+              <a:rPr lang="ko-KR" altLang="en-US" dirty="0"/>
+              <a:t>등으로 </a:t>
+            </a:r>
+            <a:r>
+              <a:rPr lang="ko-KR" altLang="en-US" dirty="0" err="1"/>
+              <a:t>바꾸는것도</a:t>
+            </a:r>
+            <a:r>
+              <a:rPr lang="ko-KR" altLang="en-US" dirty="0"/>
+              <a:t> 고려</a:t>
+            </a:r>
           </a:p>
         </p:txBody>
       </p:sp>
@@ -4087,8 +5706,8 @@
           <a:lstStyle/>
           <a:p>
             <a:r>
-              <a:rPr lang="en-US" altLang="ko-KR" dirty="0" smtClean="0"/>
-              <a:t>demo</a:t>
+              <a:rPr lang="en-US" altLang="ko-KR" dirty="0"/>
+              <a:t>Layout &amp; Flow</a:t>
             </a:r>
             <a:endParaRPr lang="ko-KR" altLang="en-US" dirty="0"/>
           </a:p>
@@ -4128,26 +5747,402 @@
             <p:ph type="body" idx="1"/>
           </p:nvPr>
         </p:nvSpPr>
-        <p:spPr/>
-        <p:txBody>
-          <a:bodyPr/>
+        <p:spPr>
+          <a:xfrm>
+            <a:off x="228600" y="953807"/>
+            <a:ext cx="5162550" cy="5473301"/>
+          </a:xfrm>
+        </p:spPr>
+        <p:txBody>
+          <a:bodyPr>
+            <a:normAutofit/>
+          </a:bodyPr>
           <a:lstStyle/>
           <a:p>
             <a:r>
-              <a:rPr lang="ko-KR" altLang="en-US" dirty="0" smtClean="0"/>
-              <a:t>데모하면서 기능 설명 다 하기</a:t>
-            </a:r>
-            <a:endParaRPr lang="en-US" altLang="ko-KR" dirty="0" smtClean="0"/>
-          </a:p>
-          <a:p>
-            <a:endParaRPr lang="ko-KR" altLang="en-US" dirty="0"/>
+              <a:rPr lang="en-US" altLang="ko-KR" sz="2400" dirty="0"/>
+              <a:t>Visual information-seeking mantra</a:t>
+            </a:r>
+          </a:p>
+          <a:p>
+            <a:pPr lvl="1">
+              <a:lnSpc>
+                <a:spcPct val="120000"/>
+              </a:lnSpc>
+            </a:pPr>
+            <a:r>
+              <a:rPr lang="en-US" altLang="ko-KR" b="1" dirty="0"/>
+              <a:t>Overview first,</a:t>
+            </a:r>
+            <a:br>
+              <a:rPr lang="en-US" altLang="ko-KR" b="1" dirty="0"/>
+            </a:br>
+            <a:r>
+              <a:rPr lang="en-US" altLang="ko-KR" b="1" dirty="0"/>
+              <a:t>Zoom and Filter,</a:t>
+            </a:r>
+            <a:br>
+              <a:rPr lang="en-US" altLang="ko-KR" b="1"/>
+            </a:br>
+            <a:r>
+              <a:rPr lang="en-US" altLang="ko-KR" b="1"/>
+              <a:t>Details-on-demand</a:t>
+            </a:r>
+            <a:endParaRPr lang="en-US" altLang="ko-KR" sz="2000" dirty="0"/>
+          </a:p>
+          <a:p>
+            <a:r>
+              <a:rPr lang="en-US" altLang="ko-KR" sz="2400" dirty="0"/>
+              <a:t>Overview</a:t>
+            </a:r>
+          </a:p>
+          <a:p>
+            <a:pPr lvl="1"/>
+            <a:r>
+              <a:rPr lang="en-US" altLang="ko-KR" sz="2000" dirty="0"/>
+              <a:t>Insight</a:t>
+            </a:r>
+            <a:r>
+              <a:rPr lang="ko-KR" altLang="en-US" sz="2000" dirty="0"/>
+              <a:t>를 얻은 </a:t>
+            </a:r>
+            <a:r>
+              <a:rPr lang="en-US" altLang="ko-KR" sz="2000" dirty="0"/>
+              <a:t>paths</a:t>
+            </a:r>
+            <a:r>
+              <a:rPr lang="ko-KR" altLang="en-US" sz="2000" dirty="0"/>
+              <a:t> 시각화</a:t>
+            </a:r>
+            <a:endParaRPr lang="en-US" altLang="ko-KR" sz="2000" dirty="0"/>
+          </a:p>
+          <a:p>
+            <a:r>
+              <a:rPr lang="en-US" altLang="ko-KR" sz="2400" dirty="0"/>
+              <a:t>Detail view</a:t>
+            </a:r>
+          </a:p>
+          <a:p>
+            <a:pPr lvl="1"/>
+            <a:r>
+              <a:rPr lang="en-US" altLang="ko-KR" sz="2000" dirty="0"/>
+              <a:t>Path</a:t>
+            </a:r>
+            <a:r>
+              <a:rPr lang="ko-KR" altLang="en-US" sz="2000" dirty="0"/>
+              <a:t>에서 각 </a:t>
+            </a:r>
+            <a:r>
+              <a:rPr lang="en-US" altLang="ko-KR" sz="2000" dirty="0"/>
+              <a:t>anchor</a:t>
+            </a:r>
+            <a:r>
+              <a:rPr lang="ko-KR" altLang="en-US" sz="2000" dirty="0"/>
+              <a:t>를 클릭하면 </a:t>
+            </a:r>
+            <a:r>
+              <a:rPr lang="en-US" altLang="ko-KR" sz="2000" dirty="0"/>
+              <a:t>detail interactions </a:t>
+            </a:r>
+            <a:r>
+              <a:rPr lang="ko-KR" altLang="en-US" sz="2000" dirty="0"/>
+              <a:t>단계 나열</a:t>
+            </a:r>
+            <a:endParaRPr lang="en-US" altLang="ko-KR" sz="2000" dirty="0"/>
+          </a:p>
+          <a:p>
+            <a:r>
+              <a:rPr lang="en-US" altLang="ko-KR" sz="2400" dirty="0"/>
+              <a:t>Chart view</a:t>
+            </a:r>
+          </a:p>
+          <a:p>
+            <a:pPr lvl="1"/>
+            <a:r>
+              <a:rPr lang="ko-KR" altLang="en-US" sz="2000" dirty="0"/>
+              <a:t>각 </a:t>
+            </a:r>
+            <a:r>
+              <a:rPr lang="en-US" altLang="ko-KR" sz="2000" dirty="0"/>
+              <a:t>detail interaction</a:t>
+            </a:r>
+            <a:r>
+              <a:rPr lang="ko-KR" altLang="en-US" sz="2000" dirty="0"/>
+              <a:t>에 해당하는 </a:t>
+            </a:r>
+            <a:r>
+              <a:rPr lang="en-US" altLang="ko-KR" sz="2000" dirty="0"/>
+              <a:t>chart </a:t>
+            </a:r>
+            <a:r>
+              <a:rPr lang="ko-KR" altLang="en-US" sz="2000" dirty="0"/>
+              <a:t>이미지</a:t>
+            </a:r>
+            <a:endParaRPr lang="en-US" altLang="ko-KR" sz="2400" dirty="0"/>
+          </a:p>
+          <a:p>
+            <a:pPr lvl="1"/>
+            <a:endParaRPr lang="ko-KR" altLang="en-US" sz="2000" dirty="0"/>
+          </a:p>
+        </p:txBody>
+      </p:sp>
+      <p:pic>
+        <p:nvPicPr>
+          <p:cNvPr id="5" name="그림 4"/>
+          <p:cNvPicPr>
+            <a:picLocks noChangeAspect="1"/>
+          </p:cNvPicPr>
+          <p:nvPr/>
+        </p:nvPicPr>
+        <p:blipFill>
+          <a:blip r:embed="rId2"/>
+          <a:stretch>
+            <a:fillRect/>
+          </a:stretch>
+        </p:blipFill>
+        <p:spPr>
+          <a:xfrm>
+            <a:off x="5906701" y="945310"/>
+            <a:ext cx="5685224" cy="5481798"/>
+          </a:xfrm>
+          <a:prstGeom prst="rect">
+            <a:avLst/>
+          </a:prstGeom>
+        </p:spPr>
+      </p:pic>
+      <p:sp>
+        <p:nvSpPr>
+          <p:cNvPr id="6" name="직사각형 5"/>
+          <p:cNvSpPr/>
+          <p:nvPr/>
+        </p:nvSpPr>
+        <p:spPr>
+          <a:xfrm>
+            <a:off x="5811451" y="953807"/>
+            <a:ext cx="5885249" cy="2408518"/>
+          </a:xfrm>
+          <a:prstGeom prst="rect">
+            <a:avLst/>
+          </a:prstGeom>
+          <a:noFill/>
+          <a:ln w="57150">
+            <a:solidFill>
+              <a:srgbClr val="002060"/>
+            </a:solidFill>
+          </a:ln>
+        </p:spPr>
+        <p:style>
+          <a:lnRef idx="2">
+            <a:schemeClr val="accent1">
+              <a:shade val="50000"/>
+            </a:schemeClr>
+          </a:lnRef>
+          <a:fillRef idx="1">
+            <a:schemeClr val="accent1"/>
+          </a:fillRef>
+          <a:effectRef idx="0">
+            <a:schemeClr val="accent1"/>
+          </a:effectRef>
+          <a:fontRef idx="minor">
+            <a:schemeClr val="lt1"/>
+          </a:fontRef>
+        </p:style>
+        <p:txBody>
+          <a:bodyPr rtlCol="0" anchor="ctr"/>
+          <a:lstStyle/>
+          <a:p>
+            <a:pPr algn="ctr"/>
+            <a:endParaRPr lang="en-US"/>
+          </a:p>
+        </p:txBody>
+      </p:sp>
+      <p:sp>
+        <p:nvSpPr>
+          <p:cNvPr id="7" name="직사각형 6"/>
+          <p:cNvSpPr/>
+          <p:nvPr/>
+        </p:nvSpPr>
+        <p:spPr>
+          <a:xfrm>
+            <a:off x="5811451" y="3362325"/>
+            <a:ext cx="2018099" cy="3124200"/>
+          </a:xfrm>
+          <a:prstGeom prst="rect">
+            <a:avLst/>
+          </a:prstGeom>
+          <a:noFill/>
+          <a:ln w="57150">
+            <a:solidFill>
+              <a:schemeClr val="accent5">
+                <a:lumMod val="50000"/>
+              </a:schemeClr>
+            </a:solidFill>
+          </a:ln>
+        </p:spPr>
+        <p:style>
+          <a:lnRef idx="2">
+            <a:schemeClr val="accent1">
+              <a:shade val="50000"/>
+            </a:schemeClr>
+          </a:lnRef>
+          <a:fillRef idx="1">
+            <a:schemeClr val="accent1"/>
+          </a:fillRef>
+          <a:effectRef idx="0">
+            <a:schemeClr val="accent1"/>
+          </a:effectRef>
+          <a:fontRef idx="minor">
+            <a:schemeClr val="lt1"/>
+          </a:fontRef>
+        </p:style>
+        <p:txBody>
+          <a:bodyPr rtlCol="0" anchor="ctr"/>
+          <a:lstStyle/>
+          <a:p>
+            <a:pPr algn="ctr"/>
+            <a:endParaRPr lang="en-US"/>
+          </a:p>
+        </p:txBody>
+      </p:sp>
+      <p:sp>
+        <p:nvSpPr>
+          <p:cNvPr id="8" name="직사각형 7"/>
+          <p:cNvSpPr/>
+          <p:nvPr/>
+        </p:nvSpPr>
+        <p:spPr>
+          <a:xfrm>
+            <a:off x="7840276" y="3362324"/>
+            <a:ext cx="3856424" cy="3124201"/>
+          </a:xfrm>
+          <a:prstGeom prst="rect">
+            <a:avLst/>
+          </a:prstGeom>
+          <a:noFill/>
+          <a:ln w="57150">
+            <a:solidFill>
+              <a:schemeClr val="accent5">
+                <a:lumMod val="50000"/>
+              </a:schemeClr>
+            </a:solidFill>
+          </a:ln>
+        </p:spPr>
+        <p:style>
+          <a:lnRef idx="2">
+            <a:schemeClr val="accent1">
+              <a:shade val="50000"/>
+            </a:schemeClr>
+          </a:lnRef>
+          <a:fillRef idx="1">
+            <a:schemeClr val="accent1"/>
+          </a:fillRef>
+          <a:effectRef idx="0">
+            <a:schemeClr val="accent1"/>
+          </a:effectRef>
+          <a:fontRef idx="minor">
+            <a:schemeClr val="lt1"/>
+          </a:fontRef>
+        </p:style>
+        <p:txBody>
+          <a:bodyPr rtlCol="0" anchor="ctr"/>
+          <a:lstStyle/>
+          <a:p>
+            <a:pPr algn="ctr"/>
+            <a:endParaRPr lang="en-US"/>
+          </a:p>
+        </p:txBody>
+      </p:sp>
+      <p:sp>
+        <p:nvSpPr>
+          <p:cNvPr id="9" name="TextBox 8"/>
+          <p:cNvSpPr txBox="1"/>
+          <p:nvPr/>
+        </p:nvSpPr>
+        <p:spPr>
+          <a:xfrm>
+            <a:off x="10425113" y="2909926"/>
+            <a:ext cx="1219200" cy="369332"/>
+          </a:xfrm>
+          <a:prstGeom prst="rect">
+            <a:avLst/>
+          </a:prstGeom>
+          <a:noFill/>
+        </p:spPr>
+        <p:txBody>
+          <a:bodyPr wrap="square" rtlCol="0">
+            <a:spAutoFit/>
+          </a:bodyPr>
+          <a:lstStyle/>
+          <a:p>
+            <a:r>
+              <a:rPr lang="en-US" b="1" dirty="0"/>
+              <a:t>Overview</a:t>
+            </a:r>
+          </a:p>
+        </p:txBody>
+      </p:sp>
+      <p:sp>
+        <p:nvSpPr>
+          <p:cNvPr id="10" name="TextBox 9"/>
+          <p:cNvSpPr txBox="1"/>
+          <p:nvPr/>
+        </p:nvSpPr>
+        <p:spPr>
+          <a:xfrm>
+            <a:off x="5801325" y="3316877"/>
+            <a:ext cx="1618649" cy="369332"/>
+          </a:xfrm>
+          <a:prstGeom prst="rect">
+            <a:avLst/>
+          </a:prstGeom>
+          <a:noFill/>
+        </p:spPr>
+        <p:txBody>
+          <a:bodyPr wrap="square" rtlCol="0">
+            <a:spAutoFit/>
+          </a:bodyPr>
+          <a:lstStyle/>
+          <a:p>
+            <a:r>
+              <a:rPr lang="en-US" b="1" dirty="0"/>
+              <a:t>Detail View</a:t>
+            </a:r>
+          </a:p>
+        </p:txBody>
+      </p:sp>
+      <p:sp>
+        <p:nvSpPr>
+          <p:cNvPr id="11" name="TextBox 10"/>
+          <p:cNvSpPr txBox="1"/>
+          <p:nvPr/>
+        </p:nvSpPr>
+        <p:spPr>
+          <a:xfrm>
+            <a:off x="10225388" y="3445390"/>
+            <a:ext cx="1618649" cy="369332"/>
+          </a:xfrm>
+          <a:prstGeom prst="rect">
+            <a:avLst/>
+          </a:prstGeom>
+          <a:noFill/>
+        </p:spPr>
+        <p:txBody>
+          <a:bodyPr wrap="square" rtlCol="0">
+            <a:spAutoFit/>
+          </a:bodyPr>
+          <a:lstStyle/>
+          <a:p>
+            <a:r>
+              <a:rPr lang="en-US" b="1" dirty="0"/>
+              <a:t>Chart View</a:t>
+            </a:r>
           </a:p>
         </p:txBody>
       </p:sp>
     </p:spTree>
     <p:extLst>
       <p:ext uri="{BB962C8B-B14F-4D97-AF65-F5344CB8AC3E}">
-        <p14:creationId xmlns:p14="http://schemas.microsoft.com/office/powerpoint/2010/main" val="2897168738"/>
+        <p14:creationId xmlns:p14="http://schemas.microsoft.com/office/powerpoint/2010/main" val="2131186063"/>
       </p:ext>
     </p:extLst>
   </p:cSld>
@@ -4192,8 +6187,8 @@
           <a:lstStyle/>
           <a:p>
             <a:r>
-              <a:rPr lang="en-US" altLang="ko-KR" dirty="0" smtClean="0"/>
-              <a:t>Pilot study</a:t>
+              <a:rPr lang="en-US" altLang="ko-KR" dirty="0"/>
+              <a:t>Layout &amp; Flow</a:t>
             </a:r>
             <a:endParaRPr lang="ko-KR" altLang="en-US" dirty="0"/>
           </a:p>
@@ -4233,23 +6228,464 @@
             <p:ph type="body" idx="1"/>
           </p:nvPr>
         </p:nvSpPr>
-        <p:spPr/>
-        <p:txBody>
-          <a:bodyPr/>
+        <p:spPr>
+          <a:xfrm>
+            <a:off x="228600" y="953807"/>
+            <a:ext cx="5162550" cy="5473301"/>
+          </a:xfrm>
+        </p:spPr>
+        <p:txBody>
+          <a:bodyPr>
+            <a:normAutofit/>
+          </a:bodyPr>
           <a:lstStyle/>
           <a:p>
             <a:r>
-              <a:rPr lang="ko-KR" altLang="en-US" dirty="0" smtClean="0"/>
-              <a:t>의견 나왔던 것들</a:t>
-            </a:r>
-            <a:endParaRPr lang="ko-KR" altLang="en-US" dirty="0"/>
+              <a:rPr lang="en-US" altLang="ko-KR" sz="2400" dirty="0"/>
+              <a:t>Visual information-seeking mantra</a:t>
+            </a:r>
+          </a:p>
+          <a:p>
+            <a:pPr lvl="1">
+              <a:lnSpc>
+                <a:spcPct val="120000"/>
+              </a:lnSpc>
+            </a:pPr>
+            <a:r>
+              <a:rPr lang="en-US" altLang="ko-KR" b="1" dirty="0"/>
+              <a:t>Overview first,</a:t>
+            </a:r>
+            <a:br>
+              <a:rPr lang="en-US" altLang="ko-KR" b="1" dirty="0"/>
+            </a:br>
+            <a:r>
+              <a:rPr lang="en-US" altLang="ko-KR" b="1" dirty="0"/>
+              <a:t>Zoom and Filter,</a:t>
+            </a:r>
+            <a:br>
+              <a:rPr lang="en-US" altLang="ko-KR" b="1" dirty="0"/>
+            </a:br>
+            <a:r>
+              <a:rPr lang="en-US" altLang="ko-KR" b="1" dirty="0"/>
+              <a:t>Details-on-demand</a:t>
+            </a:r>
+          </a:p>
+          <a:p>
+            <a:pPr lvl="1"/>
+            <a:endParaRPr lang="en-US" altLang="ko-KR" sz="2000" dirty="0"/>
+          </a:p>
+          <a:p>
+            <a:r>
+              <a:rPr lang="en-US" altLang="ko-KR" sz="2400" dirty="0"/>
+              <a:t>Overview</a:t>
+            </a:r>
+            <a:r>
+              <a:rPr lang="ko-KR" altLang="en-US" sz="2400" dirty="0"/>
+              <a:t>에서 </a:t>
+            </a:r>
+            <a:r>
+              <a:rPr lang="en-US" altLang="ko-KR" sz="2400" dirty="0"/>
+              <a:t>anchor</a:t>
+            </a:r>
+            <a:r>
+              <a:rPr lang="ko-KR" altLang="en-US" sz="2400" dirty="0"/>
+              <a:t> 나누는 기준</a:t>
+            </a:r>
+            <a:endParaRPr lang="en-US" altLang="ko-KR" sz="2400" dirty="0"/>
+          </a:p>
+          <a:p>
+            <a:pPr lvl="1"/>
+            <a:r>
+              <a:rPr lang="en-US" altLang="ko-KR" sz="2000" dirty="0"/>
+              <a:t>Data</a:t>
+            </a:r>
+            <a:r>
+              <a:rPr lang="ko-KR" altLang="en-US" sz="2000" dirty="0"/>
+              <a:t>의 변화</a:t>
+            </a:r>
+            <a:endParaRPr lang="en-US" altLang="ko-KR" sz="2000" dirty="0"/>
+          </a:p>
+          <a:p>
+            <a:pPr lvl="1"/>
+            <a:r>
+              <a:rPr lang="en-US" altLang="ko-KR" sz="2000" dirty="0"/>
+              <a:t>Chart</a:t>
+            </a:r>
+            <a:r>
+              <a:rPr lang="ko-KR" altLang="en-US" sz="2000" dirty="0"/>
+              <a:t>형태의 변화 및 </a:t>
+            </a:r>
+            <a:r>
+              <a:rPr lang="en-US" altLang="ko-KR" sz="2000" dirty="0"/>
+              <a:t>facet</a:t>
+            </a:r>
+          </a:p>
+          <a:p>
+            <a:endParaRPr lang="en-US" altLang="ko-KR" sz="2400" dirty="0"/>
+          </a:p>
+          <a:p>
+            <a:endParaRPr lang="en-US" altLang="ko-KR" sz="2400" dirty="0"/>
+          </a:p>
+          <a:p>
+            <a:pPr lvl="1"/>
+            <a:endParaRPr lang="ko-KR" altLang="en-US" sz="2000" dirty="0"/>
+          </a:p>
+        </p:txBody>
+      </p:sp>
+      <p:pic>
+        <p:nvPicPr>
+          <p:cNvPr id="5" name="그림 4"/>
+          <p:cNvPicPr>
+            <a:picLocks noChangeAspect="1"/>
+          </p:cNvPicPr>
+          <p:nvPr/>
+        </p:nvPicPr>
+        <p:blipFill>
+          <a:blip r:embed="rId2"/>
+          <a:stretch>
+            <a:fillRect/>
+          </a:stretch>
+        </p:blipFill>
+        <p:spPr>
+          <a:xfrm>
+            <a:off x="5906701" y="945310"/>
+            <a:ext cx="5685224" cy="5481798"/>
+          </a:xfrm>
+          <a:prstGeom prst="rect">
+            <a:avLst/>
+          </a:prstGeom>
+        </p:spPr>
+      </p:pic>
+      <p:sp>
+        <p:nvSpPr>
+          <p:cNvPr id="7" name="직사각형 6"/>
+          <p:cNvSpPr/>
+          <p:nvPr/>
+        </p:nvSpPr>
+        <p:spPr>
+          <a:xfrm>
+            <a:off x="5811451" y="3362325"/>
+            <a:ext cx="2018099" cy="3124200"/>
+          </a:xfrm>
+          <a:prstGeom prst="rect">
+            <a:avLst/>
+          </a:prstGeom>
+          <a:noFill/>
+          <a:ln w="57150">
+            <a:solidFill>
+              <a:schemeClr val="accent5">
+                <a:lumMod val="50000"/>
+              </a:schemeClr>
+            </a:solidFill>
+          </a:ln>
+        </p:spPr>
+        <p:style>
+          <a:lnRef idx="2">
+            <a:schemeClr val="accent1">
+              <a:shade val="50000"/>
+            </a:schemeClr>
+          </a:lnRef>
+          <a:fillRef idx="1">
+            <a:schemeClr val="accent1"/>
+          </a:fillRef>
+          <a:effectRef idx="0">
+            <a:schemeClr val="accent1"/>
+          </a:effectRef>
+          <a:fontRef idx="minor">
+            <a:schemeClr val="lt1"/>
+          </a:fontRef>
+        </p:style>
+        <p:txBody>
+          <a:bodyPr rtlCol="0" anchor="ctr"/>
+          <a:lstStyle/>
+          <a:p>
+            <a:pPr algn="ctr"/>
+            <a:endParaRPr lang="en-US"/>
+          </a:p>
+        </p:txBody>
+      </p:sp>
+      <p:sp>
+        <p:nvSpPr>
+          <p:cNvPr id="8" name="직사각형 7"/>
+          <p:cNvSpPr/>
+          <p:nvPr/>
+        </p:nvSpPr>
+        <p:spPr>
+          <a:xfrm>
+            <a:off x="7840276" y="3362324"/>
+            <a:ext cx="3856424" cy="3124201"/>
+          </a:xfrm>
+          <a:prstGeom prst="rect">
+            <a:avLst/>
+          </a:prstGeom>
+          <a:noFill/>
+          <a:ln w="57150">
+            <a:solidFill>
+              <a:schemeClr val="accent5">
+                <a:lumMod val="50000"/>
+              </a:schemeClr>
+            </a:solidFill>
+          </a:ln>
+        </p:spPr>
+        <p:style>
+          <a:lnRef idx="2">
+            <a:schemeClr val="accent1">
+              <a:shade val="50000"/>
+            </a:schemeClr>
+          </a:lnRef>
+          <a:fillRef idx="1">
+            <a:schemeClr val="accent1"/>
+          </a:fillRef>
+          <a:effectRef idx="0">
+            <a:schemeClr val="accent1"/>
+          </a:effectRef>
+          <a:fontRef idx="minor">
+            <a:schemeClr val="lt1"/>
+          </a:fontRef>
+        </p:style>
+        <p:txBody>
+          <a:bodyPr rtlCol="0" anchor="ctr"/>
+          <a:lstStyle/>
+          <a:p>
+            <a:pPr algn="ctr"/>
+            <a:endParaRPr lang="en-US"/>
+          </a:p>
+        </p:txBody>
+      </p:sp>
+      <p:sp>
+        <p:nvSpPr>
+          <p:cNvPr id="9" name="TextBox 8"/>
+          <p:cNvSpPr txBox="1"/>
+          <p:nvPr/>
+        </p:nvSpPr>
+        <p:spPr>
+          <a:xfrm>
+            <a:off x="10425113" y="2909926"/>
+            <a:ext cx="1219200" cy="369332"/>
+          </a:xfrm>
+          <a:prstGeom prst="rect">
+            <a:avLst/>
+          </a:prstGeom>
+          <a:noFill/>
+        </p:spPr>
+        <p:txBody>
+          <a:bodyPr wrap="square" rtlCol="0">
+            <a:spAutoFit/>
+          </a:bodyPr>
+          <a:lstStyle/>
+          <a:p>
+            <a:r>
+              <a:rPr lang="en-US" b="1" dirty="0">
+                <a:solidFill>
+                  <a:srgbClr val="FF0000"/>
+                </a:solidFill>
+              </a:rPr>
+              <a:t>Overview</a:t>
+            </a:r>
+          </a:p>
+        </p:txBody>
+      </p:sp>
+      <p:sp>
+        <p:nvSpPr>
+          <p:cNvPr id="10" name="TextBox 9"/>
+          <p:cNvSpPr txBox="1"/>
+          <p:nvPr/>
+        </p:nvSpPr>
+        <p:spPr>
+          <a:xfrm>
+            <a:off x="5801325" y="3316877"/>
+            <a:ext cx="1618649" cy="369332"/>
+          </a:xfrm>
+          <a:prstGeom prst="rect">
+            <a:avLst/>
+          </a:prstGeom>
+          <a:noFill/>
+        </p:spPr>
+        <p:txBody>
+          <a:bodyPr wrap="square" rtlCol="0">
+            <a:spAutoFit/>
+          </a:bodyPr>
+          <a:lstStyle/>
+          <a:p>
+            <a:r>
+              <a:rPr lang="en-US" b="1" dirty="0"/>
+              <a:t>Detail View</a:t>
+            </a:r>
+          </a:p>
+        </p:txBody>
+      </p:sp>
+      <p:sp>
+        <p:nvSpPr>
+          <p:cNvPr id="11" name="TextBox 10"/>
+          <p:cNvSpPr txBox="1"/>
+          <p:nvPr/>
+        </p:nvSpPr>
+        <p:spPr>
+          <a:xfrm>
+            <a:off x="10225388" y="3445390"/>
+            <a:ext cx="1618649" cy="369332"/>
+          </a:xfrm>
+          <a:prstGeom prst="rect">
+            <a:avLst/>
+          </a:prstGeom>
+          <a:noFill/>
+        </p:spPr>
+        <p:txBody>
+          <a:bodyPr wrap="square" rtlCol="0">
+            <a:spAutoFit/>
+          </a:bodyPr>
+          <a:lstStyle/>
+          <a:p>
+            <a:r>
+              <a:rPr lang="en-US" b="1" dirty="0"/>
+              <a:t>Chart View</a:t>
+            </a:r>
+          </a:p>
+        </p:txBody>
+      </p:sp>
+      <p:sp>
+        <p:nvSpPr>
+          <p:cNvPr id="6" name="직사각형 5"/>
+          <p:cNvSpPr/>
+          <p:nvPr/>
+        </p:nvSpPr>
+        <p:spPr>
+          <a:xfrm>
+            <a:off x="5811451" y="953807"/>
+            <a:ext cx="5885249" cy="2408518"/>
+          </a:xfrm>
+          <a:prstGeom prst="rect">
+            <a:avLst/>
+          </a:prstGeom>
+          <a:noFill/>
+          <a:ln w="57150">
+            <a:solidFill>
+              <a:srgbClr val="FF0000"/>
+            </a:solidFill>
+          </a:ln>
+        </p:spPr>
+        <p:style>
+          <a:lnRef idx="2">
+            <a:schemeClr val="accent1">
+              <a:shade val="50000"/>
+            </a:schemeClr>
+          </a:lnRef>
+          <a:fillRef idx="1">
+            <a:schemeClr val="accent1"/>
+          </a:fillRef>
+          <a:effectRef idx="0">
+            <a:schemeClr val="accent1"/>
+          </a:effectRef>
+          <a:fontRef idx="minor">
+            <a:schemeClr val="lt1"/>
+          </a:fontRef>
+        </p:style>
+        <p:txBody>
+          <a:bodyPr rtlCol="0" anchor="ctr"/>
+          <a:lstStyle/>
+          <a:p>
+            <a:pPr algn="ctr"/>
+            <a:endParaRPr lang="en-US"/>
+          </a:p>
+        </p:txBody>
+      </p:sp>
+      <p:sp>
+        <p:nvSpPr>
+          <p:cNvPr id="12" name="직사각형 11">
+            <a:extLst>
+              <a:ext uri="{FF2B5EF4-FFF2-40B4-BE49-F238E27FC236}">
+                <a16:creationId xmlns:a16="http://schemas.microsoft.com/office/drawing/2014/main" id="{B634E576-2316-48DD-8382-76FC8316F25D}"/>
+              </a:ext>
+            </a:extLst>
+          </p:cNvPr>
+          <p:cNvSpPr/>
+          <p:nvPr/>
+        </p:nvSpPr>
+        <p:spPr>
+          <a:xfrm rot="20848378">
+            <a:off x="4733000" y="3763848"/>
+            <a:ext cx="5483622" cy="1558213"/>
+          </a:xfrm>
+          <a:prstGeom prst="rect">
+            <a:avLst/>
+          </a:prstGeom>
+        </p:spPr>
+        <p:style>
+          <a:lnRef idx="2">
+            <a:schemeClr val="accent1">
+              <a:shade val="50000"/>
+            </a:schemeClr>
+          </a:lnRef>
+          <a:fillRef idx="1">
+            <a:schemeClr val="accent1"/>
+          </a:fillRef>
+          <a:effectRef idx="0">
+            <a:schemeClr val="accent1"/>
+          </a:effectRef>
+          <a:fontRef idx="minor">
+            <a:schemeClr val="lt1"/>
+          </a:fontRef>
+        </p:style>
+        <p:txBody>
+          <a:bodyPr rtlCol="0" anchor="ctr"/>
+          <a:lstStyle/>
+          <a:p>
+            <a:pPr algn="ctr"/>
+            <a:r>
+              <a:rPr lang="en-US" altLang="ko-KR" dirty="0"/>
+              <a:t>Anchor</a:t>
+            </a:r>
+            <a:r>
+              <a:rPr lang="ko-KR" altLang="en-US" dirty="0"/>
+              <a:t> 나누는 기준의 근거</a:t>
+            </a:r>
+            <a:r>
+              <a:rPr lang="en-US" altLang="ko-KR" dirty="0"/>
+              <a:t>?</a:t>
+            </a:r>
+          </a:p>
+          <a:p>
+            <a:pPr algn="ctr"/>
+            <a:endParaRPr lang="en-US" altLang="ko-KR" dirty="0"/>
+          </a:p>
+          <a:p>
+            <a:pPr algn="ctr"/>
+            <a:r>
+              <a:rPr lang="ko-KR" altLang="en-US" dirty="0"/>
+              <a:t>추후에 </a:t>
+            </a:r>
+            <a:r>
+              <a:rPr lang="en-US" altLang="ko-KR" dirty="0" err="1"/>
+              <a:t>contex</a:t>
+            </a:r>
+            <a:r>
+              <a:rPr lang="ko-KR" altLang="en-US" dirty="0"/>
+              <a:t>를 고려한 </a:t>
+            </a:r>
+            <a:r>
+              <a:rPr lang="en-US" altLang="ko-KR" dirty="0"/>
+              <a:t>graph abstraction </a:t>
+            </a:r>
+            <a:r>
+              <a:rPr lang="ko-KR" altLang="en-US" dirty="0"/>
+              <a:t>등을 좀 참조하는게 좋겠다</a:t>
+            </a:r>
+            <a:r>
+              <a:rPr lang="en-US" altLang="ko-KR" dirty="0"/>
+              <a:t>? </a:t>
+            </a:r>
+            <a:r>
+              <a:rPr lang="en-US" altLang="ko-KR"/>
+              <a:t>=&gt; future work</a:t>
+            </a:r>
+            <a:endParaRPr lang="en-US" altLang="ko-KR" dirty="0"/>
           </a:p>
         </p:txBody>
       </p:sp>
     </p:spTree>
     <p:extLst>
       <p:ext uri="{BB962C8B-B14F-4D97-AF65-F5344CB8AC3E}">
-        <p14:creationId xmlns:p14="http://schemas.microsoft.com/office/powerpoint/2010/main" val="3781028225"/>
+        <p14:creationId xmlns:p14="http://schemas.microsoft.com/office/powerpoint/2010/main" val="1701434419"/>
       </p:ext>
     </p:extLst>
   </p:cSld>
@@ -4294,12 +6730,8 @@
           <a:lstStyle/>
           <a:p>
             <a:r>
-              <a:rPr lang="en-US" altLang="ko-KR" dirty="0" smtClean="0"/>
-              <a:t>Contribution </a:t>
-            </a:r>
-            <a:r>
-              <a:rPr lang="ko-KR" altLang="en-US" dirty="0" smtClean="0"/>
-              <a:t>재정리</a:t>
+              <a:rPr lang="en-US" altLang="ko-KR" dirty="0"/>
+              <a:t>Layout &amp; Flow</a:t>
             </a:r>
             <a:endParaRPr lang="ko-KR" altLang="en-US" dirty="0"/>
           </a:p>
@@ -4339,53 +6771,416 @@
             <p:ph type="body" idx="1"/>
           </p:nvPr>
         </p:nvSpPr>
-        <p:spPr/>
-        <p:txBody>
-          <a:bodyPr/>
+        <p:spPr>
+          <a:xfrm>
+            <a:off x="120264" y="928352"/>
+            <a:ext cx="5162550" cy="5473301"/>
+          </a:xfrm>
+        </p:spPr>
+        <p:txBody>
+          <a:bodyPr>
+            <a:normAutofit/>
+          </a:bodyPr>
           <a:lstStyle/>
           <a:p>
             <a:r>
-              <a:rPr lang="en-US" altLang="ko-KR" dirty="0" smtClean="0"/>
-              <a:t>~~</a:t>
-            </a:r>
-          </a:p>
-          <a:p>
-            <a:r>
-              <a:rPr lang="en-US" altLang="ko-KR" dirty="0" smtClean="0"/>
-              <a:t>~~</a:t>
-            </a:r>
-          </a:p>
-          <a:p>
-            <a:endParaRPr lang="en-US" altLang="ko-KR" dirty="0"/>
-          </a:p>
-          <a:p>
-            <a:r>
-              <a:rPr lang="ko-KR" altLang="en-US" dirty="0"/>
-              <a:t>앞으로 할 수 있는 연구를 위한 초석</a:t>
-            </a:r>
-            <a:endParaRPr lang="en-US" altLang="ko-KR" dirty="0"/>
+              <a:rPr lang="en-US" altLang="ko-KR" sz="2400" dirty="0"/>
+              <a:t>Visual information-seeking mantra</a:t>
+            </a:r>
+          </a:p>
+          <a:p>
+            <a:pPr lvl="1">
+              <a:lnSpc>
+                <a:spcPct val="120000"/>
+              </a:lnSpc>
+            </a:pPr>
+            <a:r>
+              <a:rPr lang="en-US" altLang="ko-KR" b="1" dirty="0"/>
+              <a:t>Overview first,</a:t>
+            </a:r>
+            <a:br>
+              <a:rPr lang="en-US" altLang="ko-KR" b="1" dirty="0"/>
+            </a:br>
+            <a:r>
+              <a:rPr lang="en-US" altLang="ko-KR" b="1" dirty="0"/>
+              <a:t>Zoom and Filter,</a:t>
+            </a:r>
+            <a:br>
+              <a:rPr lang="en-US" altLang="ko-KR" b="1" dirty="0"/>
+            </a:br>
+            <a:r>
+              <a:rPr lang="en-US" altLang="ko-KR" b="1" dirty="0"/>
+              <a:t>Details-on-demand</a:t>
+            </a:r>
           </a:p>
           <a:p>
             <a:pPr lvl="1"/>
-            <a:r>
-              <a:rPr lang="ko-KR" altLang="en-US" dirty="0" smtClean="0"/>
-              <a:t>기대 연구 리스트 뒤에 추가</a:t>
-            </a:r>
-            <a:endParaRPr lang="en-US" altLang="ko-KR" dirty="0" smtClean="0"/>
+            <a:endParaRPr lang="en-US" altLang="ko-KR" sz="2000" dirty="0"/>
+          </a:p>
+          <a:p>
+            <a:r>
+              <a:rPr lang="en-US" altLang="ko-KR" sz="2400" dirty="0"/>
+              <a:t>Detail View</a:t>
+            </a:r>
           </a:p>
           <a:p>
             <a:pPr lvl="1"/>
-            <a:endParaRPr lang="en-US" altLang="ko-KR" dirty="0"/>
-          </a:p>
-          <a:p>
-            <a:endParaRPr lang="ko-KR" altLang="en-US" dirty="0"/>
+            <a:r>
+              <a:rPr lang="en-US" altLang="ko-KR" sz="2000" dirty="0"/>
+              <a:t>Data </a:t>
+            </a:r>
+            <a:r>
+              <a:rPr lang="ko-KR" altLang="en-US" sz="2000" dirty="0"/>
+              <a:t>또는 </a:t>
+            </a:r>
+            <a:r>
+              <a:rPr lang="en-US" altLang="ko-KR" sz="2000" dirty="0"/>
+              <a:t>Chart </a:t>
+            </a:r>
+            <a:r>
+              <a:rPr lang="ko-KR" altLang="en-US" sz="2000" dirty="0"/>
+              <a:t>형태를 바꾸지 않는 </a:t>
+            </a:r>
+            <a:r>
+              <a:rPr lang="en-US" altLang="ko-KR" sz="2000" dirty="0"/>
+              <a:t>interactions</a:t>
+            </a:r>
+            <a:r>
+              <a:rPr lang="ko-KR" altLang="en-US" sz="2000" dirty="0"/>
+              <a:t>를 시간 순으로 나열</a:t>
+            </a:r>
+            <a:endParaRPr lang="en-US" altLang="ko-KR" sz="2000" dirty="0"/>
+          </a:p>
+          <a:p>
+            <a:pPr lvl="1"/>
+            <a:endParaRPr lang="en-US" altLang="ko-KR" sz="2000" dirty="0"/>
+          </a:p>
+          <a:p>
+            <a:pPr lvl="1"/>
+            <a:r>
+              <a:rPr lang="ko-KR" altLang="en-US" sz="2000" dirty="0"/>
+              <a:t>각</a:t>
+            </a:r>
+            <a:r>
+              <a:rPr lang="en-US" altLang="ko-KR" sz="2000" dirty="0"/>
+              <a:t> interactions</a:t>
+            </a:r>
+            <a:r>
+              <a:rPr lang="ko-KR" altLang="en-US" sz="2000" dirty="0"/>
+              <a:t>에서 </a:t>
+            </a:r>
+            <a:r>
+              <a:rPr lang="en-US" altLang="ko-KR" sz="2000" dirty="0"/>
+              <a:t>parameters </a:t>
+            </a:r>
+            <a:r>
+              <a:rPr lang="ko-KR" altLang="en-US" sz="2000" dirty="0"/>
+              <a:t>변경</a:t>
+            </a:r>
+            <a:endParaRPr lang="en-US" altLang="ko-KR" sz="2000" dirty="0"/>
+          </a:p>
+          <a:p>
+            <a:pPr lvl="2"/>
+            <a:r>
+              <a:rPr lang="ko-KR" altLang="en-US" sz="1600" dirty="0"/>
+              <a:t>변경으로 인해 영향을 받는 모든 </a:t>
+            </a:r>
+            <a:r>
+              <a:rPr lang="en-US" altLang="ko-KR" sz="1600" dirty="0"/>
+              <a:t>interactions</a:t>
+            </a:r>
+            <a:r>
+              <a:rPr lang="ko-KR" altLang="en-US" sz="1600" dirty="0"/>
+              <a:t>의 </a:t>
+            </a:r>
+            <a:r>
+              <a:rPr lang="en-US" altLang="ko-KR" sz="1600" dirty="0"/>
+              <a:t>chart</a:t>
+            </a:r>
+            <a:r>
+              <a:rPr lang="ko-KR" altLang="en-US" sz="1600" dirty="0"/>
+              <a:t>를 새로 생성</a:t>
+            </a:r>
+            <a:endParaRPr lang="en-US" altLang="ko-KR" sz="1600" dirty="0"/>
+          </a:p>
+          <a:p>
+            <a:pPr lvl="1"/>
+            <a:endParaRPr lang="en-US" altLang="ko-KR" sz="2000" dirty="0"/>
+          </a:p>
+          <a:p>
+            <a:pPr lvl="1"/>
+            <a:endParaRPr lang="en-US" altLang="ko-KR" sz="2000" dirty="0"/>
+          </a:p>
+          <a:p>
+            <a:endParaRPr lang="en-US" altLang="ko-KR" sz="2400" dirty="0"/>
+          </a:p>
+          <a:p>
+            <a:pPr lvl="1"/>
+            <a:endParaRPr lang="ko-KR" altLang="en-US" sz="2000" dirty="0"/>
+          </a:p>
+        </p:txBody>
+      </p:sp>
+      <p:pic>
+        <p:nvPicPr>
+          <p:cNvPr id="5" name="그림 4"/>
+          <p:cNvPicPr>
+            <a:picLocks noChangeAspect="1"/>
+          </p:cNvPicPr>
+          <p:nvPr/>
+        </p:nvPicPr>
+        <p:blipFill>
+          <a:blip r:embed="rId2"/>
+          <a:stretch>
+            <a:fillRect/>
+          </a:stretch>
+        </p:blipFill>
+        <p:spPr>
+          <a:xfrm>
+            <a:off x="5906701" y="945310"/>
+            <a:ext cx="5685224" cy="5481798"/>
+          </a:xfrm>
+          <a:prstGeom prst="rect">
+            <a:avLst/>
+          </a:prstGeom>
+        </p:spPr>
+      </p:pic>
+      <p:sp>
+        <p:nvSpPr>
+          <p:cNvPr id="13" name="직사각형 12"/>
+          <p:cNvSpPr/>
+          <p:nvPr/>
+        </p:nvSpPr>
+        <p:spPr>
+          <a:xfrm>
+            <a:off x="7840276" y="3362324"/>
+            <a:ext cx="3856424" cy="3124201"/>
+          </a:xfrm>
+          <a:prstGeom prst="rect">
+            <a:avLst/>
+          </a:prstGeom>
+          <a:noFill/>
+          <a:ln w="57150">
+            <a:solidFill>
+              <a:schemeClr val="accent5">
+                <a:lumMod val="50000"/>
+              </a:schemeClr>
+            </a:solidFill>
+          </a:ln>
+        </p:spPr>
+        <p:style>
+          <a:lnRef idx="2">
+            <a:schemeClr val="accent1">
+              <a:shade val="50000"/>
+            </a:schemeClr>
+          </a:lnRef>
+          <a:fillRef idx="1">
+            <a:schemeClr val="accent1"/>
+          </a:fillRef>
+          <a:effectRef idx="0">
+            <a:schemeClr val="accent1"/>
+          </a:effectRef>
+          <a:fontRef idx="minor">
+            <a:schemeClr val="lt1"/>
+          </a:fontRef>
+        </p:style>
+        <p:txBody>
+          <a:bodyPr rtlCol="0" anchor="ctr"/>
+          <a:lstStyle/>
+          <a:p>
+            <a:pPr algn="ctr"/>
+            <a:endParaRPr lang="en-US"/>
+          </a:p>
+        </p:txBody>
+      </p:sp>
+      <p:sp>
+        <p:nvSpPr>
+          <p:cNvPr id="14" name="TextBox 13"/>
+          <p:cNvSpPr txBox="1"/>
+          <p:nvPr/>
+        </p:nvSpPr>
+        <p:spPr>
+          <a:xfrm>
+            <a:off x="10425113" y="2909926"/>
+            <a:ext cx="1219200" cy="369332"/>
+          </a:xfrm>
+          <a:prstGeom prst="rect">
+            <a:avLst/>
+          </a:prstGeom>
+          <a:noFill/>
+        </p:spPr>
+        <p:txBody>
+          <a:bodyPr wrap="square" rtlCol="0">
+            <a:spAutoFit/>
+          </a:bodyPr>
+          <a:lstStyle/>
+          <a:p>
+            <a:r>
+              <a:rPr lang="en-US" b="1" dirty="0"/>
+              <a:t>Overview</a:t>
+            </a:r>
+          </a:p>
+        </p:txBody>
+      </p:sp>
+      <p:sp>
+        <p:nvSpPr>
+          <p:cNvPr id="15" name="TextBox 14"/>
+          <p:cNvSpPr txBox="1"/>
+          <p:nvPr/>
+        </p:nvSpPr>
+        <p:spPr>
+          <a:xfrm>
+            <a:off x="5801325" y="3316877"/>
+            <a:ext cx="1618649" cy="369332"/>
+          </a:xfrm>
+          <a:prstGeom prst="rect">
+            <a:avLst/>
+          </a:prstGeom>
+          <a:noFill/>
+        </p:spPr>
+        <p:txBody>
+          <a:bodyPr wrap="square" rtlCol="0">
+            <a:spAutoFit/>
+          </a:bodyPr>
+          <a:lstStyle/>
+          <a:p>
+            <a:r>
+              <a:rPr lang="en-US" b="1" dirty="0">
+                <a:solidFill>
+                  <a:srgbClr val="FF0000"/>
+                </a:solidFill>
+              </a:rPr>
+              <a:t>Detail View</a:t>
+            </a:r>
+          </a:p>
+        </p:txBody>
+      </p:sp>
+      <p:sp>
+        <p:nvSpPr>
+          <p:cNvPr id="16" name="TextBox 15"/>
+          <p:cNvSpPr txBox="1"/>
+          <p:nvPr/>
+        </p:nvSpPr>
+        <p:spPr>
+          <a:xfrm>
+            <a:off x="10225388" y="3445390"/>
+            <a:ext cx="1618649" cy="369332"/>
+          </a:xfrm>
+          <a:prstGeom prst="rect">
+            <a:avLst/>
+          </a:prstGeom>
+          <a:noFill/>
+        </p:spPr>
+        <p:txBody>
+          <a:bodyPr wrap="square" rtlCol="0">
+            <a:spAutoFit/>
+          </a:bodyPr>
+          <a:lstStyle/>
+          <a:p>
+            <a:r>
+              <a:rPr lang="en-US" b="1" dirty="0"/>
+              <a:t>Chart View</a:t>
+            </a:r>
+          </a:p>
+        </p:txBody>
+      </p:sp>
+      <p:sp>
+        <p:nvSpPr>
+          <p:cNvPr id="17" name="직사각형 16"/>
+          <p:cNvSpPr/>
+          <p:nvPr/>
+        </p:nvSpPr>
+        <p:spPr>
+          <a:xfrm>
+            <a:off x="5811451" y="953807"/>
+            <a:ext cx="5885249" cy="2408518"/>
+          </a:xfrm>
+          <a:prstGeom prst="rect">
+            <a:avLst/>
+          </a:prstGeom>
+          <a:noFill/>
+          <a:ln w="57150">
+            <a:solidFill>
+              <a:schemeClr val="accent5">
+                <a:lumMod val="50000"/>
+              </a:schemeClr>
+            </a:solidFill>
+          </a:ln>
+        </p:spPr>
+        <p:style>
+          <a:lnRef idx="2">
+            <a:schemeClr val="accent1">
+              <a:shade val="50000"/>
+            </a:schemeClr>
+          </a:lnRef>
+          <a:fillRef idx="1">
+            <a:schemeClr val="accent1"/>
+          </a:fillRef>
+          <a:effectRef idx="0">
+            <a:schemeClr val="accent1"/>
+          </a:effectRef>
+          <a:fontRef idx="minor">
+            <a:schemeClr val="lt1"/>
+          </a:fontRef>
+        </p:style>
+        <p:txBody>
+          <a:bodyPr rtlCol="0" anchor="ctr"/>
+          <a:lstStyle/>
+          <a:p>
+            <a:pPr algn="ctr"/>
+            <a:endParaRPr lang="en-US"/>
+          </a:p>
+        </p:txBody>
+      </p:sp>
+      <p:sp>
+        <p:nvSpPr>
+          <p:cNvPr id="12" name="직사각형 11"/>
+          <p:cNvSpPr/>
+          <p:nvPr/>
+        </p:nvSpPr>
+        <p:spPr>
+          <a:xfrm>
+            <a:off x="5811451" y="3362325"/>
+            <a:ext cx="2018099" cy="3124200"/>
+          </a:xfrm>
+          <a:prstGeom prst="rect">
+            <a:avLst/>
+          </a:prstGeom>
+          <a:noFill/>
+          <a:ln w="57150">
+            <a:solidFill>
+              <a:srgbClr val="FF0000"/>
+            </a:solidFill>
+          </a:ln>
+        </p:spPr>
+        <p:style>
+          <a:lnRef idx="2">
+            <a:schemeClr val="accent1">
+              <a:shade val="50000"/>
+            </a:schemeClr>
+          </a:lnRef>
+          <a:fillRef idx="1">
+            <a:schemeClr val="accent1"/>
+          </a:fillRef>
+          <a:effectRef idx="0">
+            <a:schemeClr val="accent1"/>
+          </a:effectRef>
+          <a:fontRef idx="minor">
+            <a:schemeClr val="lt1"/>
+          </a:fontRef>
+        </p:style>
+        <p:txBody>
+          <a:bodyPr rtlCol="0" anchor="ctr"/>
+          <a:lstStyle/>
+          <a:p>
+            <a:pPr algn="ctr"/>
+            <a:endParaRPr lang="en-US"/>
           </a:p>
         </p:txBody>
       </p:sp>
     </p:spTree>
     <p:extLst>
       <p:ext uri="{BB962C8B-B14F-4D97-AF65-F5344CB8AC3E}">
-        <p14:creationId xmlns:p14="http://schemas.microsoft.com/office/powerpoint/2010/main" val="3374711319"/>
+        <p14:creationId xmlns:p14="http://schemas.microsoft.com/office/powerpoint/2010/main" val="2393097616"/>
       </p:ext>
     </p:extLst>
   </p:cSld>
@@ -4431,11 +7226,8 @@
           <a:p>
             <a:r>
               <a:rPr lang="en-US" altLang="ko-KR" dirty="0"/>
-              <a:t>Discussion &amp; future work</a:t>
-            </a:r>
-            <a:br>
-              <a:rPr lang="en-US" altLang="ko-KR" dirty="0"/>
-            </a:br>
+              <a:t>demo</a:t>
+            </a:r>
             <a:endParaRPr lang="ko-KR" altLang="en-US" dirty="0"/>
           </a:p>
         </p:txBody>
@@ -4464,29 +7256,34 @@
           </a:p>
         </p:txBody>
       </p:sp>
-      <p:sp>
-        <p:nvSpPr>
-          <p:cNvPr id="4" name="텍스트 개체 틀 3"/>
-          <p:cNvSpPr>
-            <a:spLocks noGrp="1"/>
-          </p:cNvSpPr>
-          <p:nvPr>
-            <p:ph type="body" idx="1"/>
-          </p:nvPr>
-        </p:nvSpPr>
-        <p:spPr/>
-        <p:txBody>
-          <a:bodyPr/>
-          <a:lstStyle/>
-          <a:p>
-            <a:endParaRPr lang="ko-KR" altLang="en-US" dirty="0"/>
-          </a:p>
-        </p:txBody>
-      </p:sp>
+      <p:pic>
+        <p:nvPicPr>
+          <p:cNvPr id="5" name="그림 4"/>
+          <p:cNvPicPr>
+            <a:picLocks noChangeAspect="1"/>
+          </p:cNvPicPr>
+          <p:nvPr/>
+        </p:nvPicPr>
+        <p:blipFill>
+          <a:blip r:embed="rId2"/>
+          <a:stretch>
+            <a:fillRect/>
+          </a:stretch>
+        </p:blipFill>
+        <p:spPr>
+          <a:xfrm>
+            <a:off x="2247900" y="924104"/>
+            <a:ext cx="7143750" cy="5481798"/>
+          </a:xfrm>
+          <a:prstGeom prst="rect">
+            <a:avLst/>
+          </a:prstGeom>
+        </p:spPr>
+      </p:pic>
     </p:spTree>
     <p:extLst>
       <p:ext uri="{BB962C8B-B14F-4D97-AF65-F5344CB8AC3E}">
-        <p14:creationId xmlns:p14="http://schemas.microsoft.com/office/powerpoint/2010/main" val="874345436"/>
+        <p14:creationId xmlns:p14="http://schemas.microsoft.com/office/powerpoint/2010/main" val="2897168738"/>
       </p:ext>
     </p:extLst>
   </p:cSld>

--- a/term_project.pptx
+++ b/term_project.pptx
@@ -236,7 +236,7 @@
           <a:p>
             <a:fld id="{DC963F3D-2EF4-4D49-839B-5F1378A67BFD}" type="datetimeFigureOut">
               <a:rPr lang="ko-KR" altLang="en-US" smtClean="0"/>
-              <a:t>2017-12-17</a:t>
+              <a:t>2017-12-18</a:t>
             </a:fld>
             <a:endParaRPr lang="ko-KR" altLang="en-US"/>
           </a:p>
@@ -402,7 +402,7 @@
           <a:p>
             <a:fld id="{98E27482-4C1B-4C7F-91D8-FBC4C690AB75}" type="datetimeFigureOut">
               <a:rPr lang="ko-KR" altLang="en-US" smtClean="0"/>
-              <a:t>2017-12-17</a:t>
+              <a:t>2017-12-18</a:t>
             </a:fld>
             <a:endParaRPr lang="ko-KR" altLang="en-US"/>
           </a:p>
@@ -2124,13 +2124,7 @@
               <a:rPr lang="ko-KR" altLang="en-US" dirty="0" smtClean="0">
                 <a:sym typeface="Wingdings" panose="05000000000000000000" pitchFamily="2" charset="2"/>
               </a:rPr>
-              <a:t>의</a:t>
-            </a:r>
-            <a:r>
-              <a:rPr lang="ko-KR" altLang="en-US" dirty="0" smtClean="0">
-                <a:sym typeface="Wingdings" panose="05000000000000000000" pitchFamily="2" charset="2"/>
-              </a:rPr>
-              <a:t> </a:t>
+              <a:t>의 </a:t>
             </a:r>
             <a:r>
               <a:rPr lang="en-US" altLang="ko-KR" dirty="0">
@@ -2492,11 +2486,7 @@
           <a:p>
             <a:r>
               <a:rPr lang="en-US" altLang="ko-KR" dirty="0" smtClean="0"/>
-              <a:t>Interacti</a:t>
-            </a:r>
-            <a:r>
-              <a:rPr lang="en-US" altLang="ko-KR" dirty="0" smtClean="0"/>
-              <a:t>on log tracker &amp; log data gathering</a:t>
+              <a:t>Interaction log tracker &amp; log data gathering</a:t>
             </a:r>
           </a:p>
           <a:p>
@@ -2963,11 +2953,7 @@
             </a:pPr>
             <a:r>
               <a:rPr lang="en-US" altLang="ko-KR" b="1" dirty="0" smtClean="0"/>
-              <a:t>P</a:t>
-            </a:r>
-            <a:r>
-              <a:rPr lang="en-US" altLang="ko-KR" b="1" dirty="0" smtClean="0"/>
-              <a:t>rovide </a:t>
+              <a:t>Provide </a:t>
             </a:r>
             <a:r>
               <a:rPr lang="en-US" altLang="ko-KR" b="1" dirty="0"/>
@@ -2975,11 +2961,7 @@
             </a:r>
             <a:r>
               <a:rPr lang="en-US" altLang="ko-KR" b="1" dirty="0" smtClean="0"/>
-              <a:t>w/</a:t>
-            </a:r>
-            <a:r>
-              <a:rPr lang="en-US" altLang="ko-KR" b="1" dirty="0" smtClean="0"/>
-              <a:t> </a:t>
+              <a:t>w/ </a:t>
             </a:r>
             <a:r>
               <a:rPr lang="en-US" altLang="ko-KR" b="1" dirty="0"/>
@@ -9952,7 +9934,7 @@
       </p:sp>
       <p:pic>
         <p:nvPicPr>
-          <p:cNvPr id="30" name="그림 29"/>
+          <p:cNvPr id="31" name="그림 30"/>
           <p:cNvPicPr>
             <a:picLocks noChangeAspect="1"/>
           </p:cNvPicPr>
@@ -9960,29 +9942,6 @@
         </p:nvPicPr>
         <p:blipFill rotWithShape="1">
           <a:blip r:embed="rId7"/>
-          <a:srcRect r="12604"/>
-          <a:stretch/>
-        </p:blipFill>
-        <p:spPr>
-          <a:xfrm>
-            <a:off x="9668520" y="1163565"/>
-            <a:ext cx="2377612" cy="1879283"/>
-          </a:xfrm>
-          <a:prstGeom prst="rect">
-            <a:avLst/>
-          </a:prstGeom>
-        </p:spPr>
-      </p:pic>
-      <p:pic>
-        <p:nvPicPr>
-          <p:cNvPr id="31" name="그림 30"/>
-          <p:cNvPicPr>
-            <a:picLocks noChangeAspect="1"/>
-          </p:cNvPicPr>
-          <p:nvPr/>
-        </p:nvPicPr>
-        <p:blipFill rotWithShape="1">
-          <a:blip r:embed="rId8"/>
           <a:srcRect r="1633"/>
           <a:stretch/>
         </p:blipFill>
@@ -9990,30 +9949,6 @@
           <a:xfrm>
             <a:off x="5248275" y="3650626"/>
             <a:ext cx="2421094" cy="1111874"/>
-          </a:xfrm>
-          <a:prstGeom prst="rect">
-            <a:avLst/>
-          </a:prstGeom>
-        </p:spPr>
-      </p:pic>
-      <p:pic>
-        <p:nvPicPr>
-          <p:cNvPr id="36" name="그림 35"/>
-          <p:cNvPicPr>
-            <a:picLocks noChangeAspect="1"/>
-          </p:cNvPicPr>
-          <p:nvPr/>
-        </p:nvPicPr>
-        <p:blipFill>
-          <a:blip r:embed="rId9"/>
-          <a:stretch>
-            <a:fillRect/>
-          </a:stretch>
-        </p:blipFill>
-        <p:spPr>
-          <a:xfrm>
-            <a:off x="8341713" y="5447601"/>
-            <a:ext cx="1209675" cy="895350"/>
           </a:xfrm>
           <a:prstGeom prst="rect">
             <a:avLst/>
@@ -10049,44 +9984,53 @@
           </a:p>
         </p:txBody>
       </p:sp>
-      <p:sp>
-        <p:nvSpPr>
-          <p:cNvPr id="40" name="왼쪽 대괄호 39"/>
-          <p:cNvSpPr/>
+      <p:pic>
+        <p:nvPicPr>
+          <p:cNvPr id="3" name="그림 2"/>
+          <p:cNvPicPr>
+            <a:picLocks noChangeAspect="1"/>
+          </p:cNvPicPr>
           <p:nvPr/>
-        </p:nvSpPr>
+        </p:nvPicPr>
+        <p:blipFill>
+          <a:blip r:embed="rId8"/>
+          <a:stretch>
+            <a:fillRect/>
+          </a:stretch>
+        </p:blipFill>
         <p:spPr>
           <a:xfrm>
-            <a:off x="4728623" y="3260280"/>
-            <a:ext cx="198130" cy="2856303"/>
+            <a:off x="8397874" y="5613482"/>
+            <a:ext cx="1484998" cy="601071"/>
           </a:xfrm>
-          <a:prstGeom prst="leftBracket">
+          <a:prstGeom prst="rect">
             <a:avLst/>
           </a:prstGeom>
         </p:spPr>
-        <p:style>
-          <a:lnRef idx="1">
-            <a:schemeClr val="accent1"/>
-          </a:lnRef>
-          <a:fillRef idx="0">
-            <a:schemeClr val="accent1"/>
-          </a:fillRef>
-          <a:effectRef idx="0">
-            <a:schemeClr val="accent1"/>
-          </a:effectRef>
-          <a:fontRef idx="minor">
-            <a:schemeClr val="tx1"/>
-          </a:fontRef>
-        </p:style>
-        <p:txBody>
-          <a:bodyPr rtlCol="0" anchor="ctr"/>
-          <a:lstStyle/>
-          <a:p>
-            <a:pPr algn="ctr"/>
-            <a:endParaRPr lang="ko-KR" altLang="en-US"/>
-          </a:p>
-        </p:txBody>
-      </p:sp>
+      </p:pic>
+      <p:pic>
+        <p:nvPicPr>
+          <p:cNvPr id="4" name="그림 3"/>
+          <p:cNvPicPr>
+            <a:picLocks noChangeAspect="1"/>
+          </p:cNvPicPr>
+          <p:nvPr/>
+        </p:nvPicPr>
+        <p:blipFill rotWithShape="1">
+          <a:blip r:embed="rId9"/>
+          <a:srcRect r="11354"/>
+          <a:stretch/>
+        </p:blipFill>
+        <p:spPr>
+          <a:xfrm>
+            <a:off x="9570418" y="1093510"/>
+            <a:ext cx="2463790" cy="2014145"/>
+          </a:xfrm>
+          <a:prstGeom prst="rect">
+            <a:avLst/>
+          </a:prstGeom>
+        </p:spPr>
+      </p:pic>
     </p:spTree>
     <p:extLst>
       <p:ext uri="{BB962C8B-B14F-4D97-AF65-F5344CB8AC3E}">
@@ -10117,6 +10061,30 @@
           <a:chExt cx="0" cy="0"/>
         </a:xfrm>
       </p:grpSpPr>
+      <p:pic>
+        <p:nvPicPr>
+          <p:cNvPr id="4" name="그림 3"/>
+          <p:cNvPicPr>
+            <a:picLocks noChangeAspect="1"/>
+          </p:cNvPicPr>
+          <p:nvPr/>
+        </p:nvPicPr>
+        <p:blipFill>
+          <a:blip r:embed="rId2"/>
+          <a:stretch>
+            <a:fillRect/>
+          </a:stretch>
+        </p:blipFill>
+        <p:spPr>
+          <a:xfrm>
+            <a:off x="5876925" y="1022548"/>
+            <a:ext cx="5572124" cy="5368727"/>
+          </a:xfrm>
+          <a:prstGeom prst="rect">
+            <a:avLst/>
+          </a:prstGeom>
+        </p:spPr>
+      </p:pic>
       <p:sp>
         <p:nvSpPr>
           <p:cNvPr id="2" name="제목 1"/>
@@ -10273,30 +10241,6 @@
           </a:p>
         </p:txBody>
       </p:sp>
-      <p:pic>
-        <p:nvPicPr>
-          <p:cNvPr id="5" name="그림 4"/>
-          <p:cNvPicPr>
-            <a:picLocks noChangeAspect="1"/>
-          </p:cNvPicPr>
-          <p:nvPr/>
-        </p:nvPicPr>
-        <p:blipFill>
-          <a:blip r:embed="rId2"/>
-          <a:stretch>
-            <a:fillRect/>
-          </a:stretch>
-        </p:blipFill>
-        <p:spPr>
-          <a:xfrm>
-            <a:off x="5906701" y="945310"/>
-            <a:ext cx="5685224" cy="5481798"/>
-          </a:xfrm>
-          <a:prstGeom prst="rect">
-            <a:avLst/>
-          </a:prstGeom>
-        </p:spPr>
-      </p:pic>
       <p:sp>
         <p:nvSpPr>
           <p:cNvPr id="6" name="직사각형 5"/>
@@ -10677,6 +10621,30 @@
           <a:chExt cx="0" cy="0"/>
         </a:xfrm>
       </p:grpSpPr>
+      <p:pic>
+        <p:nvPicPr>
+          <p:cNvPr id="49" name="그림 48"/>
+          <p:cNvPicPr>
+            <a:picLocks noChangeAspect="1"/>
+          </p:cNvPicPr>
+          <p:nvPr/>
+        </p:nvPicPr>
+        <p:blipFill>
+          <a:blip r:embed="rId2"/>
+          <a:stretch>
+            <a:fillRect/>
+          </a:stretch>
+        </p:blipFill>
+        <p:spPr>
+          <a:xfrm>
+            <a:off x="5876925" y="1022548"/>
+            <a:ext cx="5572124" cy="5368727"/>
+          </a:xfrm>
+          <a:prstGeom prst="rect">
+            <a:avLst/>
+          </a:prstGeom>
+        </p:spPr>
+      </p:pic>
       <p:sp>
         <p:nvSpPr>
           <p:cNvPr id="94" name="텍스트 개체 틀 93"/>
@@ -10814,30 +10782,6 @@
           </a:p>
         </p:txBody>
       </p:sp>
-      <p:pic>
-        <p:nvPicPr>
-          <p:cNvPr id="5" name="그림 4"/>
-          <p:cNvPicPr>
-            <a:picLocks noChangeAspect="1"/>
-          </p:cNvPicPr>
-          <p:nvPr/>
-        </p:nvPicPr>
-        <p:blipFill>
-          <a:blip r:embed="rId2"/>
-          <a:stretch>
-            <a:fillRect/>
-          </a:stretch>
-        </p:blipFill>
-        <p:spPr>
-          <a:xfrm>
-            <a:off x="5906701" y="945310"/>
-            <a:ext cx="5685224" cy="5481798"/>
-          </a:xfrm>
-          <a:prstGeom prst="rect">
-            <a:avLst/>
-          </a:prstGeom>
-        </p:spPr>
-      </p:pic>
       <p:sp>
         <p:nvSpPr>
           <p:cNvPr id="6" name="직사각형 5"/>
@@ -12612,6 +12556,30 @@
           <a:chExt cx="0" cy="0"/>
         </a:xfrm>
       </p:grpSpPr>
+      <p:pic>
+        <p:nvPicPr>
+          <p:cNvPr id="15" name="그림 14"/>
+          <p:cNvPicPr>
+            <a:picLocks noChangeAspect="1"/>
+          </p:cNvPicPr>
+          <p:nvPr/>
+        </p:nvPicPr>
+        <p:blipFill>
+          <a:blip r:embed="rId2"/>
+          <a:stretch>
+            <a:fillRect/>
+          </a:stretch>
+        </p:blipFill>
+        <p:spPr>
+          <a:xfrm>
+            <a:off x="5876925" y="1022548"/>
+            <a:ext cx="5572124" cy="5368727"/>
+          </a:xfrm>
+          <a:prstGeom prst="rect">
+            <a:avLst/>
+          </a:prstGeom>
+        </p:spPr>
+      </p:pic>
       <p:sp>
         <p:nvSpPr>
           <p:cNvPr id="2" name="제목 1"/>
@@ -12771,30 +12739,6 @@
           </a:p>
         </p:txBody>
       </p:sp>
-      <p:pic>
-        <p:nvPicPr>
-          <p:cNvPr id="5" name="그림 4"/>
-          <p:cNvPicPr>
-            <a:picLocks noChangeAspect="1"/>
-          </p:cNvPicPr>
-          <p:nvPr/>
-        </p:nvPicPr>
-        <p:blipFill>
-          <a:blip r:embed="rId2"/>
-          <a:stretch>
-            <a:fillRect/>
-          </a:stretch>
-        </p:blipFill>
-        <p:spPr>
-          <a:xfrm>
-            <a:off x="5906701" y="945310"/>
-            <a:ext cx="5685224" cy="5481798"/>
-          </a:xfrm>
-          <a:prstGeom prst="rect">
-            <a:avLst/>
-          </a:prstGeom>
-        </p:spPr>
-      </p:pic>
       <p:sp>
         <p:nvSpPr>
           <p:cNvPr id="10" name="TextBox 9"/>
@@ -13100,22 +13044,21 @@
       </p:sp>
       <p:pic>
         <p:nvPicPr>
-          <p:cNvPr id="5" name="그림 4"/>
+          <p:cNvPr id="7" name="그림 6"/>
           <p:cNvPicPr>
             <a:picLocks noChangeAspect="1"/>
           </p:cNvPicPr>
           <p:nvPr/>
         </p:nvPicPr>
-        <p:blipFill>
+        <p:blipFill rotWithShape="1">
           <a:blip r:embed="rId2"/>
-          <a:stretch>
-            <a:fillRect/>
-          </a:stretch>
+          <a:srcRect r="-17456"/>
+          <a:stretch/>
         </p:blipFill>
         <p:spPr>
           <a:xfrm>
-            <a:off x="2247900" y="924104"/>
-            <a:ext cx="7143750" cy="5481798"/>
+            <a:off x="2474293" y="981591"/>
+            <a:ext cx="8698532" cy="5366823"/>
           </a:xfrm>
           <a:prstGeom prst="rect">
             <a:avLst/>
@@ -13299,11 +13242,7 @@
             </a:r>
             <a:r>
               <a:rPr lang="ko-KR" altLang="en-US" sz="2000" dirty="0" smtClean="0"/>
-              <a:t>배치 </a:t>
-            </a:r>
-            <a:r>
-              <a:rPr lang="ko-KR" altLang="en-US" sz="2000" dirty="0" smtClean="0"/>
-              <a:t>및 </a:t>
+              <a:t>배치 및 </a:t>
             </a:r>
             <a:r>
               <a:rPr lang="en-US" altLang="ko-KR" sz="2000" dirty="0" smtClean="0"/>

--- a/term_project.pptx
+++ b/term_project.pptx
@@ -2266,23 +2266,12 @@
               <a:pPr algn="ctr"/>
               <a:r>
                 <a:rPr lang="en-US" altLang="ko-KR" sz="2400" b="1" dirty="0"/>
-                <a:t>D</a:t>
+                <a:t>Define how to descript </a:t>
               </a:r>
-              <a:r>
-                <a:rPr lang="en-US" altLang="ko-KR" sz="2400" b="1" dirty="0" smtClean="0"/>
-                <a:t>efine </a:t>
-              </a:r>
+              <a:endParaRPr lang="en-US" altLang="ko-KR" sz="2400" b="1" dirty="0" smtClean="0"/>
             </a:p>
             <a:p>
               <a:pPr algn="ctr"/>
-              <a:r>
-                <a:rPr lang="en-US" altLang="ko-KR" sz="2400" b="1" dirty="0" smtClean="0"/>
-                <a:t>practical </a:t>
-              </a:r>
-              <a:r>
-                <a:rPr lang="en-US" altLang="ko-KR" sz="2400" b="1" dirty="0"/>
-                <a:t>and reusable </a:t>
-              </a:r>
               <a:r>
                 <a:rPr lang="en-US" altLang="ko-KR" sz="2400" b="1" dirty="0" smtClean="0"/>
                 <a:t>interaction </a:t>
@@ -2943,8 +2932,16 @@
               <a:t>Define </a:t>
             </a:r>
             <a:r>
+              <a:rPr lang="en-US" altLang="ko-KR" b="1" dirty="0" smtClean="0"/>
+              <a:t>how to descript </a:t>
+            </a:r>
+            <a:r>
+              <a:rPr lang="en-US" altLang="ko-KR" b="1" dirty="0" smtClean="0"/>
+              <a:t>practical </a:t>
+            </a:r>
+            <a:r>
               <a:rPr lang="en-US" altLang="ko-KR" b="1" dirty="0"/>
-              <a:t>practical and reusable visual encoding/interaction logging pattern</a:t>
+              <a:t>and reusable visual encoding/interaction logging pattern</a:t>
             </a:r>
           </a:p>
           <a:p>
@@ -10031,6 +10028,47 @@
           </a:prstGeom>
         </p:spPr>
       </p:pic>
+      <p:pic>
+        <p:nvPicPr>
+          <p:cNvPr id="1026" name="Picture 2" descr="Image result"/>
+          <p:cNvPicPr>
+            <a:picLocks noChangeAspect="1" noChangeArrowheads="1"/>
+          </p:cNvPicPr>
+          <p:nvPr/>
+        </p:nvPicPr>
+        <p:blipFill>
+          <a:blip r:embed="rId10">
+            <a:extLst>
+              <a:ext uri="{28A0092B-C50C-407E-A947-70E740481C1C}">
+                <a14:useLocalDpi xmlns:a14="http://schemas.microsoft.com/office/drawing/2010/main" val="0"/>
+              </a:ext>
+            </a:extLst>
+          </a:blip>
+          <a:srcRect/>
+          <a:stretch>
+            <a:fillRect/>
+          </a:stretch>
+        </p:blipFill>
+        <p:spPr bwMode="auto">
+          <a:xfrm>
+            <a:off x="7753047" y="3639793"/>
+            <a:ext cx="1016303" cy="1016303"/>
+          </a:xfrm>
+          <a:prstGeom prst="rect">
+            <a:avLst/>
+          </a:prstGeom>
+          <a:noFill/>
+          <a:extLst>
+            <a:ext uri="{909E8E84-426E-40DD-AFC4-6F175D3DCCD1}">
+              <a14:hiddenFill xmlns:a14="http://schemas.microsoft.com/office/drawing/2010/main">
+                <a:solidFill>
+                  <a:srgbClr val="FFFFFF"/>
+                </a:solidFill>
+              </a14:hiddenFill>
+            </a:ext>
+          </a:extLst>
+        </p:spPr>
+      </p:pic>
     </p:spTree>
     <p:extLst>
       <p:ext uri="{BB962C8B-B14F-4D97-AF65-F5344CB8AC3E}">
@@ -10683,6 +10721,26 @@
               <a:rPr lang="ko-KR" altLang="en-US" dirty="0" smtClean="0"/>
               <a:t>시각화</a:t>
             </a:r>
+            <a:endParaRPr lang="en-US" altLang="ko-KR" dirty="0" smtClean="0"/>
+          </a:p>
+          <a:p>
+            <a:pPr lvl="1"/>
+            <a:r>
+              <a:rPr lang="ko-KR" altLang="en-US" sz="1800" dirty="0" smtClean="0"/>
+              <a:t>주요 </a:t>
+            </a:r>
+            <a:r>
+              <a:rPr lang="en-US" altLang="ko-KR" sz="1800" dirty="0" smtClean="0"/>
+              <a:t>Interaction + </a:t>
+            </a:r>
+            <a:r>
+              <a:rPr lang="ko-KR" altLang="en-US" sz="1800" dirty="0" smtClean="0"/>
+              <a:t>차트 형태의 </a:t>
+            </a:r>
+            <a:r>
+              <a:rPr lang="en-US" altLang="ko-KR" sz="1800" dirty="0" smtClean="0"/>
+              <a:t>Thumbnail</a:t>
+            </a:r>
             <a:endParaRPr lang="ko-KR" altLang="en-US" dirty="0"/>
           </a:p>
         </p:txBody>
@@ -10695,7 +10753,7 @@
         </p:nvSpPr>
         <p:spPr>
           <a:xfrm rot="5400000">
-            <a:off x="639659" y="3381053"/>
+            <a:off x="636031" y="3571836"/>
             <a:ext cx="1366375" cy="306071"/>
           </a:xfrm>
           <a:prstGeom prst="rightArrow">
@@ -10768,7 +10826,12 @@
             <p:ph type="sldNum" sz="quarter" idx="10"/>
           </p:nvPr>
         </p:nvSpPr>
-        <p:spPr/>
+        <p:spPr>
+          <a:xfrm>
+            <a:off x="21772" y="6322511"/>
+            <a:ext cx="457200" cy="279226"/>
+          </a:xfrm>
+        </p:spPr>
         <p:txBody>
           <a:bodyPr/>
           <a:lstStyle/>
@@ -10881,7 +10944,7 @@
         </p:nvSpPr>
         <p:spPr>
           <a:xfrm>
-            <a:off x="1566616" y="2869708"/>
+            <a:off x="1562988" y="3060491"/>
             <a:ext cx="2973956" cy="584775"/>
           </a:xfrm>
           <a:prstGeom prst="rect">
@@ -10916,7 +10979,7 @@
         </p:nvSpPr>
         <p:spPr>
           <a:xfrm>
-            <a:off x="532448" y="2249805"/>
+            <a:off x="528820" y="2440588"/>
             <a:ext cx="348263" cy="323884"/>
           </a:xfrm>
           <a:prstGeom prst="ellipse">
@@ -10962,7 +11025,7 @@
         </p:nvSpPr>
         <p:spPr>
           <a:xfrm>
-            <a:off x="1053505" y="2249805"/>
+            <a:off x="1049877" y="2440588"/>
             <a:ext cx="348263" cy="323884"/>
           </a:xfrm>
           <a:prstGeom prst="ellipse">
@@ -11008,7 +11071,7 @@
         </p:nvSpPr>
         <p:spPr>
           <a:xfrm>
-            <a:off x="1574562" y="2249805"/>
+            <a:off x="1570934" y="2440588"/>
             <a:ext cx="348263" cy="323884"/>
           </a:xfrm>
           <a:prstGeom prst="ellipse">
@@ -11054,7 +11117,7 @@
         </p:nvSpPr>
         <p:spPr>
           <a:xfrm>
-            <a:off x="2095619" y="2249805"/>
+            <a:off x="2091991" y="2440588"/>
             <a:ext cx="348263" cy="323884"/>
           </a:xfrm>
           <a:prstGeom prst="ellipse">
@@ -11100,7 +11163,7 @@
         </p:nvSpPr>
         <p:spPr>
           <a:xfrm>
-            <a:off x="3137733" y="2249805"/>
+            <a:off x="3134105" y="2440588"/>
             <a:ext cx="348263" cy="323884"/>
           </a:xfrm>
           <a:prstGeom prst="ellipse">
@@ -11146,7 +11209,7 @@
         </p:nvSpPr>
         <p:spPr>
           <a:xfrm>
-            <a:off x="3658790" y="2249805"/>
+            <a:off x="3655162" y="2440588"/>
             <a:ext cx="348263" cy="323884"/>
           </a:xfrm>
           <a:prstGeom prst="ellipse">
@@ -11192,7 +11255,7 @@
         </p:nvSpPr>
         <p:spPr>
           <a:xfrm>
-            <a:off x="4179850" y="2249805"/>
+            <a:off x="4176222" y="2440588"/>
             <a:ext cx="348263" cy="323884"/>
           </a:xfrm>
           <a:prstGeom prst="ellipse">
@@ -11241,7 +11304,7 @@
         </p:nvCxnSpPr>
         <p:spPr>
           <a:xfrm>
-            <a:off x="880711" y="2411747"/>
+            <a:off x="877083" y="2602530"/>
             <a:ext cx="172794" cy="0"/>
           </a:xfrm>
           <a:prstGeom prst="straightConnector1">
@@ -11282,7 +11345,7 @@
         </p:nvCxnSpPr>
         <p:spPr>
           <a:xfrm>
-            <a:off x="1401768" y="2411747"/>
+            <a:off x="1398140" y="2602530"/>
             <a:ext cx="172794" cy="0"/>
           </a:xfrm>
           <a:prstGeom prst="straightConnector1">
@@ -11323,7 +11386,7 @@
         </p:nvCxnSpPr>
         <p:spPr>
           <a:xfrm>
-            <a:off x="1922825" y="2411747"/>
+            <a:off x="1919197" y="2602530"/>
             <a:ext cx="172794" cy="0"/>
           </a:xfrm>
           <a:prstGeom prst="straightConnector1">
@@ -11363,7 +11426,7 @@
         </p:nvCxnSpPr>
         <p:spPr>
           <a:xfrm>
-            <a:off x="2443882" y="2411747"/>
+            <a:off x="2440254" y="2602530"/>
             <a:ext cx="172794" cy="0"/>
           </a:xfrm>
           <a:prstGeom prst="straightConnector1">
@@ -11403,7 +11466,7 @@
         </p:nvCxnSpPr>
         <p:spPr>
           <a:xfrm>
-            <a:off x="2964939" y="2411747"/>
+            <a:off x="2961311" y="2602530"/>
             <a:ext cx="172794" cy="0"/>
           </a:xfrm>
           <a:prstGeom prst="straightConnector1">
@@ -11444,7 +11507,7 @@
         </p:nvCxnSpPr>
         <p:spPr>
           <a:xfrm>
-            <a:off x="3485996" y="2411747"/>
+            <a:off x="3482368" y="2602530"/>
             <a:ext cx="172794" cy="0"/>
           </a:xfrm>
           <a:prstGeom prst="straightConnector1">
@@ -11485,7 +11548,7 @@
         </p:nvCxnSpPr>
         <p:spPr>
           <a:xfrm>
-            <a:off x="4007053" y="2411747"/>
+            <a:off x="4003425" y="2602530"/>
             <a:ext cx="172797" cy="0"/>
           </a:xfrm>
           <a:prstGeom prst="straightConnector1">
@@ -11523,7 +11586,7 @@
         </p:nvSpPr>
         <p:spPr>
           <a:xfrm>
-            <a:off x="4683224" y="2251459"/>
+            <a:off x="4679596" y="2442242"/>
             <a:ext cx="348263" cy="323884"/>
           </a:xfrm>
           <a:prstGeom prst="ellipse">
@@ -11572,7 +11635,7 @@
         </p:nvCxnSpPr>
         <p:spPr>
           <a:xfrm>
-            <a:off x="4528113" y="2411747"/>
+            <a:off x="4524485" y="2602530"/>
             <a:ext cx="155111" cy="1654"/>
           </a:xfrm>
           <a:prstGeom prst="straightConnector1">
@@ -11610,7 +11673,7 @@
         </p:nvSpPr>
         <p:spPr>
           <a:xfrm>
-            <a:off x="647865" y="4909318"/>
+            <a:off x="644237" y="4823876"/>
             <a:ext cx="216000" cy="216000"/>
           </a:xfrm>
           <a:prstGeom prst="ellipse">
@@ -11657,7 +11720,7 @@
         </p:nvSpPr>
         <p:spPr>
           <a:xfrm>
-            <a:off x="594214" y="4477062"/>
+            <a:off x="590586" y="4391620"/>
             <a:ext cx="348263" cy="323884"/>
           </a:xfrm>
           <a:prstGeom prst="ellipse">
@@ -11703,7 +11766,7 @@
         </p:nvSpPr>
         <p:spPr>
           <a:xfrm>
-            <a:off x="1632850" y="4477062"/>
+            <a:off x="1629222" y="4391620"/>
             <a:ext cx="348263" cy="323884"/>
           </a:xfrm>
           <a:prstGeom prst="ellipse">
@@ -11749,7 +11812,7 @@
         </p:nvSpPr>
         <p:spPr>
           <a:xfrm>
-            <a:off x="2674964" y="4477062"/>
+            <a:off x="2671336" y="4391620"/>
             <a:ext cx="348263" cy="323884"/>
           </a:xfrm>
           <a:prstGeom prst="ellipse">
@@ -11798,7 +11861,7 @@
         </p:nvCxnSpPr>
         <p:spPr>
           <a:xfrm>
-            <a:off x="942477" y="4639004"/>
+            <a:off x="938849" y="4553562"/>
             <a:ext cx="690373" cy="0"/>
           </a:xfrm>
           <a:prstGeom prst="straightConnector1">
@@ -11839,7 +11902,7 @@
         </p:nvCxnSpPr>
         <p:spPr>
           <a:xfrm>
-            <a:off x="1981113" y="4639004"/>
+            <a:off x="1977485" y="4553562"/>
             <a:ext cx="693851" cy="0"/>
           </a:xfrm>
           <a:prstGeom prst="straightConnector1">
@@ -11880,7 +11943,7 @@
         </p:nvCxnSpPr>
         <p:spPr>
           <a:xfrm>
-            <a:off x="3023227" y="4639004"/>
+            <a:off x="3019599" y="4553562"/>
             <a:ext cx="1718285" cy="1654"/>
           </a:xfrm>
           <a:prstGeom prst="straightConnector1">
@@ -11918,7 +11981,7 @@
         </p:nvSpPr>
         <p:spPr>
           <a:xfrm>
-            <a:off x="4741512" y="4478716"/>
+            <a:off x="4737884" y="4393274"/>
             <a:ext cx="348263" cy="323884"/>
           </a:xfrm>
           <a:prstGeom prst="ellipse">
@@ -11964,7 +12027,7 @@
         </p:nvSpPr>
         <p:spPr>
           <a:xfrm>
-            <a:off x="647865" y="5233690"/>
+            <a:off x="644237" y="5148248"/>
             <a:ext cx="216000" cy="216000"/>
           </a:xfrm>
           <a:prstGeom prst="ellipse">
@@ -12011,7 +12074,7 @@
         </p:nvSpPr>
         <p:spPr>
           <a:xfrm>
-            <a:off x="641325" y="5557900"/>
+            <a:off x="637697" y="5472458"/>
             <a:ext cx="216000" cy="216000"/>
           </a:xfrm>
           <a:prstGeom prst="ellipse">
@@ -12058,7 +12121,7 @@
         </p:nvSpPr>
         <p:spPr>
           <a:xfrm>
-            <a:off x="641325" y="5882110"/>
+            <a:off x="637697" y="5796668"/>
             <a:ext cx="216000" cy="216000"/>
           </a:xfrm>
           <a:prstGeom prst="ellipse">
@@ -12105,7 +12168,7 @@
         </p:nvSpPr>
         <p:spPr>
           <a:xfrm>
-            <a:off x="1699353" y="4873396"/>
+            <a:off x="1695725" y="4787954"/>
             <a:ext cx="216000" cy="216000"/>
           </a:xfrm>
           <a:prstGeom prst="ellipse">
@@ -12152,7 +12215,7 @@
         </p:nvSpPr>
         <p:spPr>
           <a:xfrm>
-            <a:off x="2741095" y="4883042"/>
+            <a:off x="2737467" y="4797600"/>
             <a:ext cx="216000" cy="216000"/>
           </a:xfrm>
           <a:prstGeom prst="ellipse">
@@ -12199,7 +12262,7 @@
         </p:nvSpPr>
         <p:spPr>
           <a:xfrm>
-            <a:off x="2741095" y="5181138"/>
+            <a:off x="2737467" y="5095696"/>
             <a:ext cx="216000" cy="216000"/>
           </a:xfrm>
           <a:prstGeom prst="ellipse">
@@ -12246,7 +12309,7 @@
         </p:nvSpPr>
         <p:spPr>
           <a:xfrm>
-            <a:off x="2597400" y="2165020"/>
+            <a:off x="2593772" y="2355803"/>
             <a:ext cx="491698" cy="369332"/>
           </a:xfrm>
           <a:prstGeom prst="rect">
@@ -12276,7 +12339,7 @@
         </p:nvSpPr>
         <p:spPr>
           <a:xfrm>
-            <a:off x="4798381" y="4883042"/>
+            <a:off x="4794753" y="4797600"/>
             <a:ext cx="216000" cy="216000"/>
           </a:xfrm>
           <a:prstGeom prst="ellipse">
@@ -12323,7 +12386,7 @@
         </p:nvSpPr>
         <p:spPr>
           <a:xfrm>
-            <a:off x="4798381" y="5207414"/>
+            <a:off x="4794753" y="5121972"/>
             <a:ext cx="216000" cy="216000"/>
           </a:xfrm>
           <a:prstGeom prst="ellipse">
@@ -12370,7 +12433,7 @@
         </p:nvSpPr>
         <p:spPr>
           <a:xfrm>
-            <a:off x="4803863" y="5531786"/>
+            <a:off x="4800235" y="5446344"/>
             <a:ext cx="216000" cy="216000"/>
           </a:xfrm>
           <a:prstGeom prst="ellipse">
@@ -12417,7 +12480,7 @@
         </p:nvSpPr>
         <p:spPr>
           <a:xfrm>
-            <a:off x="1566616" y="3466138"/>
+            <a:off x="1562988" y="3656921"/>
             <a:ext cx="3734112" cy="523220"/>
           </a:xfrm>
           <a:prstGeom prst="rect">
@@ -12474,7 +12537,7 @@
         </p:nvSpPr>
         <p:spPr>
           <a:xfrm>
-            <a:off x="507197" y="2543417"/>
+            <a:off x="503569" y="2734200"/>
             <a:ext cx="1936065" cy="276999"/>
           </a:xfrm>
           <a:prstGeom prst="rect">
@@ -12504,7 +12567,7 @@
         </p:nvSpPr>
         <p:spPr>
           <a:xfrm>
-            <a:off x="578577" y="6134239"/>
+            <a:off x="574949" y="6048797"/>
             <a:ext cx="3034083" cy="276999"/>
           </a:xfrm>
           <a:prstGeom prst="rect">
